--- a/documents/projectmanagement/Praesentationen/Abschlusspräsentation_Karsten.pptx
+++ b/documents/projectmanagement/Praesentationen/Abschlusspräsentation_Karsten.pptx
@@ -5,7 +5,7 @@
     <p:sldMasterId id="2147483648" r:id="rId1"/>
   </p:sldMasterIdLst>
   <p:notesMasterIdLst>
-    <p:notesMasterId r:id="rId18"/>
+    <p:notesMasterId r:id="rId20"/>
   </p:notesMasterIdLst>
   <p:sldIdLst>
     <p:sldId id="256" r:id="rId2"/>
@@ -18,12 +18,14 @@
     <p:sldId id="287" r:id="rId9"/>
     <p:sldId id="304" r:id="rId10"/>
     <p:sldId id="294" r:id="rId11"/>
-    <p:sldId id="295" r:id="rId12"/>
-    <p:sldId id="290" r:id="rId13"/>
-    <p:sldId id="289" r:id="rId14"/>
-    <p:sldId id="291" r:id="rId15"/>
-    <p:sldId id="296" r:id="rId16"/>
-    <p:sldId id="292" r:id="rId17"/>
+    <p:sldId id="305" r:id="rId12"/>
+    <p:sldId id="307" r:id="rId13"/>
+    <p:sldId id="306" r:id="rId14"/>
+    <p:sldId id="295" r:id="rId15"/>
+    <p:sldId id="290" r:id="rId16"/>
+    <p:sldId id="291" r:id="rId17"/>
+    <p:sldId id="296" r:id="rId18"/>
+    <p:sldId id="292" r:id="rId19"/>
   </p:sldIdLst>
   <p:sldSz cx="12192000" cy="6858000"/>
   <p:notesSz cx="6858000" cy="9144000"/>
@@ -8420,13 +8422,6 @@
         </dgm:presLayoutVars>
       </dgm:prSet>
       <dgm:spPr/>
-      <dgm:t>
-        <a:bodyPr/>
-        <a:lstStyle/>
-        <a:p>
-          <a:endParaRPr lang="de-DE"/>
-        </a:p>
-      </dgm:t>
     </dgm:pt>
     <dgm:pt modelId="{E69F6897-FA44-4D33-95A1-02C61B3B37CC}" type="pres">
       <dgm:prSet presAssocID="{41296BC6-2EBB-497E-96C8-769DF938FF6B}" presName="composite" presStyleCnt="0"/>
@@ -8457,13 +8452,6 @@
         </dgm:presLayoutVars>
       </dgm:prSet>
       <dgm:spPr/>
-      <dgm:t>
-        <a:bodyPr/>
-        <a:lstStyle/>
-        <a:p>
-          <a:endParaRPr lang="de-DE"/>
-        </a:p>
-      </dgm:t>
     </dgm:pt>
   </dgm:ptLst>
   <dgm:cxnLst>
@@ -8480,7 +8468,7 @@
   <dgm:whole/>
   <dgm:extLst>
     <a:ext uri="http://schemas.microsoft.com/office/drawing/2008/diagram">
-      <dsp:dataModelExt xmlns:dsp="http://schemas.microsoft.com/office/drawing/2008/diagram" relId="rId7" minVer="http://schemas.openxmlformats.org/drawingml/2006/diagram"/>
+      <dsp:dataModelExt xmlns:dsp="http://schemas.microsoft.com/office/drawing/2008/diagram" relId="rId8" minVer="http://schemas.openxmlformats.org/drawingml/2006/diagram"/>
     </a:ext>
   </dgm:extLst>
 </dgm:dataModel>
@@ -8726,13 +8714,6 @@
     <dgm:pt modelId="{0DEF2705-2132-4518-B146-F8EE3B04A480}" type="pres">
       <dgm:prSet presAssocID="{D284276E-0B24-4B41-A1DC-742B330585DF}" presName="bkgdShape" presStyleLbl="node1" presStyleIdx="0" presStyleCnt="5"/>
       <dgm:spPr/>
-      <dgm:t>
-        <a:bodyPr/>
-        <a:lstStyle/>
-        <a:p>
-          <a:endParaRPr lang="de-DE"/>
-        </a:p>
-      </dgm:t>
     </dgm:pt>
     <dgm:pt modelId="{2B067435-A646-4502-8080-8057C03B06D4}" type="pres">
       <dgm:prSet presAssocID="{D284276E-0B24-4B41-A1DC-742B330585DF}" presName="nodeTx" presStyleLbl="node1" presStyleIdx="0" presStyleCnt="5">
@@ -8741,13 +8722,6 @@
         </dgm:presLayoutVars>
       </dgm:prSet>
       <dgm:spPr/>
-      <dgm:t>
-        <a:bodyPr/>
-        <a:lstStyle/>
-        <a:p>
-          <a:endParaRPr lang="de-DE"/>
-        </a:p>
-      </dgm:t>
     </dgm:pt>
     <dgm:pt modelId="{D8C4D372-6991-47DD-B3D6-1321029A4997}" type="pres">
       <dgm:prSet presAssocID="{D284276E-0B24-4B41-A1DC-742B330585DF}" presName="invisiNode" presStyleLbl="node1" presStyleIdx="0" presStyleCnt="5"/>
@@ -8774,13 +8748,6 @@
     <dgm:pt modelId="{39AB0950-6831-4B26-B0A1-CE18D8FEA0A8}" type="pres">
       <dgm:prSet presAssocID="{B6CD0483-C4A2-41F4-8D5B-83C014C8DB89}" presName="sibTrans" presStyleLbl="sibTrans2D1" presStyleIdx="0" presStyleCnt="0"/>
       <dgm:spPr/>
-      <dgm:t>
-        <a:bodyPr/>
-        <a:lstStyle/>
-        <a:p>
-          <a:endParaRPr lang="de-DE"/>
-        </a:p>
-      </dgm:t>
     </dgm:pt>
     <dgm:pt modelId="{22642FD7-463F-49BE-9ED8-8AB66652CA11}" type="pres">
       <dgm:prSet presAssocID="{F9295A0E-A9F5-40D7-973C-7BEE1C22BF81}" presName="compNode" presStyleCnt="0"/>
@@ -8789,13 +8756,6 @@
     <dgm:pt modelId="{6FE94BFF-A6B8-4895-AD7F-E390B2692CD0}" type="pres">
       <dgm:prSet presAssocID="{F9295A0E-A9F5-40D7-973C-7BEE1C22BF81}" presName="bkgdShape" presStyleLbl="node1" presStyleIdx="1" presStyleCnt="5"/>
       <dgm:spPr/>
-      <dgm:t>
-        <a:bodyPr/>
-        <a:lstStyle/>
-        <a:p>
-          <a:endParaRPr lang="de-DE"/>
-        </a:p>
-      </dgm:t>
     </dgm:pt>
     <dgm:pt modelId="{C90EFC58-6A6B-4E3E-AE2E-BB0E05B45978}" type="pres">
       <dgm:prSet presAssocID="{F9295A0E-A9F5-40D7-973C-7BEE1C22BF81}" presName="nodeTx" presStyleLbl="node1" presStyleIdx="1" presStyleCnt="5">
@@ -8804,13 +8764,6 @@
         </dgm:presLayoutVars>
       </dgm:prSet>
       <dgm:spPr/>
-      <dgm:t>
-        <a:bodyPr/>
-        <a:lstStyle/>
-        <a:p>
-          <a:endParaRPr lang="de-DE"/>
-        </a:p>
-      </dgm:t>
     </dgm:pt>
     <dgm:pt modelId="{86144F4F-1458-456B-814C-0F2C4F831D80}" type="pres">
       <dgm:prSet presAssocID="{F9295A0E-A9F5-40D7-973C-7BEE1C22BF81}" presName="invisiNode" presStyleLbl="node1" presStyleIdx="1" presStyleCnt="5"/>
@@ -8837,13 +8790,6 @@
     <dgm:pt modelId="{7FA1F5FF-9D16-4966-B88A-1237E8A406F3}" type="pres">
       <dgm:prSet presAssocID="{0C83F384-CAEA-41D8-B597-F0BC9C17BEEC}" presName="sibTrans" presStyleLbl="sibTrans2D1" presStyleIdx="0" presStyleCnt="0"/>
       <dgm:spPr/>
-      <dgm:t>
-        <a:bodyPr/>
-        <a:lstStyle/>
-        <a:p>
-          <a:endParaRPr lang="de-DE"/>
-        </a:p>
-      </dgm:t>
     </dgm:pt>
     <dgm:pt modelId="{D9A6ACB2-F7E6-4999-96D7-035E4971A654}" type="pres">
       <dgm:prSet presAssocID="{EED5BED8-5768-416A-8914-19D13A565395}" presName="compNode" presStyleCnt="0"/>
@@ -8852,13 +8798,6 @@
     <dgm:pt modelId="{492193C1-F6A3-46C9-8AD0-3FC16D212958}" type="pres">
       <dgm:prSet presAssocID="{EED5BED8-5768-416A-8914-19D13A565395}" presName="bkgdShape" presStyleLbl="node1" presStyleIdx="2" presStyleCnt="5"/>
       <dgm:spPr/>
-      <dgm:t>
-        <a:bodyPr/>
-        <a:lstStyle/>
-        <a:p>
-          <a:endParaRPr lang="de-DE"/>
-        </a:p>
-      </dgm:t>
     </dgm:pt>
     <dgm:pt modelId="{12600276-960C-409C-9ED8-15D192C55F70}" type="pres">
       <dgm:prSet presAssocID="{EED5BED8-5768-416A-8914-19D13A565395}" presName="nodeTx" presStyleLbl="node1" presStyleIdx="2" presStyleCnt="5">
@@ -8867,13 +8806,6 @@
         </dgm:presLayoutVars>
       </dgm:prSet>
       <dgm:spPr/>
-      <dgm:t>
-        <a:bodyPr/>
-        <a:lstStyle/>
-        <a:p>
-          <a:endParaRPr lang="de-DE"/>
-        </a:p>
-      </dgm:t>
     </dgm:pt>
     <dgm:pt modelId="{122083A7-F62E-457B-B915-2199F9737903}" type="pres">
       <dgm:prSet presAssocID="{EED5BED8-5768-416A-8914-19D13A565395}" presName="invisiNode" presStyleLbl="node1" presStyleIdx="2" presStyleCnt="5"/>
@@ -8900,13 +8832,6 @@
     <dgm:pt modelId="{289B95B0-76B7-4694-B2C3-09CB600879E7}" type="pres">
       <dgm:prSet presAssocID="{CF800B3B-9BB8-4346-BBC4-261EFFC78F95}" presName="sibTrans" presStyleLbl="sibTrans2D1" presStyleIdx="0" presStyleCnt="0"/>
       <dgm:spPr/>
-      <dgm:t>
-        <a:bodyPr/>
-        <a:lstStyle/>
-        <a:p>
-          <a:endParaRPr lang="de-DE"/>
-        </a:p>
-      </dgm:t>
     </dgm:pt>
     <dgm:pt modelId="{644780DD-012C-4D72-BD0E-AAF7FD9B6C67}" type="pres">
       <dgm:prSet presAssocID="{212C4C3F-B2BC-46BD-B7E2-49BF2D3A9CD2}" presName="compNode" presStyleCnt="0"/>
@@ -8915,13 +8840,6 @@
     <dgm:pt modelId="{6C3E15DF-0AB3-4817-9D0B-10294FEB9639}" type="pres">
       <dgm:prSet presAssocID="{212C4C3F-B2BC-46BD-B7E2-49BF2D3A9CD2}" presName="bkgdShape" presStyleLbl="node1" presStyleIdx="3" presStyleCnt="5"/>
       <dgm:spPr/>
-      <dgm:t>
-        <a:bodyPr/>
-        <a:lstStyle/>
-        <a:p>
-          <a:endParaRPr lang="de-DE"/>
-        </a:p>
-      </dgm:t>
     </dgm:pt>
     <dgm:pt modelId="{681AE190-7CE1-437F-9FC3-D34407CAD7DE}" type="pres">
       <dgm:prSet presAssocID="{212C4C3F-B2BC-46BD-B7E2-49BF2D3A9CD2}" presName="nodeTx" presStyleLbl="node1" presStyleIdx="3" presStyleCnt="5">
@@ -8930,13 +8848,6 @@
         </dgm:presLayoutVars>
       </dgm:prSet>
       <dgm:spPr/>
-      <dgm:t>
-        <a:bodyPr/>
-        <a:lstStyle/>
-        <a:p>
-          <a:endParaRPr lang="de-DE"/>
-        </a:p>
-      </dgm:t>
     </dgm:pt>
     <dgm:pt modelId="{A2B5C136-D03B-4E9E-8E7E-2CAD7941BD8A}" type="pres">
       <dgm:prSet presAssocID="{212C4C3F-B2BC-46BD-B7E2-49BF2D3A9CD2}" presName="invisiNode" presStyleLbl="node1" presStyleIdx="3" presStyleCnt="5"/>
@@ -8963,13 +8874,6 @@
     <dgm:pt modelId="{E14E1273-1C4A-4A69-9E99-7A59F329F47C}" type="pres">
       <dgm:prSet presAssocID="{015805E6-8D1E-44B1-9EF3-42E285A8A86F}" presName="sibTrans" presStyleLbl="sibTrans2D1" presStyleIdx="0" presStyleCnt="0"/>
       <dgm:spPr/>
-      <dgm:t>
-        <a:bodyPr/>
-        <a:lstStyle/>
-        <a:p>
-          <a:endParaRPr lang="de-DE"/>
-        </a:p>
-      </dgm:t>
     </dgm:pt>
     <dgm:pt modelId="{EE389596-78F7-48D1-89CB-7F16954A729C}" type="pres">
       <dgm:prSet presAssocID="{9582269A-5383-4875-B584-D1FCA7B3A081}" presName="compNode" presStyleCnt="0"/>
@@ -8978,13 +8882,6 @@
     <dgm:pt modelId="{259A8A00-97D5-4FB9-A1AF-C361C40F5EF9}" type="pres">
       <dgm:prSet presAssocID="{9582269A-5383-4875-B584-D1FCA7B3A081}" presName="bkgdShape" presStyleLbl="node1" presStyleIdx="4" presStyleCnt="5"/>
       <dgm:spPr/>
-      <dgm:t>
-        <a:bodyPr/>
-        <a:lstStyle/>
-        <a:p>
-          <a:endParaRPr lang="de-DE"/>
-        </a:p>
-      </dgm:t>
     </dgm:pt>
     <dgm:pt modelId="{EBADB602-D542-4ECC-AFA1-51F9C27D40A0}" type="pres">
       <dgm:prSet presAssocID="{9582269A-5383-4875-B584-D1FCA7B3A081}" presName="nodeTx" presStyleLbl="node1" presStyleIdx="4" presStyleCnt="5">
@@ -8993,13 +8890,6 @@
         </dgm:presLayoutVars>
       </dgm:prSet>
       <dgm:spPr/>
-      <dgm:t>
-        <a:bodyPr/>
-        <a:lstStyle/>
-        <a:p>
-          <a:endParaRPr lang="de-DE"/>
-        </a:p>
-      </dgm:t>
     </dgm:pt>
     <dgm:pt modelId="{2995DC13-CA99-4483-B607-980094DDFFF1}" type="pres">
       <dgm:prSet presAssocID="{9582269A-5383-4875-B584-D1FCA7B3A081}" presName="invisiNode" presStyleLbl="node1" presStyleIdx="4" presStyleCnt="5"/>
@@ -9339,13 +9229,6 @@
         </dgm:presLayoutVars>
       </dgm:prSet>
       <dgm:spPr/>
-      <dgm:t>
-        <a:bodyPr/>
-        <a:lstStyle/>
-        <a:p>
-          <a:endParaRPr lang="de-DE"/>
-        </a:p>
-      </dgm:t>
     </dgm:pt>
     <dgm:pt modelId="{DA099EED-4F5D-4058-929B-91D547FCECAF}" type="pres">
       <dgm:prSet presAssocID="{815A21B8-640D-4A0A-BC78-F13870CC4C58}" presName="circleA" presStyleLbl="node1" presStyleIdx="0" presStyleCnt="3"/>
@@ -9370,13 +9253,6 @@
         </dgm:presLayoutVars>
       </dgm:prSet>
       <dgm:spPr/>
-      <dgm:t>
-        <a:bodyPr/>
-        <a:lstStyle/>
-        <a:p>
-          <a:endParaRPr lang="de-DE"/>
-        </a:p>
-      </dgm:t>
     </dgm:pt>
     <dgm:pt modelId="{77162A5F-071C-48C6-B77C-972F8D3E479B}" type="pres">
       <dgm:prSet presAssocID="{D7BC0203-36C7-4DE6-8BF5-40F3B353FD4A}" presName="circleB" presStyleLbl="node1" presStyleIdx="1" presStyleCnt="3"/>
@@ -9401,13 +9277,6 @@
         </dgm:presLayoutVars>
       </dgm:prSet>
       <dgm:spPr/>
-      <dgm:t>
-        <a:bodyPr/>
-        <a:lstStyle/>
-        <a:p>
-          <a:endParaRPr lang="de-DE"/>
-        </a:p>
-      </dgm:t>
     </dgm:pt>
     <dgm:pt modelId="{24D016FC-27A0-40B2-81C4-613E6EA1A617}" type="pres">
       <dgm:prSet presAssocID="{D7DC21AD-EF37-4265-A5AF-B48B72C7E8DA}" presName="circleA" presStyleLbl="node1" presStyleIdx="2" presStyleCnt="3"/>
@@ -9521,13 +9390,6 @@
         </dgm:presLayoutVars>
       </dgm:prSet>
       <dgm:spPr/>
-      <dgm:t>
-        <a:bodyPr/>
-        <a:lstStyle/>
-        <a:p>
-          <a:endParaRPr lang="de-DE"/>
-        </a:p>
-      </dgm:t>
     </dgm:pt>
     <dgm:pt modelId="{E69F6897-FA44-4D33-95A1-02C61B3B37CC}" type="pres">
       <dgm:prSet presAssocID="{41296BC6-2EBB-497E-96C8-769DF938FF6B}" presName="composite" presStyleCnt="0"/>
@@ -9558,13 +9420,6 @@
         </dgm:presLayoutVars>
       </dgm:prSet>
       <dgm:spPr/>
-      <dgm:t>
-        <a:bodyPr/>
-        <a:lstStyle/>
-        <a:p>
-          <a:endParaRPr lang="de-DE"/>
-        </a:p>
-      </dgm:t>
     </dgm:pt>
   </dgm:ptLst>
   <dgm:cxnLst>
@@ -9581,7 +9436,7 @@
   <dgm:whole/>
   <dgm:extLst>
     <a:ext uri="http://schemas.microsoft.com/office/drawing/2008/diagram">
-      <dsp:dataModelExt xmlns:dsp="http://schemas.microsoft.com/office/drawing/2008/diagram" relId="rId12" minVer="http://schemas.openxmlformats.org/drawingml/2006/diagram"/>
+      <dsp:dataModelExt xmlns:dsp="http://schemas.microsoft.com/office/drawing/2008/diagram" relId="rId13" minVer="http://schemas.openxmlformats.org/drawingml/2006/diagram"/>
     </a:ext>
   </dgm:extLst>
 </dgm:dataModel>
@@ -9649,13 +9504,6 @@
         </dgm:presLayoutVars>
       </dgm:prSet>
       <dgm:spPr/>
-      <dgm:t>
-        <a:bodyPr/>
-        <a:lstStyle/>
-        <a:p>
-          <a:endParaRPr lang="de-DE"/>
-        </a:p>
-      </dgm:t>
     </dgm:pt>
     <dgm:pt modelId="{E69F6897-FA44-4D33-95A1-02C61B3B37CC}" type="pres">
       <dgm:prSet presAssocID="{41296BC6-2EBB-497E-96C8-769DF938FF6B}" presName="composite" presStyleCnt="0"/>
@@ -9686,13 +9534,6 @@
         </dgm:presLayoutVars>
       </dgm:prSet>
       <dgm:spPr/>
-      <dgm:t>
-        <a:bodyPr/>
-        <a:lstStyle/>
-        <a:p>
-          <a:endParaRPr lang="de-DE"/>
-        </a:p>
-      </dgm:t>
     </dgm:pt>
   </dgm:ptLst>
   <dgm:cxnLst>
@@ -9709,7 +9550,7 @@
   <dgm:whole/>
   <dgm:extLst>
     <a:ext uri="http://schemas.microsoft.com/office/drawing/2008/diagram">
-      <dsp:dataModelExt xmlns:dsp="http://schemas.microsoft.com/office/drawing/2008/diagram" relId="rId17" minVer="http://schemas.openxmlformats.org/drawingml/2006/diagram"/>
+      <dsp:dataModelExt xmlns:dsp="http://schemas.microsoft.com/office/drawing/2008/diagram" relId="rId18" minVer="http://schemas.openxmlformats.org/drawingml/2006/diagram"/>
     </a:ext>
   </dgm:extLst>
 </dgm:dataModel>
@@ -9777,13 +9618,6 @@
         </dgm:presLayoutVars>
       </dgm:prSet>
       <dgm:spPr/>
-      <dgm:t>
-        <a:bodyPr/>
-        <a:lstStyle/>
-        <a:p>
-          <a:endParaRPr lang="de-DE"/>
-        </a:p>
-      </dgm:t>
     </dgm:pt>
     <dgm:pt modelId="{E69F6897-FA44-4D33-95A1-02C61B3B37CC}" type="pres">
       <dgm:prSet presAssocID="{41296BC6-2EBB-497E-96C8-769DF938FF6B}" presName="composite" presStyleCnt="0"/>
@@ -9814,13 +9648,6 @@
         </dgm:presLayoutVars>
       </dgm:prSet>
       <dgm:spPr/>
-      <dgm:t>
-        <a:bodyPr/>
-        <a:lstStyle/>
-        <a:p>
-          <a:endParaRPr lang="de-DE"/>
-        </a:p>
-      </dgm:t>
     </dgm:pt>
   </dgm:ptLst>
   <dgm:cxnLst>
@@ -9837,7 +9664,7 @@
   <dgm:whole/>
   <dgm:extLst>
     <a:ext uri="http://schemas.microsoft.com/office/drawing/2008/diagram">
-      <dsp:dataModelExt xmlns:dsp="http://schemas.microsoft.com/office/drawing/2008/diagram" relId="rId22" minVer="http://schemas.openxmlformats.org/drawingml/2006/diagram"/>
+      <dsp:dataModelExt xmlns:dsp="http://schemas.microsoft.com/office/drawing/2008/diagram" relId="rId23" minVer="http://schemas.openxmlformats.org/drawingml/2006/diagram"/>
     </a:ext>
   </dgm:extLst>
 </dgm:dataModel>
@@ -9905,13 +9732,6 @@
         </dgm:presLayoutVars>
       </dgm:prSet>
       <dgm:spPr/>
-      <dgm:t>
-        <a:bodyPr/>
-        <a:lstStyle/>
-        <a:p>
-          <a:endParaRPr lang="de-DE"/>
-        </a:p>
-      </dgm:t>
     </dgm:pt>
     <dgm:pt modelId="{E69F6897-FA44-4D33-95A1-02C61B3B37CC}" type="pres">
       <dgm:prSet presAssocID="{41296BC6-2EBB-497E-96C8-769DF938FF6B}" presName="composite" presStyleCnt="0"/>
@@ -9942,13 +9762,6 @@
         </dgm:presLayoutVars>
       </dgm:prSet>
       <dgm:spPr/>
-      <dgm:t>
-        <a:bodyPr/>
-        <a:lstStyle/>
-        <a:p>
-          <a:endParaRPr lang="de-DE"/>
-        </a:p>
-      </dgm:t>
     </dgm:pt>
   </dgm:ptLst>
   <dgm:cxnLst>
@@ -9965,7 +9778,7 @@
   <dgm:whole/>
   <dgm:extLst>
     <a:ext uri="http://schemas.microsoft.com/office/drawing/2008/diagram">
-      <dsp:dataModelExt xmlns:dsp="http://schemas.microsoft.com/office/drawing/2008/diagram" relId="rId27" minVer="http://schemas.openxmlformats.org/drawingml/2006/diagram"/>
+      <dsp:dataModelExt xmlns:dsp="http://schemas.microsoft.com/office/drawing/2008/diagram" relId="rId28" minVer="http://schemas.openxmlformats.org/drawingml/2006/diagram"/>
     </a:ext>
   </dgm:extLst>
 </dgm:dataModel>
@@ -9997,10 +9810,9 @@
         <a:lstStyle/>
         <a:p>
           <a:r>
-            <a:rPr lang="de-DE" sz="3300" dirty="0" smtClean="0"/>
+            <a:rPr lang="de-DE" sz="3300" dirty="0"/>
             <a:t>Angepasst</a:t>
           </a:r>
-          <a:endParaRPr lang="de-DE" sz="3300" dirty="0"/>
         </a:p>
       </dgm:t>
     </dgm:pt>
@@ -10034,13 +9846,6 @@
         </dgm:presLayoutVars>
       </dgm:prSet>
       <dgm:spPr/>
-      <dgm:t>
-        <a:bodyPr/>
-        <a:lstStyle/>
-        <a:p>
-          <a:endParaRPr lang="de-DE"/>
-        </a:p>
-      </dgm:t>
     </dgm:pt>
     <dgm:pt modelId="{E69F6897-FA44-4D33-95A1-02C61B3B37CC}" type="pres">
       <dgm:prSet presAssocID="{41296BC6-2EBB-497E-96C8-769DF938FF6B}" presName="composite" presStyleCnt="0"/>
@@ -10071,13 +9876,6 @@
         </dgm:presLayoutVars>
       </dgm:prSet>
       <dgm:spPr/>
-      <dgm:t>
-        <a:bodyPr/>
-        <a:lstStyle/>
-        <a:p>
-          <a:endParaRPr lang="de-DE"/>
-        </a:p>
-      </dgm:t>
     </dgm:pt>
   </dgm:ptLst>
   <dgm:cxnLst>
@@ -10094,7 +9892,7 @@
   <dgm:whole/>
   <dgm:extLst>
     <a:ext uri="http://schemas.microsoft.com/office/drawing/2008/diagram">
-      <dsp:dataModelExt xmlns:dsp="http://schemas.microsoft.com/office/drawing/2008/diagram" relId="rId32" minVer="http://schemas.openxmlformats.org/drawingml/2006/diagram"/>
+      <dsp:dataModelExt xmlns:dsp="http://schemas.microsoft.com/office/drawing/2008/diagram" relId="rId33" minVer="http://schemas.openxmlformats.org/drawingml/2006/diagram"/>
     </a:ext>
   </dgm:extLst>
 </dgm:dataModel>
@@ -10246,13 +10044,6 @@
         </dgm:presLayoutVars>
       </dgm:prSet>
       <dgm:spPr/>
-      <dgm:t>
-        <a:bodyPr/>
-        <a:lstStyle/>
-        <a:p>
-          <a:endParaRPr lang="de-DE"/>
-        </a:p>
-      </dgm:t>
     </dgm:pt>
     <dgm:pt modelId="{E69F6897-FA44-4D33-95A1-02C61B3B37CC}" type="pres">
       <dgm:prSet presAssocID="{41296BC6-2EBB-497E-96C8-769DF938FF6B}" presName="composite" presStyleCnt="0"/>
@@ -10283,13 +10074,6 @@
         </dgm:presLayoutVars>
       </dgm:prSet>
       <dgm:spPr/>
-      <dgm:t>
-        <a:bodyPr/>
-        <a:lstStyle/>
-        <a:p>
-          <a:endParaRPr lang="de-DE"/>
-        </a:p>
-      </dgm:t>
     </dgm:pt>
     <dgm:pt modelId="{E25B1FA2-E17C-42C5-8FAF-3BC9E8DAEA7A}" type="pres">
       <dgm:prSet presAssocID="{73489C6D-C5FA-4460-9736-20B51B764A5C}" presName="spacing" presStyleCnt="0"/>
@@ -10324,13 +10108,6 @@
         </dgm:presLayoutVars>
       </dgm:prSet>
       <dgm:spPr/>
-      <dgm:t>
-        <a:bodyPr/>
-        <a:lstStyle/>
-        <a:p>
-          <a:endParaRPr lang="de-DE"/>
-        </a:p>
-      </dgm:t>
     </dgm:pt>
     <dgm:pt modelId="{E30D30DE-40BD-4C10-983A-674632778F02}" type="pres">
       <dgm:prSet presAssocID="{4D36172C-3601-4628-B433-8657B8238583}" presName="spacing" presStyleCnt="0"/>
@@ -10365,13 +10142,6 @@
         </dgm:presLayoutVars>
       </dgm:prSet>
       <dgm:spPr/>
-      <dgm:t>
-        <a:bodyPr/>
-        <a:lstStyle/>
-        <a:p>
-          <a:endParaRPr lang="de-DE"/>
-        </a:p>
-      </dgm:t>
     </dgm:pt>
   </dgm:ptLst>
   <dgm:cxnLst>
@@ -10506,13 +10276,6 @@
         </dgm:presLayoutVars>
       </dgm:prSet>
       <dgm:spPr/>
-      <dgm:t>
-        <a:bodyPr/>
-        <a:lstStyle/>
-        <a:p>
-          <a:endParaRPr lang="de-DE"/>
-        </a:p>
-      </dgm:t>
     </dgm:pt>
     <dgm:pt modelId="{E69F6897-FA44-4D33-95A1-02C61B3B37CC}" type="pres">
       <dgm:prSet presAssocID="{41296BC6-2EBB-497E-96C8-769DF938FF6B}" presName="composite" presStyleCnt="0"/>
@@ -10543,13 +10306,6 @@
         </dgm:presLayoutVars>
       </dgm:prSet>
       <dgm:spPr/>
-      <dgm:t>
-        <a:bodyPr/>
-        <a:lstStyle/>
-        <a:p>
-          <a:endParaRPr lang="de-DE"/>
-        </a:p>
-      </dgm:t>
     </dgm:pt>
     <dgm:pt modelId="{E25B1FA2-E17C-42C5-8FAF-3BC9E8DAEA7A}" type="pres">
       <dgm:prSet presAssocID="{73489C6D-C5FA-4460-9736-20B51B764A5C}" presName="spacing" presStyleCnt="0"/>
@@ -10584,13 +10340,6 @@
         </dgm:presLayoutVars>
       </dgm:prSet>
       <dgm:spPr/>
-      <dgm:t>
-        <a:bodyPr/>
-        <a:lstStyle/>
-        <a:p>
-          <a:endParaRPr lang="de-DE"/>
-        </a:p>
-      </dgm:t>
     </dgm:pt>
   </dgm:ptLst>
   <dgm:cxnLst>
@@ -10645,10 +10394,9 @@
         <a:lstStyle/>
         <a:p>
           <a:r>
-            <a:rPr lang="de-DE" dirty="0" smtClean="0"/>
-            <a:t>Analyse</a:t>
+            <a:rPr lang="de-DE" dirty="0"/>
+            <a:t>Usability</a:t>
           </a:r>
-          <a:endParaRPr lang="de-DE" dirty="0"/>
         </a:p>
       </dgm:t>
     </dgm:pt>
@@ -10686,14 +10434,13 @@
         <a:lstStyle/>
         <a:p>
           <a:r>
-            <a:rPr lang="de-DE" sz="1600" dirty="0" err="1" smtClean="0"/>
+            <a:rPr lang="de-DE" sz="1600" dirty="0" err="1"/>
             <a:t>Responsive</a:t>
           </a:r>
           <a:r>
-            <a:rPr lang="de-DE" sz="1600" dirty="0" smtClean="0"/>
+            <a:rPr lang="de-DE" sz="1600" dirty="0"/>
             <a:t> Design</a:t>
           </a:r>
-          <a:endParaRPr lang="de-DE" sz="1600" dirty="0"/>
         </a:p>
       </dgm:t>
     </dgm:pt>
@@ -10731,10 +10478,9 @@
         <a:lstStyle/>
         <a:p>
           <a:r>
-            <a:rPr lang="de-DE" dirty="0" smtClean="0"/>
+            <a:rPr lang="de-DE" dirty="0"/>
             <a:t>Flexible Anpassung</a:t>
           </a:r>
-          <a:endParaRPr lang="de-DE" dirty="0"/>
         </a:p>
       </dgm:t>
     </dgm:pt>
@@ -10768,18 +10514,13 @@
         <a:lstStyle/>
         <a:p>
           <a:r>
-            <a:rPr lang="de-DE" dirty="0" smtClean="0">
+            <a:rPr lang="de-DE" dirty="0">
               <a:solidFill>
                 <a:schemeClr val="tx1"/>
               </a:solidFill>
             </a:rPr>
             <a:t>PAMS</a:t>
           </a:r>
-          <a:endParaRPr lang="de-DE" dirty="0">
-            <a:solidFill>
-              <a:schemeClr val="tx1"/>
-            </a:solidFill>
-          </a:endParaRPr>
         </a:p>
       </dgm:t>
     </dgm:pt>
@@ -10849,13 +10590,6 @@
         </dgm:presLayoutVars>
       </dgm:prSet>
       <dgm:spPr/>
-      <dgm:t>
-        <a:bodyPr/>
-        <a:lstStyle/>
-        <a:p>
-          <a:endParaRPr lang="de-DE"/>
-        </a:p>
-      </dgm:t>
     </dgm:pt>
     <dgm:pt modelId="{48627F83-5CD4-4A3E-A578-EF51E842456F}" type="pres">
       <dgm:prSet presAssocID="{145EDB80-7DA2-4750-BA22-979B6E7D8D80}" presName="item3" presStyleLbl="node1" presStyleIdx="2" presStyleCnt="3" custScaleX="117665" custScaleY="117665" custLinFactNeighborX="19451" custLinFactNeighborY="-3890">
@@ -10868,38 +10602,31 @@
     <dgm:pt modelId="{6A0FE239-3E43-42DC-8A6C-5B40328B4FDA}" type="pres">
       <dgm:prSet presAssocID="{716DE4C0-36ED-48BF-9177-CE1A225AB5EB}" presName="funnel" presStyleLbl="trAlignAcc1" presStyleIdx="0" presStyleCnt="1" custScaleX="111075" custScaleY="122324" custLinFactNeighborY="-288"/>
       <dgm:spPr/>
-      <dgm:t>
-        <a:bodyPr/>
-        <a:lstStyle/>
-        <a:p>
-          <a:endParaRPr lang="de-DE"/>
-        </a:p>
-      </dgm:t>
     </dgm:pt>
   </dgm:ptLst>
   <dgm:cxnLst>
+    <dgm:cxn modelId="{66E0546B-82F6-4C31-98B2-463BF8385191}" srcId="{716DE4C0-36ED-48BF-9177-CE1A225AB5EB}" destId="{09EDEBC0-C86F-45B3-B036-D774B9D73600}" srcOrd="1" destOrd="0" parTransId="{694C9327-7606-4272-9E3A-37703691F615}" sibTransId="{A1817934-91F2-4AC6-8D53-82C7251A9115}"/>
+    <dgm:cxn modelId="{D67B52B7-1F44-4780-9320-C384DF5824A6}" type="presOf" srcId="{145EDB80-7DA2-4750-BA22-979B6E7D8D80}" destId="{E78AFB32-4716-47F2-952A-51413CA0FDD0}" srcOrd="0" destOrd="0" presId="urn:microsoft.com/office/officeart/2005/8/layout/funnel1"/>
+    <dgm:cxn modelId="{16D7C8B9-C3F3-4303-A664-6763AAF3200B}" type="presOf" srcId="{9701A48A-21AF-4583-A4C9-CE7AE8EFB7F8}" destId="{FB48EB3C-A6B0-4713-B23F-AA21270918BA}" srcOrd="0" destOrd="0" presId="urn:microsoft.com/office/officeart/2005/8/layout/funnel1"/>
+    <dgm:cxn modelId="{D1CE1428-F2D3-4960-B9D1-61908A1027EF}" srcId="{716DE4C0-36ED-48BF-9177-CE1A225AB5EB}" destId="{42BAD6EC-9A39-4496-BFB0-BC95750D1363}" srcOrd="0" destOrd="0" parTransId="{81F97FB2-4CA9-4727-B59D-866099AF7B6C}" sibTransId="{6AF545E4-7046-42B8-8F76-E1B5EED48CF0}"/>
+    <dgm:cxn modelId="{413AFB3E-57D7-445B-AA0A-C21133D8C5A3}" srcId="{716DE4C0-36ED-48BF-9177-CE1A225AB5EB}" destId="{9701A48A-21AF-4583-A4C9-CE7AE8EFB7F8}" srcOrd="2" destOrd="0" parTransId="{969091E6-9F6B-40A7-9F6C-757C992E38CE}" sibTransId="{BAEDE4C1-DD0E-420E-A36E-47977BB67708}"/>
     <dgm:cxn modelId="{A41DAC79-7DCF-4E96-9709-D90ACC874DD1}" srcId="{716DE4C0-36ED-48BF-9177-CE1A225AB5EB}" destId="{145EDB80-7DA2-4750-BA22-979B6E7D8D80}" srcOrd="3" destOrd="0" parTransId="{6A3090B2-6F60-4F30-AB90-770F7E527715}" sibTransId="{F31F062A-B3C1-4B62-B21A-779B77736BE8}"/>
-    <dgm:cxn modelId="{413AFB3E-57D7-445B-AA0A-C21133D8C5A3}" srcId="{716DE4C0-36ED-48BF-9177-CE1A225AB5EB}" destId="{9701A48A-21AF-4583-A4C9-CE7AE8EFB7F8}" srcOrd="2" destOrd="0" parTransId="{969091E6-9F6B-40A7-9F6C-757C992E38CE}" sibTransId="{BAEDE4C1-DD0E-420E-A36E-47977BB67708}"/>
+    <dgm:cxn modelId="{9A464E91-7D06-4163-90B5-AB48DE868EDC}" type="presOf" srcId="{42BAD6EC-9A39-4496-BFB0-BC95750D1363}" destId="{48627F83-5CD4-4A3E-A578-EF51E842456F}" srcOrd="0" destOrd="0" presId="urn:microsoft.com/office/officeart/2005/8/layout/funnel1"/>
+    <dgm:cxn modelId="{8ADFA2DA-7CD5-4F65-A827-EDE1BE8E94D1}" type="presOf" srcId="{716DE4C0-36ED-48BF-9177-CE1A225AB5EB}" destId="{BCD23E71-2207-412F-B605-BBE849ADC69B}" srcOrd="0" destOrd="0" presId="urn:microsoft.com/office/officeart/2005/8/layout/funnel1"/>
     <dgm:cxn modelId="{A24D968A-5056-48B6-9C1B-8C23C10728A8}" type="presOf" srcId="{09EDEBC0-C86F-45B3-B036-D774B9D73600}" destId="{637E9EA4-BE55-4A56-999F-C6DD8073753E}" srcOrd="0" destOrd="0" presId="urn:microsoft.com/office/officeart/2005/8/layout/funnel1"/>
-    <dgm:cxn modelId="{D1CE1428-F2D3-4960-B9D1-61908A1027EF}" srcId="{716DE4C0-36ED-48BF-9177-CE1A225AB5EB}" destId="{42BAD6EC-9A39-4496-BFB0-BC95750D1363}" srcOrd="0" destOrd="0" parTransId="{81F97FB2-4CA9-4727-B59D-866099AF7B6C}" sibTransId="{6AF545E4-7046-42B8-8F76-E1B5EED48CF0}"/>
-    <dgm:cxn modelId="{66E0546B-82F6-4C31-98B2-463BF8385191}" srcId="{716DE4C0-36ED-48BF-9177-CE1A225AB5EB}" destId="{09EDEBC0-C86F-45B3-B036-D774B9D73600}" srcOrd="1" destOrd="0" parTransId="{694C9327-7606-4272-9E3A-37703691F615}" sibTransId="{A1817934-91F2-4AC6-8D53-82C7251A9115}"/>
-    <dgm:cxn modelId="{57DB5E1D-500C-4D80-9284-BBC0396FD5FA}" type="presOf" srcId="{145EDB80-7DA2-4750-BA22-979B6E7D8D80}" destId="{E78AFB32-4716-47F2-952A-51413CA0FDD0}" srcOrd="0" destOrd="0" presId="urn:microsoft.com/office/officeart/2005/8/layout/funnel1"/>
-    <dgm:cxn modelId="{8ADFA2DA-7CD5-4F65-A827-EDE1BE8E94D1}" type="presOf" srcId="{716DE4C0-36ED-48BF-9177-CE1A225AB5EB}" destId="{BCD23E71-2207-412F-B605-BBE849ADC69B}" srcOrd="0" destOrd="0" presId="urn:microsoft.com/office/officeart/2005/8/layout/funnel1"/>
-    <dgm:cxn modelId="{B249DC12-F9B4-45F9-8EF8-CC54D4E2F5EA}" type="presOf" srcId="{42BAD6EC-9A39-4496-BFB0-BC95750D1363}" destId="{48627F83-5CD4-4A3E-A578-EF51E842456F}" srcOrd="0" destOrd="0" presId="urn:microsoft.com/office/officeart/2005/8/layout/funnel1"/>
-    <dgm:cxn modelId="{16D7C8B9-C3F3-4303-A664-6763AAF3200B}" type="presOf" srcId="{9701A48A-21AF-4583-A4C9-CE7AE8EFB7F8}" destId="{FB48EB3C-A6B0-4713-B23F-AA21270918BA}" srcOrd="0" destOrd="0" presId="urn:microsoft.com/office/officeart/2005/8/layout/funnel1"/>
     <dgm:cxn modelId="{ADAEDB10-F098-4688-8E69-573E3BEA5372}" type="presParOf" srcId="{BCD23E71-2207-412F-B605-BBE849ADC69B}" destId="{40C13C18-9F6E-4C35-AF01-26055ECF05BC}" srcOrd="0" destOrd="0" presId="urn:microsoft.com/office/officeart/2005/8/layout/funnel1"/>
     <dgm:cxn modelId="{311A49F5-3A49-4B0F-BCDD-F9BF00BCD55F}" type="presParOf" srcId="{BCD23E71-2207-412F-B605-BBE849ADC69B}" destId="{79E6F908-FEEA-4FCD-ADEB-097953564440}" srcOrd="1" destOrd="0" presId="urn:microsoft.com/office/officeart/2005/8/layout/funnel1"/>
     <dgm:cxn modelId="{2694D426-E225-4CB5-A7B3-B72BE8C8088F}" type="presParOf" srcId="{BCD23E71-2207-412F-B605-BBE849ADC69B}" destId="{E78AFB32-4716-47F2-952A-51413CA0FDD0}" srcOrd="2" destOrd="0" presId="urn:microsoft.com/office/officeart/2005/8/layout/funnel1"/>
     <dgm:cxn modelId="{4C5C33F4-FF5E-465F-837C-977B1606D7D1}" type="presParOf" srcId="{BCD23E71-2207-412F-B605-BBE849ADC69B}" destId="{FB48EB3C-A6B0-4713-B23F-AA21270918BA}" srcOrd="3" destOrd="0" presId="urn:microsoft.com/office/officeart/2005/8/layout/funnel1"/>
     <dgm:cxn modelId="{B49E2BE1-9857-48B4-8608-FFE6D943C05C}" type="presParOf" srcId="{BCD23E71-2207-412F-B605-BBE849ADC69B}" destId="{637E9EA4-BE55-4A56-999F-C6DD8073753E}" srcOrd="4" destOrd="0" presId="urn:microsoft.com/office/officeart/2005/8/layout/funnel1"/>
-    <dgm:cxn modelId="{4321EFE6-6361-4B09-B4D3-D91A18FBAC32}" type="presParOf" srcId="{BCD23E71-2207-412F-B605-BBE849ADC69B}" destId="{48627F83-5CD4-4A3E-A578-EF51E842456F}" srcOrd="5" destOrd="0" presId="urn:microsoft.com/office/officeart/2005/8/layout/funnel1"/>
+    <dgm:cxn modelId="{E4B65D92-D6E3-4FA1-87F2-0167B8B41174}" type="presParOf" srcId="{BCD23E71-2207-412F-B605-BBE849ADC69B}" destId="{48627F83-5CD4-4A3E-A578-EF51E842456F}" srcOrd="5" destOrd="0" presId="urn:microsoft.com/office/officeart/2005/8/layout/funnel1"/>
     <dgm:cxn modelId="{1687D22E-616E-4990-AE2E-EF076D4BDF85}" type="presParOf" srcId="{BCD23E71-2207-412F-B605-BBE849ADC69B}" destId="{6A0FE239-3E43-42DC-8A6C-5B40328B4FDA}" srcOrd="6" destOrd="0" presId="urn:microsoft.com/office/officeart/2005/8/layout/funnel1"/>
   </dgm:cxnLst>
   <dgm:bg/>
   <dgm:whole/>
   <dgm:extLst>
     <a:ext uri="http://schemas.microsoft.com/office/drawing/2008/diagram">
-      <dsp:dataModelExt xmlns:dsp="http://schemas.microsoft.com/office/drawing/2008/diagram" relId="rId6" minVer="http://schemas.openxmlformats.org/drawingml/2006/diagram"/>
+      <dsp:dataModelExt xmlns:dsp="http://schemas.microsoft.com/office/drawing/2008/diagram" relId="rId7" minVer="http://schemas.openxmlformats.org/drawingml/2006/diagram"/>
     </a:ext>
   </dgm:extLst>
 </dgm:dataModel>
@@ -10963,7 +10690,7 @@
         </a:bodyPr>
         <a:lstStyle/>
         <a:p>
-          <a:pPr lvl="0" algn="ctr" defTabSz="1466850">
+          <a:pPr marL="0" lvl="0" indent="0" algn="ctr" defTabSz="1466850">
             <a:lnSpc>
               <a:spcPct val="90000"/>
             </a:lnSpc>
@@ -10973,6 +10700,7 @@
             <a:spcAft>
               <a:spcPct val="35000"/>
             </a:spcAft>
+            <a:buNone/>
           </a:pPr>
           <a:r>
             <a:rPr lang="de-DE" sz="3300" kern="1200" dirty="0"/>
@@ -11102,7 +10830,7 @@
         </a:bodyPr>
         <a:lstStyle/>
         <a:p>
-          <a:pPr lvl="0" algn="ctr" defTabSz="800100">
+          <a:pPr marL="0" lvl="0" indent="0" algn="ctr" defTabSz="800100">
             <a:lnSpc>
               <a:spcPct val="90000"/>
             </a:lnSpc>
@@ -11112,6 +10840,7 @@
             <a:spcAft>
               <a:spcPct val="35000"/>
             </a:spcAft>
+            <a:buNone/>
           </a:pPr>
           <a:r>
             <a:rPr lang="de-DE" sz="1800" kern="1200" dirty="0"/>
@@ -11229,7 +10958,7 @@
         </a:bodyPr>
         <a:lstStyle/>
         <a:p>
-          <a:pPr lvl="0" algn="ctr" defTabSz="800100">
+          <a:pPr marL="0" lvl="0" indent="0" algn="ctr" defTabSz="800100">
             <a:lnSpc>
               <a:spcPct val="90000"/>
             </a:lnSpc>
@@ -11239,6 +10968,7 @@
             <a:spcAft>
               <a:spcPct val="35000"/>
             </a:spcAft>
+            <a:buNone/>
           </a:pPr>
           <a:r>
             <a:rPr lang="de-DE" sz="1800" kern="1200" dirty="0"/>
@@ -11356,7 +11086,7 @@
         </a:bodyPr>
         <a:lstStyle/>
         <a:p>
-          <a:pPr lvl="0" algn="ctr" defTabSz="800100">
+          <a:pPr marL="0" lvl="0" indent="0" algn="ctr" defTabSz="800100">
             <a:lnSpc>
               <a:spcPct val="90000"/>
             </a:lnSpc>
@@ -11366,6 +11096,7 @@
             <a:spcAft>
               <a:spcPct val="35000"/>
             </a:spcAft>
+            <a:buNone/>
           </a:pPr>
           <a:r>
             <a:rPr lang="de-DE" sz="1800" kern="1200" dirty="0"/>
@@ -11483,7 +11214,7 @@
         </a:bodyPr>
         <a:lstStyle/>
         <a:p>
-          <a:pPr lvl="0" algn="ctr" defTabSz="800100">
+          <a:pPr marL="0" lvl="0" indent="0" algn="ctr" defTabSz="800100">
             <a:lnSpc>
               <a:spcPct val="90000"/>
             </a:lnSpc>
@@ -11493,6 +11224,7 @@
             <a:spcAft>
               <a:spcPct val="35000"/>
             </a:spcAft>
+            <a:buNone/>
           </a:pPr>
           <a:r>
             <a:rPr lang="de-DE" sz="1800" kern="1200" dirty="0"/>
@@ -11610,7 +11342,7 @@
         </a:bodyPr>
         <a:lstStyle/>
         <a:p>
-          <a:pPr lvl="0" algn="ctr" defTabSz="800100">
+          <a:pPr marL="0" lvl="0" indent="0" algn="ctr" defTabSz="800100">
             <a:lnSpc>
               <a:spcPct val="90000"/>
             </a:lnSpc>
@@ -11620,6 +11352,7 @@
             <a:spcAft>
               <a:spcPct val="35000"/>
             </a:spcAft>
+            <a:buNone/>
           </a:pPr>
           <a:r>
             <a:rPr lang="de-DE" sz="1800" kern="1200" dirty="0"/>
@@ -11806,7 +11539,7 @@
         </a:bodyPr>
         <a:lstStyle/>
         <a:p>
-          <a:pPr lvl="0" algn="l" defTabSz="1155700">
+          <a:pPr marL="0" lvl="0" indent="0" algn="l" defTabSz="1155700">
             <a:lnSpc>
               <a:spcPct val="90000"/>
             </a:lnSpc>
@@ -11816,6 +11549,7 @@
             <a:spcAft>
               <a:spcPct val="35000"/>
             </a:spcAft>
+            <a:buNone/>
           </a:pPr>
           <a:r>
             <a:rPr lang="de-DE" sz="2600" kern="1200" dirty="0"/>
@@ -11833,7 +11567,7 @@
             <a:spcAft>
               <a:spcPct val="15000"/>
             </a:spcAft>
-            <a:buChar char="••"/>
+            <a:buChar char="•"/>
           </a:pPr>
           <a:r>
             <a:rPr lang="de-DE" sz="2000" kern="1200" dirty="0"/>
@@ -11933,7 +11667,7 @@
         </a:bodyPr>
         <a:lstStyle/>
         <a:p>
-          <a:pPr lvl="0" algn="l" defTabSz="1155700">
+          <a:pPr marL="0" lvl="0" indent="0" algn="l" defTabSz="1155700">
             <a:lnSpc>
               <a:spcPct val="90000"/>
             </a:lnSpc>
@@ -11943,6 +11677,7 @@
             <a:spcAft>
               <a:spcPct val="35000"/>
             </a:spcAft>
+            <a:buNone/>
           </a:pPr>
           <a:r>
             <a:rPr lang="de-DE" sz="2600" kern="1200" dirty="0"/>
@@ -11960,7 +11695,7 @@
             <a:spcAft>
               <a:spcPct val="15000"/>
             </a:spcAft>
-            <a:buChar char="••"/>
+            <a:buChar char="•"/>
           </a:pPr>
           <a:r>
             <a:rPr lang="de-DE" sz="2000" kern="1200" dirty="0"/>
@@ -12060,7 +11795,7 @@
         </a:bodyPr>
         <a:lstStyle/>
         <a:p>
-          <a:pPr lvl="0" algn="l" defTabSz="1155700">
+          <a:pPr marL="0" lvl="0" indent="0" algn="l" defTabSz="1155700">
             <a:lnSpc>
               <a:spcPct val="90000"/>
             </a:lnSpc>
@@ -12070,6 +11805,7 @@
             <a:spcAft>
               <a:spcPct val="35000"/>
             </a:spcAft>
+            <a:buNone/>
           </a:pPr>
           <a:r>
             <a:rPr lang="de-DE" sz="2600" kern="1200" dirty="0"/>
@@ -12087,7 +11823,7 @@
             <a:spcAft>
               <a:spcPct val="15000"/>
             </a:spcAft>
-            <a:buChar char="••"/>
+            <a:buChar char="•"/>
           </a:pPr>
           <a:endParaRPr lang="de-DE" sz="2000" kern="1200" dirty="0"/>
         </a:p>
@@ -12209,7 +11945,7 @@
         </a:bodyPr>
         <a:lstStyle/>
         <a:p>
-          <a:pPr lvl="0" algn="ctr" defTabSz="1466850">
+          <a:pPr marL="0" lvl="0" indent="0" algn="ctr" defTabSz="1466850">
             <a:lnSpc>
               <a:spcPct val="90000"/>
             </a:lnSpc>
@@ -12219,6 +11955,7 @@
             <a:spcAft>
               <a:spcPct val="35000"/>
             </a:spcAft>
+            <a:buNone/>
           </a:pPr>
           <a:r>
             <a:rPr lang="de-DE" sz="3300" kern="1200" dirty="0"/>
@@ -12346,7 +12083,7 @@
         </a:bodyPr>
         <a:lstStyle/>
         <a:p>
-          <a:pPr lvl="0" algn="ctr" defTabSz="1466850">
+          <a:pPr marL="0" lvl="0" indent="0" algn="ctr" defTabSz="1466850">
             <a:lnSpc>
               <a:spcPct val="90000"/>
             </a:lnSpc>
@@ -12356,6 +12093,7 @@
             <a:spcAft>
               <a:spcPct val="35000"/>
             </a:spcAft>
+            <a:buNone/>
           </a:pPr>
           <a:r>
             <a:rPr lang="de-DE" sz="3300" kern="1200" dirty="0"/>
@@ -12483,7 +12221,7 @@
         </a:bodyPr>
         <a:lstStyle/>
         <a:p>
-          <a:pPr lvl="0" algn="ctr" defTabSz="1466850">
+          <a:pPr marL="0" lvl="0" indent="0" algn="ctr" defTabSz="1466850">
             <a:lnSpc>
               <a:spcPct val="90000"/>
             </a:lnSpc>
@@ -12493,6 +12231,7 @@
             <a:spcAft>
               <a:spcPct val="35000"/>
             </a:spcAft>
+            <a:buNone/>
           </a:pPr>
           <a:r>
             <a:rPr lang="de-DE" sz="3300" kern="1200" dirty="0"/>
@@ -12620,7 +12359,7 @@
         </a:bodyPr>
         <a:lstStyle/>
         <a:p>
-          <a:pPr lvl="0" algn="ctr" defTabSz="1466850">
+          <a:pPr marL="0" lvl="0" indent="0" algn="ctr" defTabSz="1466850">
             <a:lnSpc>
               <a:spcPct val="90000"/>
             </a:lnSpc>
@@ -12630,6 +12369,7 @@
             <a:spcAft>
               <a:spcPct val="35000"/>
             </a:spcAft>
+            <a:buNone/>
           </a:pPr>
           <a:r>
             <a:rPr lang="de-DE" sz="3300" kern="1200" dirty="0"/>
@@ -12757,7 +12497,7 @@
         </a:bodyPr>
         <a:lstStyle/>
         <a:p>
-          <a:pPr lvl="0" algn="ctr" defTabSz="1466850">
+          <a:pPr marL="0" lvl="0" indent="0" algn="ctr" defTabSz="1466850">
             <a:lnSpc>
               <a:spcPct val="90000"/>
             </a:lnSpc>
@@ -12767,12 +12507,12 @@
             <a:spcAft>
               <a:spcPct val="35000"/>
             </a:spcAft>
+            <a:buNone/>
           </a:pPr>
           <a:r>
-            <a:rPr lang="de-DE" sz="3300" kern="1200" dirty="0" smtClean="0"/>
+            <a:rPr lang="de-DE" sz="3300" kern="1200" dirty="0"/>
             <a:t>Angepasst</a:t>
           </a:r>
-          <a:endParaRPr lang="de-DE" sz="3300" kern="1200" dirty="0"/>
         </a:p>
       </dsp:txBody>
       <dsp:txXfrm rot="10800000">
@@ -12895,7 +12635,7 @@
         </a:bodyPr>
         <a:lstStyle/>
         <a:p>
-          <a:pPr lvl="0" algn="ctr" defTabSz="1466850">
+          <a:pPr marL="0" lvl="0" indent="0" algn="ctr" defTabSz="1466850">
             <a:lnSpc>
               <a:spcPct val="90000"/>
             </a:lnSpc>
@@ -12905,6 +12645,7 @@
             <a:spcAft>
               <a:spcPct val="35000"/>
             </a:spcAft>
+            <a:buNone/>
           </a:pPr>
           <a:r>
             <a:rPr lang="de-DE" sz="3300" kern="1200" dirty="0"/>
@@ -13020,7 +12761,7 @@
         </a:bodyPr>
         <a:lstStyle/>
         <a:p>
-          <a:pPr lvl="0" algn="ctr" defTabSz="1466850">
+          <a:pPr marL="0" lvl="0" indent="0" algn="ctr" defTabSz="1466850">
             <a:lnSpc>
               <a:spcPct val="90000"/>
             </a:lnSpc>
@@ -13030,6 +12771,7 @@
             <a:spcAft>
               <a:spcPct val="35000"/>
             </a:spcAft>
+            <a:buNone/>
           </a:pPr>
           <a:r>
             <a:rPr lang="de-DE" sz="3300" kern="1200" dirty="0"/>
@@ -13145,7 +12887,7 @@
         </a:bodyPr>
         <a:lstStyle/>
         <a:p>
-          <a:pPr lvl="0" algn="ctr" defTabSz="1466850">
+          <a:pPr marL="0" lvl="0" indent="0" algn="ctr" defTabSz="1466850">
             <a:lnSpc>
               <a:spcPct val="90000"/>
             </a:lnSpc>
@@ -13155,6 +12897,7 @@
             <a:spcAft>
               <a:spcPct val="35000"/>
             </a:spcAft>
+            <a:buNone/>
           </a:pPr>
           <a:r>
             <a:rPr lang="de-DE" sz="3300" kern="1200" dirty="0" err="1"/>
@@ -13286,7 +13029,7 @@
         </a:bodyPr>
         <a:lstStyle/>
         <a:p>
-          <a:pPr lvl="0" algn="ctr" defTabSz="1466850">
+          <a:pPr marL="0" lvl="0" indent="0" algn="ctr" defTabSz="1466850">
             <a:lnSpc>
               <a:spcPct val="90000"/>
             </a:lnSpc>
@@ -13296,6 +13039,7 @@
             <a:spcAft>
               <a:spcPct val="35000"/>
             </a:spcAft>
+            <a:buNone/>
           </a:pPr>
           <a:r>
             <a:rPr lang="de-DE" sz="3300" kern="1200" dirty="0"/>
@@ -13411,7 +13155,7 @@
         </a:bodyPr>
         <a:lstStyle/>
         <a:p>
-          <a:pPr lvl="0" algn="ctr" defTabSz="1466850">
+          <a:pPr marL="0" lvl="0" indent="0" algn="ctr" defTabSz="1466850">
             <a:lnSpc>
               <a:spcPct val="90000"/>
             </a:lnSpc>
@@ -13421,6 +13165,7 @@
             <a:spcAft>
               <a:spcPct val="35000"/>
             </a:spcAft>
+            <a:buNone/>
           </a:pPr>
           <a:r>
             <a:rPr lang="de-DE" sz="3300" kern="1200" dirty="0"/>
@@ -13619,7 +13364,7 @@
         </a:bodyPr>
         <a:lstStyle/>
         <a:p>
-          <a:pPr lvl="0" algn="ctr" defTabSz="1377950">
+          <a:pPr marL="0" lvl="0" indent="0" algn="ctr" defTabSz="1377950">
             <a:lnSpc>
               <a:spcPct val="90000"/>
             </a:lnSpc>
@@ -13629,20 +13374,16 @@
             <a:spcAft>
               <a:spcPct val="35000"/>
             </a:spcAft>
+            <a:buNone/>
           </a:pPr>
           <a:r>
-            <a:rPr lang="de-DE" sz="3100" kern="1200" dirty="0" smtClean="0">
+            <a:rPr lang="de-DE" sz="3100" kern="1200" dirty="0">
               <a:solidFill>
                 <a:schemeClr val="tx1"/>
               </a:solidFill>
             </a:rPr>
             <a:t>PAMS</a:t>
           </a:r>
-          <a:endParaRPr lang="de-DE" sz="3100" kern="1200" dirty="0">
-            <a:solidFill>
-              <a:schemeClr val="tx1"/>
-            </a:solidFill>
-          </a:endParaRPr>
         </a:p>
       </dsp:txBody>
       <dsp:txXfrm>
@@ -13700,7 +13441,7 @@
         </a:bodyPr>
         <a:lstStyle/>
         <a:p>
-          <a:pPr lvl="0" algn="ctr" defTabSz="755650">
+          <a:pPr marL="0" lvl="0" indent="0" algn="ctr" defTabSz="755650">
             <a:lnSpc>
               <a:spcPct val="90000"/>
             </a:lnSpc>
@@ -13710,12 +13451,12 @@
             <a:spcAft>
               <a:spcPct val="35000"/>
             </a:spcAft>
+            <a:buNone/>
           </a:pPr>
           <a:r>
-            <a:rPr lang="de-DE" sz="1700" kern="1200" dirty="0" smtClean="0"/>
+            <a:rPr lang="de-DE" sz="1700" kern="1200" dirty="0"/>
             <a:t>Flexible Anpassung</a:t>
           </a:r>
-          <a:endParaRPr lang="de-DE" sz="1700" kern="1200" dirty="0"/>
         </a:p>
       </dsp:txBody>
       <dsp:txXfrm>
@@ -13773,7 +13514,7 @@
         </a:bodyPr>
         <a:lstStyle/>
         <a:p>
-          <a:pPr lvl="0" algn="ctr" defTabSz="711200">
+          <a:pPr marL="0" lvl="0" indent="0" algn="ctr" defTabSz="711200">
             <a:lnSpc>
               <a:spcPct val="90000"/>
             </a:lnSpc>
@@ -13783,16 +13524,16 @@
             <a:spcAft>
               <a:spcPct val="35000"/>
             </a:spcAft>
+            <a:buNone/>
           </a:pPr>
           <a:r>
-            <a:rPr lang="de-DE" sz="1600" kern="1200" dirty="0" err="1" smtClean="0"/>
+            <a:rPr lang="de-DE" sz="1600" kern="1200" dirty="0" err="1"/>
             <a:t>Responsive</a:t>
           </a:r>
           <a:r>
-            <a:rPr lang="de-DE" sz="1600" kern="1200" dirty="0" smtClean="0"/>
+            <a:rPr lang="de-DE" sz="1600" kern="1200" dirty="0"/>
             <a:t> Design</a:t>
           </a:r>
-          <a:endParaRPr lang="de-DE" sz="1600" kern="1200" dirty="0"/>
         </a:p>
       </dsp:txBody>
       <dsp:txXfrm>
@@ -13850,7 +13591,7 @@
         </a:bodyPr>
         <a:lstStyle/>
         <a:p>
-          <a:pPr lvl="0" algn="ctr" defTabSz="755650">
+          <a:pPr marL="0" lvl="0" indent="0" algn="ctr" defTabSz="755650">
             <a:lnSpc>
               <a:spcPct val="90000"/>
             </a:lnSpc>
@@ -13860,12 +13601,12 @@
             <a:spcAft>
               <a:spcPct val="35000"/>
             </a:spcAft>
+            <a:buNone/>
           </a:pPr>
           <a:r>
-            <a:rPr lang="de-DE" sz="1700" kern="1200" dirty="0" smtClean="0"/>
-            <a:t>Analyse</a:t>
+            <a:rPr lang="de-DE" sz="1700" kern="1200" dirty="0"/>
+            <a:t>Usability</a:t>
           </a:r>
-          <a:endParaRPr lang="de-DE" sz="1700" kern="1200" dirty="0"/>
         </a:p>
       </dsp:txBody>
       <dsp:txXfrm>
@@ -27471,7 +27212,7 @@
           <a:p>
             <a:fld id="{BC5D3495-D642-4B9C-A4D9-ABBA71EA56ED}" type="datetimeFigureOut">
               <a:rPr lang="de-DE" smtClean="0"/>
-              <a:t>07.09.2016</a:t>
+              <a:t>08.09.2016</a:t>
             </a:fld>
             <a:endParaRPr lang="de-DE"/>
           </a:p>
@@ -27738,6 +27479,1078 @@
 </p:notesMaster>
 </file>
 
+<file path=ppt/notesSlides/notesSlide1.xml><?xml version="1.0" encoding="utf-8"?>
+<p:notes xmlns:a="http://schemas.openxmlformats.org/drawingml/2006/main" xmlns:r="http://schemas.openxmlformats.org/officeDocument/2006/relationships" xmlns:p="http://schemas.openxmlformats.org/presentationml/2006/main">
+  <p:cSld>
+    <p:spTree>
+      <p:nvGrpSpPr>
+        <p:cNvPr id="1" name=""/>
+        <p:cNvGrpSpPr/>
+        <p:nvPr/>
+      </p:nvGrpSpPr>
+      <p:grpSpPr>
+        <a:xfrm>
+          <a:off x="0" y="0"/>
+          <a:ext cx="0" cy="0"/>
+          <a:chOff x="0" y="0"/>
+          <a:chExt cx="0" cy="0"/>
+        </a:xfrm>
+      </p:grpSpPr>
+      <p:sp>
+        <p:nvSpPr>
+          <p:cNvPr id="2" name="Folienbildplatzhalter 1"/>
+          <p:cNvSpPr>
+            <a:spLocks noGrp="1" noRot="1" noChangeAspect="1"/>
+          </p:cNvSpPr>
+          <p:nvPr>
+            <p:ph type="sldImg"/>
+          </p:nvPr>
+        </p:nvSpPr>
+        <p:spPr/>
+      </p:sp>
+      <p:sp>
+        <p:nvSpPr>
+          <p:cNvPr id="3" name="Notizenplatzhalter 2"/>
+          <p:cNvSpPr>
+            <a:spLocks noGrp="1"/>
+          </p:cNvSpPr>
+          <p:nvPr>
+            <p:ph type="body" idx="1"/>
+          </p:nvPr>
+        </p:nvSpPr>
+        <p:spPr/>
+        <p:txBody>
+          <a:bodyPr/>
+          <a:lstStyle/>
+          <a:p>
+            <a:r>
+              <a:rPr lang="de-DE" dirty="0"/>
+              <a:t>Im Namen der </a:t>
+            </a:r>
+            <a:r>
+              <a:rPr lang="de-DE" dirty="0" err="1"/>
+              <a:t>Red</a:t>
+            </a:r>
+            <a:r>
+              <a:rPr lang="de-DE" baseline="0" dirty="0"/>
+              <a:t> Stag GmbH, darf ich h</a:t>
+            </a:r>
+            <a:r>
+              <a:rPr lang="de-DE" dirty="0"/>
+              <a:t>erzlich </a:t>
+            </a:r>
+            <a:r>
+              <a:rPr lang="de-DE" baseline="0" dirty="0"/>
+              <a:t>die Unternehmensvertreter der Supernova AG – Herrn Frederik Frey und Herrn Daniel </a:t>
+            </a:r>
+            <a:r>
+              <a:rPr lang="de-DE" baseline="0" dirty="0" err="1"/>
+              <a:t>Trefzer</a:t>
+            </a:r>
+            <a:r>
+              <a:rPr lang="de-DE" baseline="0" dirty="0"/>
+              <a:t> begrüßen.</a:t>
+            </a:r>
+            <a:endParaRPr lang="de-DE" dirty="0"/>
+          </a:p>
+        </p:txBody>
+      </p:sp>
+      <p:sp>
+        <p:nvSpPr>
+          <p:cNvPr id="4" name="Foliennummernplatzhalter 3"/>
+          <p:cNvSpPr>
+            <a:spLocks noGrp="1"/>
+          </p:cNvSpPr>
+          <p:nvPr>
+            <p:ph type="sldNum" sz="quarter" idx="10"/>
+          </p:nvPr>
+        </p:nvSpPr>
+        <p:spPr/>
+        <p:txBody>
+          <a:bodyPr/>
+          <a:lstStyle/>
+          <a:p>
+            <a:fld id="{9FC0BF00-B122-482A-9408-566B5D066A28}" type="slidenum">
+              <a:rPr lang="de-DE" smtClean="0"/>
+              <a:t>1</a:t>
+            </a:fld>
+            <a:endParaRPr lang="de-DE"/>
+          </a:p>
+        </p:txBody>
+      </p:sp>
+    </p:spTree>
+    <p:extLst>
+      <p:ext uri="{BB962C8B-B14F-4D97-AF65-F5344CB8AC3E}">
+        <p14:creationId xmlns:p14="http://schemas.microsoft.com/office/powerpoint/2010/main" val="70576773"/>
+      </p:ext>
+    </p:extLst>
+  </p:cSld>
+  <p:clrMapOvr>
+    <a:masterClrMapping/>
+  </p:clrMapOvr>
+</p:notes>
+</file>
+
+<file path=ppt/notesSlides/notesSlide10.xml><?xml version="1.0" encoding="utf-8"?>
+<p:notes xmlns:a="http://schemas.openxmlformats.org/drawingml/2006/main" xmlns:r="http://schemas.openxmlformats.org/officeDocument/2006/relationships" xmlns:p="http://schemas.openxmlformats.org/presentationml/2006/main">
+  <p:cSld>
+    <p:spTree>
+      <p:nvGrpSpPr>
+        <p:cNvPr id="1" name=""/>
+        <p:cNvGrpSpPr/>
+        <p:nvPr/>
+      </p:nvGrpSpPr>
+      <p:grpSpPr>
+        <a:xfrm>
+          <a:off x="0" y="0"/>
+          <a:ext cx="0" cy="0"/>
+          <a:chOff x="0" y="0"/>
+          <a:chExt cx="0" cy="0"/>
+        </a:xfrm>
+      </p:grpSpPr>
+      <p:sp>
+        <p:nvSpPr>
+          <p:cNvPr id="2" name="Folienbildplatzhalter 1"/>
+          <p:cNvSpPr>
+            <a:spLocks noGrp="1" noRot="1" noChangeAspect="1"/>
+          </p:cNvSpPr>
+          <p:nvPr>
+            <p:ph type="sldImg"/>
+          </p:nvPr>
+        </p:nvSpPr>
+        <p:spPr/>
+      </p:sp>
+      <p:sp>
+        <p:nvSpPr>
+          <p:cNvPr id="3" name="Notizenplatzhalter 2"/>
+          <p:cNvSpPr>
+            <a:spLocks noGrp="1"/>
+          </p:cNvSpPr>
+          <p:nvPr>
+            <p:ph type="body" idx="1"/>
+          </p:nvPr>
+        </p:nvSpPr>
+        <p:spPr/>
+        <p:txBody>
+          <a:bodyPr/>
+          <a:lstStyle/>
+          <a:p>
+            <a:endParaRPr lang="de-DE" dirty="0"/>
+          </a:p>
+        </p:txBody>
+      </p:sp>
+      <p:sp>
+        <p:nvSpPr>
+          <p:cNvPr id="4" name="Foliennummernplatzhalter 3"/>
+          <p:cNvSpPr>
+            <a:spLocks noGrp="1"/>
+          </p:cNvSpPr>
+          <p:nvPr>
+            <p:ph type="sldNum" sz="quarter" idx="10"/>
+          </p:nvPr>
+        </p:nvSpPr>
+        <p:spPr/>
+        <p:txBody>
+          <a:bodyPr/>
+          <a:lstStyle/>
+          <a:p>
+            <a:fld id="{9FC0BF00-B122-482A-9408-566B5D066A28}" type="slidenum">
+              <a:rPr lang="de-DE" smtClean="0"/>
+              <a:t>12</a:t>
+            </a:fld>
+            <a:endParaRPr lang="de-DE"/>
+          </a:p>
+        </p:txBody>
+      </p:sp>
+    </p:spTree>
+    <p:extLst>
+      <p:ext uri="{BB962C8B-B14F-4D97-AF65-F5344CB8AC3E}">
+        <p14:creationId xmlns:p14="http://schemas.microsoft.com/office/powerpoint/2010/main" val="3709399439"/>
+      </p:ext>
+    </p:extLst>
+  </p:cSld>
+  <p:clrMapOvr>
+    <a:masterClrMapping/>
+  </p:clrMapOvr>
+</p:notes>
+</file>
+
+<file path=ppt/notesSlides/notesSlide11.xml><?xml version="1.0" encoding="utf-8"?>
+<p:notes xmlns:a="http://schemas.openxmlformats.org/drawingml/2006/main" xmlns:r="http://schemas.openxmlformats.org/officeDocument/2006/relationships" xmlns:p="http://schemas.openxmlformats.org/presentationml/2006/main">
+  <p:cSld>
+    <p:spTree>
+      <p:nvGrpSpPr>
+        <p:cNvPr id="1" name=""/>
+        <p:cNvGrpSpPr/>
+        <p:nvPr/>
+      </p:nvGrpSpPr>
+      <p:grpSpPr>
+        <a:xfrm>
+          <a:off x="0" y="0"/>
+          <a:ext cx="0" cy="0"/>
+          <a:chOff x="0" y="0"/>
+          <a:chExt cx="0" cy="0"/>
+        </a:xfrm>
+      </p:grpSpPr>
+      <p:sp>
+        <p:nvSpPr>
+          <p:cNvPr id="2" name="Folienbildplatzhalter 1"/>
+          <p:cNvSpPr>
+            <a:spLocks noGrp="1" noRot="1" noChangeAspect="1"/>
+          </p:cNvSpPr>
+          <p:nvPr>
+            <p:ph type="sldImg"/>
+          </p:nvPr>
+        </p:nvSpPr>
+        <p:spPr/>
+      </p:sp>
+      <p:sp>
+        <p:nvSpPr>
+          <p:cNvPr id="3" name="Notizenplatzhalter 2"/>
+          <p:cNvSpPr>
+            <a:spLocks noGrp="1"/>
+          </p:cNvSpPr>
+          <p:nvPr>
+            <p:ph type="body" idx="1"/>
+          </p:nvPr>
+        </p:nvSpPr>
+        <p:spPr/>
+        <p:txBody>
+          <a:bodyPr/>
+          <a:lstStyle/>
+          <a:p>
+            <a:r>
+              <a:rPr lang="de-DE" dirty="0"/>
+              <a:t>Fabian</a:t>
+            </a:r>
+            <a:r>
+              <a:rPr lang="de-DE" baseline="0" dirty="0"/>
+              <a:t> </a:t>
+            </a:r>
+            <a:r>
+              <a:rPr lang="de-DE" dirty="0"/>
+              <a:t>denkt stark an Expansion. Entsprechend muss</a:t>
+            </a:r>
+            <a:r>
+              <a:rPr lang="de-DE" baseline="0" dirty="0"/>
+              <a:t> sich das Umfeld des PAMS erweitern. Wie schnell und einfach Stammdaten hinzugefügt werden können, zeigen wir Ihnen am Beispiel.</a:t>
+            </a:r>
+            <a:endParaRPr lang="de-DE" dirty="0"/>
+          </a:p>
+        </p:txBody>
+      </p:sp>
+      <p:sp>
+        <p:nvSpPr>
+          <p:cNvPr id="4" name="Foliennummernplatzhalter 3"/>
+          <p:cNvSpPr>
+            <a:spLocks noGrp="1"/>
+          </p:cNvSpPr>
+          <p:nvPr>
+            <p:ph type="sldNum" sz="quarter" idx="10"/>
+          </p:nvPr>
+        </p:nvSpPr>
+        <p:spPr/>
+        <p:txBody>
+          <a:bodyPr/>
+          <a:lstStyle/>
+          <a:p>
+            <a:fld id="{9FC0BF00-B122-482A-9408-566B5D066A28}" type="slidenum">
+              <a:rPr lang="de-DE" smtClean="0"/>
+              <a:t>13</a:t>
+            </a:fld>
+            <a:endParaRPr lang="de-DE"/>
+          </a:p>
+        </p:txBody>
+      </p:sp>
+    </p:spTree>
+    <p:extLst>
+      <p:ext uri="{BB962C8B-B14F-4D97-AF65-F5344CB8AC3E}">
+        <p14:creationId xmlns:p14="http://schemas.microsoft.com/office/powerpoint/2010/main" val="2752290496"/>
+      </p:ext>
+    </p:extLst>
+  </p:cSld>
+  <p:clrMapOvr>
+    <a:masterClrMapping/>
+  </p:clrMapOvr>
+</p:notes>
+</file>
+
+<file path=ppt/notesSlides/notesSlide2.xml><?xml version="1.0" encoding="utf-8"?>
+<p:notes xmlns:a="http://schemas.openxmlformats.org/drawingml/2006/main" xmlns:r="http://schemas.openxmlformats.org/officeDocument/2006/relationships" xmlns:p="http://schemas.openxmlformats.org/presentationml/2006/main">
+  <p:cSld>
+    <p:spTree>
+      <p:nvGrpSpPr>
+        <p:cNvPr id="1" name=""/>
+        <p:cNvGrpSpPr/>
+        <p:nvPr/>
+      </p:nvGrpSpPr>
+      <p:grpSpPr>
+        <a:xfrm>
+          <a:off x="0" y="0"/>
+          <a:ext cx="0" cy="0"/>
+          <a:chOff x="0" y="0"/>
+          <a:chExt cx="0" cy="0"/>
+        </a:xfrm>
+      </p:grpSpPr>
+      <p:sp>
+        <p:nvSpPr>
+          <p:cNvPr id="2" name="Folienbildplatzhalter 1"/>
+          <p:cNvSpPr>
+            <a:spLocks noGrp="1" noRot="1" noChangeAspect="1"/>
+          </p:cNvSpPr>
+          <p:nvPr>
+            <p:ph type="sldImg"/>
+          </p:nvPr>
+        </p:nvSpPr>
+        <p:spPr/>
+      </p:sp>
+      <p:sp>
+        <p:nvSpPr>
+          <p:cNvPr id="3" name="Notizenplatzhalter 2"/>
+          <p:cNvSpPr>
+            <a:spLocks noGrp="1"/>
+          </p:cNvSpPr>
+          <p:nvPr>
+            <p:ph type="body" idx="1"/>
+          </p:nvPr>
+        </p:nvSpPr>
+        <p:spPr/>
+        <p:txBody>
+          <a:bodyPr/>
+          <a:lstStyle/>
+          <a:p>
+            <a:r>
+              <a:rPr lang="de-DE" dirty="0"/>
+              <a:t>Willkommen in einem neuen Zeitalter der Projektantragserfassung!</a:t>
+            </a:r>
+          </a:p>
+        </p:txBody>
+      </p:sp>
+      <p:sp>
+        <p:nvSpPr>
+          <p:cNvPr id="4" name="Foliennummernplatzhalter 3"/>
+          <p:cNvSpPr>
+            <a:spLocks noGrp="1"/>
+          </p:cNvSpPr>
+          <p:nvPr>
+            <p:ph type="sldNum" sz="quarter" idx="10"/>
+          </p:nvPr>
+        </p:nvSpPr>
+        <p:spPr/>
+        <p:txBody>
+          <a:bodyPr/>
+          <a:lstStyle/>
+          <a:p>
+            <a:fld id="{9FC0BF00-B122-482A-9408-566B5D066A28}" type="slidenum">
+              <a:rPr lang="de-DE" smtClean="0"/>
+              <a:t>2</a:t>
+            </a:fld>
+            <a:endParaRPr lang="de-DE"/>
+          </a:p>
+        </p:txBody>
+      </p:sp>
+    </p:spTree>
+    <p:extLst>
+      <p:ext uri="{BB962C8B-B14F-4D97-AF65-F5344CB8AC3E}">
+        <p14:creationId xmlns:p14="http://schemas.microsoft.com/office/powerpoint/2010/main" val="4111070985"/>
+      </p:ext>
+    </p:extLst>
+  </p:cSld>
+  <p:clrMapOvr>
+    <a:masterClrMapping/>
+  </p:clrMapOvr>
+</p:notes>
+</file>
+
+<file path=ppt/notesSlides/notesSlide3.xml><?xml version="1.0" encoding="utf-8"?>
+<p:notes xmlns:a="http://schemas.openxmlformats.org/drawingml/2006/main" xmlns:r="http://schemas.openxmlformats.org/officeDocument/2006/relationships" xmlns:p="http://schemas.openxmlformats.org/presentationml/2006/main">
+  <p:cSld>
+    <p:spTree>
+      <p:nvGrpSpPr>
+        <p:cNvPr id="1" name=""/>
+        <p:cNvGrpSpPr/>
+        <p:nvPr/>
+      </p:nvGrpSpPr>
+      <p:grpSpPr>
+        <a:xfrm>
+          <a:off x="0" y="0"/>
+          <a:ext cx="0" cy="0"/>
+          <a:chOff x="0" y="0"/>
+          <a:chExt cx="0" cy="0"/>
+        </a:xfrm>
+      </p:grpSpPr>
+      <p:sp>
+        <p:nvSpPr>
+          <p:cNvPr id="2" name="Folienbildplatzhalter 1"/>
+          <p:cNvSpPr>
+            <a:spLocks noGrp="1" noRot="1" noChangeAspect="1"/>
+          </p:cNvSpPr>
+          <p:nvPr>
+            <p:ph type="sldImg"/>
+          </p:nvPr>
+        </p:nvSpPr>
+        <p:spPr/>
+      </p:sp>
+      <p:sp>
+        <p:nvSpPr>
+          <p:cNvPr id="3" name="Notizenplatzhalter 2"/>
+          <p:cNvSpPr>
+            <a:spLocks noGrp="1"/>
+          </p:cNvSpPr>
+          <p:nvPr>
+            <p:ph type="body" idx="1"/>
+          </p:nvPr>
+        </p:nvSpPr>
+        <p:spPr/>
+        <p:txBody>
+          <a:bodyPr/>
+          <a:lstStyle/>
+          <a:p>
+            <a:r>
+              <a:rPr lang="de-DE" dirty="0"/>
+              <a:t>Derzeit befindet sich</a:t>
+            </a:r>
+            <a:r>
+              <a:rPr lang="de-DE" baseline="0" dirty="0"/>
+              <a:t> die Supernova AG auf einem kurvigen Weg. </a:t>
+            </a:r>
+          </a:p>
+          <a:p>
+            <a:pPr marL="228600" indent="-228600">
+              <a:buAutoNum type="arabicPeriod"/>
+            </a:pPr>
+            <a:r>
+              <a:rPr lang="de-DE" baseline="0" dirty="0"/>
+              <a:t>Es gibt keine ganzheitliche Erfassung aller Projekte – die Dunkelziffer an Projekten die innerhalb des Unternehmens laufen ist enorm. </a:t>
+            </a:r>
+          </a:p>
+          <a:p>
+            <a:pPr marL="228600" indent="-228600">
+              <a:buAutoNum type="arabicPeriod"/>
+            </a:pPr>
+            <a:r>
+              <a:rPr lang="de-DE" baseline="0" dirty="0"/>
+              <a:t>Sie besitzen kein IT gestütztes Tool zur Anzeige und Übersicht ihrer Projekte!</a:t>
+            </a:r>
+          </a:p>
+          <a:p>
+            <a:pPr marL="228600" indent="-228600">
+              <a:buAutoNum type="arabicPeriod"/>
+            </a:pPr>
+            <a:r>
+              <a:rPr lang="de-DE" baseline="0" dirty="0"/>
+              <a:t>Es gibt keine Auswertemöglichkeiten und daraus ableitend keine Übersicht über die wichtigsten Kennzahlen der laufenden Projekte</a:t>
+            </a:r>
+          </a:p>
+          <a:p>
+            <a:pPr marL="228600" indent="-228600">
+              <a:buAutoNum type="arabicPeriod"/>
+            </a:pPr>
+            <a:r>
+              <a:rPr lang="de-DE" baseline="0" dirty="0"/>
+              <a:t>Dies sind nur ein paar Punkte die wir hier aufgegriffen haben – im allgemeinen können wir sagen – derzeit sind Sie Orientierungslos was ihr Projektantragsmanagement angeht.</a:t>
+            </a:r>
+          </a:p>
+          <a:p>
+            <a:pPr marL="0" indent="0">
+              <a:buNone/>
+            </a:pPr>
+            <a:endParaRPr lang="de-DE" baseline="0" dirty="0"/>
+          </a:p>
+        </p:txBody>
+      </p:sp>
+      <p:sp>
+        <p:nvSpPr>
+          <p:cNvPr id="4" name="Foliennummernplatzhalter 3"/>
+          <p:cNvSpPr>
+            <a:spLocks noGrp="1"/>
+          </p:cNvSpPr>
+          <p:nvPr>
+            <p:ph type="sldNum" sz="quarter" idx="10"/>
+          </p:nvPr>
+        </p:nvSpPr>
+        <p:spPr/>
+        <p:txBody>
+          <a:bodyPr/>
+          <a:lstStyle/>
+          <a:p>
+            <a:fld id="{9FC0BF00-B122-482A-9408-566B5D066A28}" type="slidenum">
+              <a:rPr lang="de-DE" smtClean="0"/>
+              <a:t>3</a:t>
+            </a:fld>
+            <a:endParaRPr lang="de-DE"/>
+          </a:p>
+        </p:txBody>
+      </p:sp>
+    </p:spTree>
+    <p:extLst>
+      <p:ext uri="{BB962C8B-B14F-4D97-AF65-F5344CB8AC3E}">
+        <p14:creationId xmlns:p14="http://schemas.microsoft.com/office/powerpoint/2010/main" val="647668142"/>
+      </p:ext>
+    </p:extLst>
+  </p:cSld>
+  <p:clrMapOvr>
+    <a:masterClrMapping/>
+  </p:clrMapOvr>
+</p:notes>
+</file>
+
+<file path=ppt/notesSlides/notesSlide4.xml><?xml version="1.0" encoding="utf-8"?>
+<p:notes xmlns:a="http://schemas.openxmlformats.org/drawingml/2006/main" xmlns:r="http://schemas.openxmlformats.org/officeDocument/2006/relationships" xmlns:p="http://schemas.openxmlformats.org/presentationml/2006/main">
+  <p:cSld>
+    <p:spTree>
+      <p:nvGrpSpPr>
+        <p:cNvPr id="1" name=""/>
+        <p:cNvGrpSpPr/>
+        <p:nvPr/>
+      </p:nvGrpSpPr>
+      <p:grpSpPr>
+        <a:xfrm>
+          <a:off x="0" y="0"/>
+          <a:ext cx="0" cy="0"/>
+          <a:chOff x="0" y="0"/>
+          <a:chExt cx="0" cy="0"/>
+        </a:xfrm>
+      </p:grpSpPr>
+      <p:sp>
+        <p:nvSpPr>
+          <p:cNvPr id="2" name="Folienbildplatzhalter 1"/>
+          <p:cNvSpPr>
+            <a:spLocks noGrp="1" noRot="1" noChangeAspect="1"/>
+          </p:cNvSpPr>
+          <p:nvPr>
+            <p:ph type="sldImg"/>
+          </p:nvPr>
+        </p:nvSpPr>
+        <p:spPr/>
+      </p:sp>
+      <p:sp>
+        <p:nvSpPr>
+          <p:cNvPr id="3" name="Notizenplatzhalter 2"/>
+          <p:cNvSpPr>
+            <a:spLocks noGrp="1"/>
+          </p:cNvSpPr>
+          <p:nvPr>
+            <p:ph type="body" idx="1"/>
+          </p:nvPr>
+        </p:nvSpPr>
+        <p:spPr/>
+        <p:txBody>
+          <a:bodyPr/>
+          <a:lstStyle/>
+          <a:p>
+            <a:r>
+              <a:rPr lang="de-DE" dirty="0"/>
+              <a:t>Hier kommt die </a:t>
+            </a:r>
+            <a:r>
+              <a:rPr lang="de-DE" dirty="0" err="1"/>
+              <a:t>Red</a:t>
+            </a:r>
+            <a:r>
+              <a:rPr lang="de-DE" dirty="0"/>
+              <a:t> Stag GmbH ins Spiel – Wir helfen Ihnen sich zu orientieren</a:t>
+            </a:r>
+            <a:r>
+              <a:rPr lang="de-DE" baseline="0" dirty="0"/>
+              <a:t> und ihren kurvigen Weg zu begradigen!</a:t>
+            </a:r>
+            <a:endParaRPr lang="de-DE" dirty="0"/>
+          </a:p>
+        </p:txBody>
+      </p:sp>
+      <p:sp>
+        <p:nvSpPr>
+          <p:cNvPr id="4" name="Foliennummernplatzhalter 3"/>
+          <p:cNvSpPr>
+            <a:spLocks noGrp="1"/>
+          </p:cNvSpPr>
+          <p:nvPr>
+            <p:ph type="sldNum" sz="quarter" idx="10"/>
+          </p:nvPr>
+        </p:nvSpPr>
+        <p:spPr/>
+        <p:txBody>
+          <a:bodyPr/>
+          <a:lstStyle/>
+          <a:p>
+            <a:fld id="{9FC0BF00-B122-482A-9408-566B5D066A28}" type="slidenum">
+              <a:rPr lang="de-DE" smtClean="0"/>
+              <a:t>4</a:t>
+            </a:fld>
+            <a:endParaRPr lang="de-DE"/>
+          </a:p>
+        </p:txBody>
+      </p:sp>
+    </p:spTree>
+    <p:extLst>
+      <p:ext uri="{BB962C8B-B14F-4D97-AF65-F5344CB8AC3E}">
+        <p14:creationId xmlns:p14="http://schemas.microsoft.com/office/powerpoint/2010/main" val="3209034498"/>
+      </p:ext>
+    </p:extLst>
+  </p:cSld>
+  <p:clrMapOvr>
+    <a:masterClrMapping/>
+  </p:clrMapOvr>
+</p:notes>
+</file>
+
+<file path=ppt/notesSlides/notesSlide5.xml><?xml version="1.0" encoding="utf-8"?>
+<p:notes xmlns:a="http://schemas.openxmlformats.org/drawingml/2006/main" xmlns:r="http://schemas.openxmlformats.org/officeDocument/2006/relationships" xmlns:p="http://schemas.openxmlformats.org/presentationml/2006/main">
+  <p:cSld>
+    <p:spTree>
+      <p:nvGrpSpPr>
+        <p:cNvPr id="1" name=""/>
+        <p:cNvGrpSpPr/>
+        <p:nvPr/>
+      </p:nvGrpSpPr>
+      <p:grpSpPr>
+        <a:xfrm>
+          <a:off x="0" y="0"/>
+          <a:ext cx="0" cy="0"/>
+          <a:chOff x="0" y="0"/>
+          <a:chExt cx="0" cy="0"/>
+        </a:xfrm>
+      </p:grpSpPr>
+      <p:sp>
+        <p:nvSpPr>
+          <p:cNvPr id="2" name="Folienbildplatzhalter 1"/>
+          <p:cNvSpPr>
+            <a:spLocks noGrp="1" noRot="1" noChangeAspect="1"/>
+          </p:cNvSpPr>
+          <p:nvPr>
+            <p:ph type="sldImg"/>
+          </p:nvPr>
+        </p:nvSpPr>
+        <p:spPr/>
+      </p:sp>
+      <p:sp>
+        <p:nvSpPr>
+          <p:cNvPr id="3" name="Notizenplatzhalter 2"/>
+          <p:cNvSpPr>
+            <a:spLocks noGrp="1"/>
+          </p:cNvSpPr>
+          <p:nvPr>
+            <p:ph type="body" idx="1"/>
+          </p:nvPr>
+        </p:nvSpPr>
+        <p:spPr/>
+        <p:txBody>
+          <a:bodyPr/>
+          <a:lstStyle/>
+          <a:p>
+            <a:r>
+              <a:rPr lang="de-DE" dirty="0"/>
+              <a:t>Lassen Sie</a:t>
+            </a:r>
+            <a:r>
+              <a:rPr lang="de-DE" baseline="0" dirty="0"/>
+              <a:t> uns gemeinsam die Bausteine auf eine Linie bringen, um Ihr Projektantragsmanagement auf ein neues Level zu heben. Welche Funktionen können wir Ihnen anbieten um ihnen zukünftig entsprechenden Mehrwert zu bieten?</a:t>
+            </a:r>
+            <a:endParaRPr lang="de-DE" dirty="0"/>
+          </a:p>
+        </p:txBody>
+      </p:sp>
+      <p:sp>
+        <p:nvSpPr>
+          <p:cNvPr id="4" name="Foliennummernplatzhalter 3"/>
+          <p:cNvSpPr>
+            <a:spLocks noGrp="1"/>
+          </p:cNvSpPr>
+          <p:nvPr>
+            <p:ph type="sldNum" sz="quarter" idx="10"/>
+          </p:nvPr>
+        </p:nvSpPr>
+        <p:spPr/>
+        <p:txBody>
+          <a:bodyPr/>
+          <a:lstStyle/>
+          <a:p>
+            <a:fld id="{9FC0BF00-B122-482A-9408-566B5D066A28}" type="slidenum">
+              <a:rPr lang="de-DE" smtClean="0"/>
+              <a:t>5</a:t>
+            </a:fld>
+            <a:endParaRPr lang="de-DE"/>
+          </a:p>
+        </p:txBody>
+      </p:sp>
+    </p:spTree>
+    <p:extLst>
+      <p:ext uri="{BB962C8B-B14F-4D97-AF65-F5344CB8AC3E}">
+        <p14:creationId xmlns:p14="http://schemas.microsoft.com/office/powerpoint/2010/main" val="2891731583"/>
+      </p:ext>
+    </p:extLst>
+  </p:cSld>
+  <p:clrMapOvr>
+    <a:masterClrMapping/>
+  </p:clrMapOvr>
+</p:notes>
+</file>
+
+<file path=ppt/notesSlides/notesSlide6.xml><?xml version="1.0" encoding="utf-8"?>
+<p:notes xmlns:a="http://schemas.openxmlformats.org/drawingml/2006/main" xmlns:r="http://schemas.openxmlformats.org/officeDocument/2006/relationships" xmlns:p="http://schemas.openxmlformats.org/presentationml/2006/main">
+  <p:cSld>
+    <p:spTree>
+      <p:nvGrpSpPr>
+        <p:cNvPr id="1" name=""/>
+        <p:cNvGrpSpPr/>
+        <p:nvPr/>
+      </p:nvGrpSpPr>
+      <p:grpSpPr>
+        <a:xfrm>
+          <a:off x="0" y="0"/>
+          <a:ext cx="0" cy="0"/>
+          <a:chOff x="0" y="0"/>
+          <a:chExt cx="0" cy="0"/>
+        </a:xfrm>
+      </p:grpSpPr>
+      <p:sp>
+        <p:nvSpPr>
+          <p:cNvPr id="2" name="Folienbildplatzhalter 1"/>
+          <p:cNvSpPr>
+            <a:spLocks noGrp="1" noRot="1" noChangeAspect="1"/>
+          </p:cNvSpPr>
+          <p:nvPr>
+            <p:ph type="sldImg"/>
+          </p:nvPr>
+        </p:nvSpPr>
+        <p:spPr/>
+      </p:sp>
+      <p:sp>
+        <p:nvSpPr>
+          <p:cNvPr id="3" name="Notizenplatzhalter 2"/>
+          <p:cNvSpPr>
+            <a:spLocks noGrp="1"/>
+          </p:cNvSpPr>
+          <p:nvPr>
+            <p:ph type="body" idx="1"/>
+          </p:nvPr>
+        </p:nvSpPr>
+        <p:spPr/>
+        <p:txBody>
+          <a:bodyPr/>
+          <a:lstStyle/>
+          <a:p>
+            <a:r>
+              <a:rPr lang="de-DE" dirty="0"/>
+              <a:t>Welche Funktionen besitzt</a:t>
+            </a:r>
+            <a:r>
+              <a:rPr lang="de-DE" baseline="0" dirty="0"/>
+              <a:t> das PAMS. </a:t>
+            </a:r>
+            <a:r>
+              <a:rPr lang="de-DE" baseline="0" dirty="0" err="1"/>
+              <a:t>Informatio</a:t>
+            </a:r>
+            <a:endParaRPr lang="de-DE" dirty="0"/>
+          </a:p>
+        </p:txBody>
+      </p:sp>
+      <p:sp>
+        <p:nvSpPr>
+          <p:cNvPr id="4" name="Foliennummernplatzhalter 3"/>
+          <p:cNvSpPr>
+            <a:spLocks noGrp="1"/>
+          </p:cNvSpPr>
+          <p:nvPr>
+            <p:ph type="sldNum" sz="quarter" idx="10"/>
+          </p:nvPr>
+        </p:nvSpPr>
+        <p:spPr/>
+        <p:txBody>
+          <a:bodyPr/>
+          <a:lstStyle/>
+          <a:p>
+            <a:fld id="{9FC0BF00-B122-482A-9408-566B5D066A28}" type="slidenum">
+              <a:rPr lang="de-DE" smtClean="0"/>
+              <a:t>6</a:t>
+            </a:fld>
+            <a:endParaRPr lang="de-DE"/>
+          </a:p>
+        </p:txBody>
+      </p:sp>
+    </p:spTree>
+    <p:extLst>
+      <p:ext uri="{BB962C8B-B14F-4D97-AF65-F5344CB8AC3E}">
+        <p14:creationId xmlns:p14="http://schemas.microsoft.com/office/powerpoint/2010/main" val="3937256442"/>
+      </p:ext>
+    </p:extLst>
+  </p:cSld>
+  <p:clrMapOvr>
+    <a:masterClrMapping/>
+  </p:clrMapOvr>
+</p:notes>
+</file>
+
+<file path=ppt/notesSlides/notesSlide7.xml><?xml version="1.0" encoding="utf-8"?>
+<p:notes xmlns:a="http://schemas.openxmlformats.org/drawingml/2006/main" xmlns:r="http://schemas.openxmlformats.org/officeDocument/2006/relationships" xmlns:p="http://schemas.openxmlformats.org/presentationml/2006/main">
+  <p:cSld>
+    <p:spTree>
+      <p:nvGrpSpPr>
+        <p:cNvPr id="1" name=""/>
+        <p:cNvGrpSpPr/>
+        <p:nvPr/>
+      </p:nvGrpSpPr>
+      <p:grpSpPr>
+        <a:xfrm>
+          <a:off x="0" y="0"/>
+          <a:ext cx="0" cy="0"/>
+          <a:chOff x="0" y="0"/>
+          <a:chExt cx="0" cy="0"/>
+        </a:xfrm>
+      </p:grpSpPr>
+      <p:sp>
+        <p:nvSpPr>
+          <p:cNvPr id="2" name="Folienbildplatzhalter 1"/>
+          <p:cNvSpPr>
+            <a:spLocks noGrp="1" noRot="1" noChangeAspect="1"/>
+          </p:cNvSpPr>
+          <p:nvPr>
+            <p:ph type="sldImg"/>
+          </p:nvPr>
+        </p:nvSpPr>
+        <p:spPr/>
+      </p:sp>
+      <p:sp>
+        <p:nvSpPr>
+          <p:cNvPr id="3" name="Notizenplatzhalter 2"/>
+          <p:cNvSpPr>
+            <a:spLocks noGrp="1"/>
+          </p:cNvSpPr>
+          <p:nvPr>
+            <p:ph type="body" idx="1"/>
+          </p:nvPr>
+        </p:nvSpPr>
+        <p:spPr/>
+        <p:txBody>
+          <a:bodyPr/>
+          <a:lstStyle/>
+          <a:p>
+            <a:r>
+              <a:rPr lang="de-DE" dirty="0"/>
+              <a:t>Welchen Mehrwert</a:t>
+            </a:r>
+            <a:r>
+              <a:rPr lang="de-DE" baseline="0" dirty="0"/>
+              <a:t> können wir Ihnen bieten?</a:t>
+            </a:r>
+            <a:endParaRPr lang="de-DE" dirty="0"/>
+          </a:p>
+        </p:txBody>
+      </p:sp>
+      <p:sp>
+        <p:nvSpPr>
+          <p:cNvPr id="4" name="Foliennummernplatzhalter 3"/>
+          <p:cNvSpPr>
+            <a:spLocks noGrp="1"/>
+          </p:cNvSpPr>
+          <p:nvPr>
+            <p:ph type="sldNum" sz="quarter" idx="10"/>
+          </p:nvPr>
+        </p:nvSpPr>
+        <p:spPr/>
+        <p:txBody>
+          <a:bodyPr/>
+          <a:lstStyle/>
+          <a:p>
+            <a:fld id="{9FC0BF00-B122-482A-9408-566B5D066A28}" type="slidenum">
+              <a:rPr lang="de-DE" smtClean="0"/>
+              <a:t>8</a:t>
+            </a:fld>
+            <a:endParaRPr lang="de-DE"/>
+          </a:p>
+        </p:txBody>
+      </p:sp>
+    </p:spTree>
+    <p:extLst>
+      <p:ext uri="{BB962C8B-B14F-4D97-AF65-F5344CB8AC3E}">
+        <p14:creationId xmlns:p14="http://schemas.microsoft.com/office/powerpoint/2010/main" val="270456164"/>
+      </p:ext>
+    </p:extLst>
+  </p:cSld>
+  <p:clrMapOvr>
+    <a:masterClrMapping/>
+  </p:clrMapOvr>
+</p:notes>
+</file>
+
+<file path=ppt/notesSlides/notesSlide8.xml><?xml version="1.0" encoding="utf-8"?>
+<p:notes xmlns:a="http://schemas.openxmlformats.org/drawingml/2006/main" xmlns:r="http://schemas.openxmlformats.org/officeDocument/2006/relationships" xmlns:p="http://schemas.openxmlformats.org/presentationml/2006/main">
+  <p:cSld>
+    <p:spTree>
+      <p:nvGrpSpPr>
+        <p:cNvPr id="1" name=""/>
+        <p:cNvGrpSpPr/>
+        <p:nvPr/>
+      </p:nvGrpSpPr>
+      <p:grpSpPr>
+        <a:xfrm>
+          <a:off x="0" y="0"/>
+          <a:ext cx="0" cy="0"/>
+          <a:chOff x="0" y="0"/>
+          <a:chExt cx="0" cy="0"/>
+        </a:xfrm>
+      </p:grpSpPr>
+      <p:sp>
+        <p:nvSpPr>
+          <p:cNvPr id="2" name="Folienbildplatzhalter 1"/>
+          <p:cNvSpPr>
+            <a:spLocks noGrp="1" noRot="1" noChangeAspect="1"/>
+          </p:cNvSpPr>
+          <p:nvPr>
+            <p:ph type="sldImg"/>
+          </p:nvPr>
+        </p:nvSpPr>
+        <p:spPr/>
+      </p:sp>
+      <p:sp>
+        <p:nvSpPr>
+          <p:cNvPr id="3" name="Notizenplatzhalter 2"/>
+          <p:cNvSpPr>
+            <a:spLocks noGrp="1"/>
+          </p:cNvSpPr>
+          <p:nvPr>
+            <p:ph type="body" idx="1"/>
+          </p:nvPr>
+        </p:nvSpPr>
+        <p:spPr/>
+        <p:txBody>
+          <a:bodyPr/>
+          <a:lstStyle/>
+          <a:p>
+            <a:endParaRPr lang="de-DE" dirty="0"/>
+          </a:p>
+        </p:txBody>
+      </p:sp>
+      <p:sp>
+        <p:nvSpPr>
+          <p:cNvPr id="4" name="Foliennummernplatzhalter 3"/>
+          <p:cNvSpPr>
+            <a:spLocks noGrp="1"/>
+          </p:cNvSpPr>
+          <p:nvPr>
+            <p:ph type="sldNum" sz="quarter" idx="10"/>
+          </p:nvPr>
+        </p:nvSpPr>
+        <p:spPr/>
+        <p:txBody>
+          <a:bodyPr/>
+          <a:lstStyle/>
+          <a:p>
+            <a:fld id="{9FC0BF00-B122-482A-9408-566B5D066A28}" type="slidenum">
+              <a:rPr lang="de-DE" smtClean="0"/>
+              <a:t>9</a:t>
+            </a:fld>
+            <a:endParaRPr lang="de-DE"/>
+          </a:p>
+        </p:txBody>
+      </p:sp>
+    </p:spTree>
+    <p:extLst>
+      <p:ext uri="{BB962C8B-B14F-4D97-AF65-F5344CB8AC3E}">
+        <p14:creationId xmlns:p14="http://schemas.microsoft.com/office/powerpoint/2010/main" val="411894574"/>
+      </p:ext>
+    </p:extLst>
+  </p:cSld>
+  <p:clrMapOvr>
+    <a:masterClrMapping/>
+  </p:clrMapOvr>
+</p:notes>
+</file>
+
+<file path=ppt/notesSlides/notesSlide9.xml><?xml version="1.0" encoding="utf-8"?>
+<p:notes xmlns:a="http://schemas.openxmlformats.org/drawingml/2006/main" xmlns:r="http://schemas.openxmlformats.org/officeDocument/2006/relationships" xmlns:p="http://schemas.openxmlformats.org/presentationml/2006/main">
+  <p:cSld>
+    <p:spTree>
+      <p:nvGrpSpPr>
+        <p:cNvPr id="1" name=""/>
+        <p:cNvGrpSpPr/>
+        <p:nvPr/>
+      </p:nvGrpSpPr>
+      <p:grpSpPr>
+        <a:xfrm>
+          <a:off x="0" y="0"/>
+          <a:ext cx="0" cy="0"/>
+          <a:chOff x="0" y="0"/>
+          <a:chExt cx="0" cy="0"/>
+        </a:xfrm>
+      </p:grpSpPr>
+      <p:sp>
+        <p:nvSpPr>
+          <p:cNvPr id="2" name="Folienbildplatzhalter 1"/>
+          <p:cNvSpPr>
+            <a:spLocks noGrp="1" noRot="1" noChangeAspect="1"/>
+          </p:cNvSpPr>
+          <p:nvPr>
+            <p:ph type="sldImg"/>
+          </p:nvPr>
+        </p:nvSpPr>
+        <p:spPr/>
+      </p:sp>
+      <p:sp>
+        <p:nvSpPr>
+          <p:cNvPr id="3" name="Notizenplatzhalter 2"/>
+          <p:cNvSpPr>
+            <a:spLocks noGrp="1"/>
+          </p:cNvSpPr>
+          <p:nvPr>
+            <p:ph type="body" idx="1"/>
+          </p:nvPr>
+        </p:nvSpPr>
+        <p:spPr/>
+        <p:txBody>
+          <a:bodyPr/>
+          <a:lstStyle/>
+          <a:p>
+            <a:r>
+              <a:rPr lang="de-DE" dirty="0"/>
+              <a:t>Mitarbeiter Paul hat eine überragende</a:t>
+            </a:r>
+            <a:r>
+              <a:rPr lang="de-DE" baseline="0" dirty="0"/>
+              <a:t> Idee und hat vom neu eingeführten PAMS gehört. Also möchte er Seine Idee über den neuen Kanal einreichen.</a:t>
+            </a:r>
+            <a:endParaRPr lang="de-DE" dirty="0"/>
+          </a:p>
+        </p:txBody>
+      </p:sp>
+      <p:sp>
+        <p:nvSpPr>
+          <p:cNvPr id="4" name="Foliennummernplatzhalter 3"/>
+          <p:cNvSpPr>
+            <a:spLocks noGrp="1"/>
+          </p:cNvSpPr>
+          <p:nvPr>
+            <p:ph type="sldNum" sz="quarter" idx="10"/>
+          </p:nvPr>
+        </p:nvSpPr>
+        <p:spPr/>
+        <p:txBody>
+          <a:bodyPr/>
+          <a:lstStyle/>
+          <a:p>
+            <a:fld id="{9FC0BF00-B122-482A-9408-566B5D066A28}" type="slidenum">
+              <a:rPr lang="de-DE" smtClean="0"/>
+              <a:t>11</a:t>
+            </a:fld>
+            <a:endParaRPr lang="de-DE"/>
+          </a:p>
+        </p:txBody>
+      </p:sp>
+    </p:spTree>
+    <p:extLst>
+      <p:ext uri="{BB962C8B-B14F-4D97-AF65-F5344CB8AC3E}">
+        <p14:creationId xmlns:p14="http://schemas.microsoft.com/office/powerpoint/2010/main" val="3225346425"/>
+      </p:ext>
+    </p:extLst>
+  </p:cSld>
+  <p:clrMapOvr>
+    <a:masterClrMapping/>
+  </p:clrMapOvr>
+</p:notes>
+</file>
+
 <file path=ppt/slideLayouts/slideLayout1.xml><?xml version="1.0" encoding="utf-8"?>
 <p:sldLayout xmlns:a="http://schemas.openxmlformats.org/drawingml/2006/main" xmlns:r="http://schemas.openxmlformats.org/officeDocument/2006/relationships" xmlns:p="http://schemas.openxmlformats.org/presentationml/2006/main" type="title" preserve="1">
   <p:cSld name="Titelfolie">
@@ -27867,7 +28680,7 @@
           <a:p>
             <a:fld id="{939A55D9-6AB2-4364-AE5A-4B2CFFB043C1}" type="datetimeFigureOut">
               <a:rPr lang="de-DE" smtClean="0"/>
-              <a:t>07.09.2016</a:t>
+              <a:t>08.09.2016</a:t>
             </a:fld>
             <a:endParaRPr lang="de-DE"/>
           </a:p>
@@ -28035,7 +28848,7 @@
           <a:p>
             <a:fld id="{939A55D9-6AB2-4364-AE5A-4B2CFFB043C1}" type="datetimeFigureOut">
               <a:rPr lang="de-DE" smtClean="0"/>
-              <a:t>07.09.2016</a:t>
+              <a:t>08.09.2016</a:t>
             </a:fld>
             <a:endParaRPr lang="de-DE"/>
           </a:p>
@@ -28213,7 +29026,7 @@
           <a:p>
             <a:fld id="{939A55D9-6AB2-4364-AE5A-4B2CFFB043C1}" type="datetimeFigureOut">
               <a:rPr lang="de-DE" smtClean="0"/>
-              <a:t>07.09.2016</a:t>
+              <a:t>08.09.2016</a:t>
             </a:fld>
             <a:endParaRPr lang="de-DE"/>
           </a:p>
@@ -28381,7 +29194,7 @@
           <a:p>
             <a:fld id="{939A55D9-6AB2-4364-AE5A-4B2CFFB043C1}" type="datetimeFigureOut">
               <a:rPr lang="de-DE" smtClean="0"/>
-              <a:t>07.09.2016</a:t>
+              <a:t>08.09.2016</a:t>
             </a:fld>
             <a:endParaRPr lang="de-DE"/>
           </a:p>
@@ -28626,7 +29439,7 @@
           <a:p>
             <a:fld id="{939A55D9-6AB2-4364-AE5A-4B2CFFB043C1}" type="datetimeFigureOut">
               <a:rPr lang="de-DE" smtClean="0"/>
-              <a:t>07.09.2016</a:t>
+              <a:t>08.09.2016</a:t>
             </a:fld>
             <a:endParaRPr lang="de-DE"/>
           </a:p>
@@ -28855,7 +29668,7 @@
           <a:p>
             <a:fld id="{939A55D9-6AB2-4364-AE5A-4B2CFFB043C1}" type="datetimeFigureOut">
               <a:rPr lang="de-DE" smtClean="0"/>
-              <a:t>07.09.2016</a:t>
+              <a:t>08.09.2016</a:t>
             </a:fld>
             <a:endParaRPr lang="de-DE"/>
           </a:p>
@@ -29219,7 +30032,7 @@
           <a:p>
             <a:fld id="{939A55D9-6AB2-4364-AE5A-4B2CFFB043C1}" type="datetimeFigureOut">
               <a:rPr lang="de-DE" smtClean="0"/>
-              <a:t>07.09.2016</a:t>
+              <a:t>08.09.2016</a:t>
             </a:fld>
             <a:endParaRPr lang="de-DE"/>
           </a:p>
@@ -29336,7 +30149,7 @@
           <a:p>
             <a:fld id="{939A55D9-6AB2-4364-AE5A-4B2CFFB043C1}" type="datetimeFigureOut">
               <a:rPr lang="de-DE" smtClean="0"/>
-              <a:t>07.09.2016</a:t>
+              <a:t>08.09.2016</a:t>
             </a:fld>
             <a:endParaRPr lang="de-DE"/>
           </a:p>
@@ -29431,7 +30244,7 @@
           <a:p>
             <a:fld id="{939A55D9-6AB2-4364-AE5A-4B2CFFB043C1}" type="datetimeFigureOut">
               <a:rPr lang="de-DE" smtClean="0"/>
-              <a:t>07.09.2016</a:t>
+              <a:t>08.09.2016</a:t>
             </a:fld>
             <a:endParaRPr lang="de-DE"/>
           </a:p>
@@ -29706,7 +30519,7 @@
           <a:p>
             <a:fld id="{939A55D9-6AB2-4364-AE5A-4B2CFFB043C1}" type="datetimeFigureOut">
               <a:rPr lang="de-DE" smtClean="0"/>
-              <a:t>07.09.2016</a:t>
+              <a:t>08.09.2016</a:t>
             </a:fld>
             <a:endParaRPr lang="de-DE"/>
           </a:p>
@@ -29958,7 +30771,7 @@
           <a:p>
             <a:fld id="{939A55D9-6AB2-4364-AE5A-4B2CFFB043C1}" type="datetimeFigureOut">
               <a:rPr lang="de-DE" smtClean="0"/>
-              <a:t>07.09.2016</a:t>
+              <a:t>08.09.2016</a:t>
             </a:fld>
             <a:endParaRPr lang="de-DE"/>
           </a:p>
@@ -30169,7 +30982,7 @@
           <a:p>
             <a:fld id="{939A55D9-6AB2-4364-AE5A-4B2CFFB043C1}" type="datetimeFigureOut">
               <a:rPr lang="de-DE" smtClean="0"/>
-              <a:t>07.09.2016</a:t>
+              <a:t>08.09.2016</a:t>
             </a:fld>
             <a:endParaRPr lang="de-DE"/>
           </a:p>
@@ -30583,7 +31396,7 @@
           <p:nvPr/>
         </p:nvPicPr>
         <p:blipFill rotWithShape="1">
-          <a:blip r:embed="rId2">
+          <a:blip r:embed="rId3">
             <a:extLst>
               <a:ext uri="{28A0092B-C50C-407E-A947-70E740481C1C}">
                 <a14:useLocalDpi xmlns:a14="http://schemas.microsoft.com/office/drawing/2010/main" val="0"/>
@@ -30622,7 +31435,7 @@
           <p:nvPr>
             <p:extLst>
               <p:ext uri="{386F3935-93C4-4BCD-93E2-E3B085C9AB24}">
-                <p16:designElem xmlns="" xmlns:p16="http://schemas.microsoft.com/office/powerpoint/2015/main" val="1"/>
+                <p16:designElem xmlns:p16="http://schemas.microsoft.com/office/powerpoint/2015/main" val="1"/>
               </p:ext>
             </p:extLst>
           </p:nvPr>
@@ -30755,7 +31568,7 @@
           <p:nvPr>
             <p:extLst>
               <p:ext uri="{386F3935-93C4-4BCD-93E2-E3B085C9AB24}">
-                <p16:designElem xmlns="" xmlns:p16="http://schemas.microsoft.com/office/powerpoint/2015/main" val="1"/>
+                <p16:designElem xmlns:p16="http://schemas.microsoft.com/office/powerpoint/2015/main" val="1"/>
               </p:ext>
             </p:extLst>
           </p:nvPr>
@@ -30906,127 +31719,34 @@
               </a:lnSpc>
             </a:pPr>
             <a:r>
-              <a:rPr lang="de-DE" sz="4400" b="1" dirty="0" smtClean="0">
+              <a:rPr lang="de-DE" sz="4400" b="1" dirty="0">
                 <a:latin typeface="Consolas" panose="020B0609020204030204" pitchFamily="49" charset="0"/>
                 <a:cs typeface="Consolas" panose="020B0609020204030204" pitchFamily="49" charset="0"/>
               </a:rPr>
-              <a:t>P  </a:t>
-            </a:r>
-            <a:r>
-              <a:rPr lang="de-DE" sz="4400" dirty="0" smtClean="0">
-                <a:latin typeface="Consolas" panose="020B0609020204030204" pitchFamily="49" charset="0"/>
-                <a:cs typeface="Consolas" panose="020B0609020204030204" pitchFamily="49" charset="0"/>
-              </a:rPr>
-              <a:t>A  M  S</a:t>
+              <a:t>P  A  M  S</a:t>
             </a:r>
             <a:br>
-              <a:rPr lang="de-DE" sz="4400" dirty="0" smtClean="0">
+              <a:rPr lang="de-DE" sz="4400" dirty="0">
                 <a:latin typeface="Consolas" panose="020B0609020204030204" pitchFamily="49" charset="0"/>
                 <a:cs typeface="Consolas" panose="020B0609020204030204" pitchFamily="49" charset="0"/>
               </a:rPr>
             </a:br>
             <a:r>
-              <a:rPr lang="de-DE" sz="4400" b="1" dirty="0" smtClean="0">
+              <a:rPr lang="de-DE" sz="4400" b="1" dirty="0">
                 <a:latin typeface="Consolas" panose="020B0609020204030204" pitchFamily="49" charset="0"/>
                 <a:cs typeface="Consolas" panose="020B0609020204030204" pitchFamily="49" charset="0"/>
               </a:rPr>
               <a:t>r  </a:t>
             </a:r>
             <a:r>
-              <a:rPr lang="de-DE" sz="4400" dirty="0" smtClean="0">
+              <a:rPr lang="de-DE" sz="4400" dirty="0">
                 <a:latin typeface="Consolas" panose="020B0609020204030204" pitchFamily="49" charset="0"/>
                 <a:cs typeface="Consolas" panose="020B0609020204030204" pitchFamily="49" charset="0"/>
               </a:rPr>
               <a:t>n  a  y</a:t>
             </a:r>
             <a:br>
-              <a:rPr lang="de-DE" sz="4400" dirty="0" smtClean="0">
-                <a:latin typeface="Consolas" panose="020B0609020204030204" pitchFamily="49" charset="0"/>
-                <a:cs typeface="Consolas" panose="020B0609020204030204" pitchFamily="49" charset="0"/>
-              </a:rPr>
-            </a:br>
-            <a:r>
-              <a:rPr lang="de-DE" sz="4400" dirty="0" smtClean="0">
-                <a:latin typeface="Consolas" panose="020B0609020204030204" pitchFamily="49" charset="0"/>
-                <a:cs typeface="Consolas" panose="020B0609020204030204" pitchFamily="49" charset="0"/>
-              </a:rPr>
-              <a:t>o</a:t>
-            </a:r>
-            <a:r>
-              <a:rPr lang="de-DE" sz="4400" b="1" dirty="0" smtClean="0">
-                <a:latin typeface="Consolas" panose="020B0609020204030204" pitchFamily="49" charset="0"/>
-                <a:cs typeface="Consolas" panose="020B0609020204030204" pitchFamily="49" charset="0"/>
-              </a:rPr>
-              <a:t>  t  n  s</a:t>
-            </a:r>
-            <a:r>
-              <a:rPr lang="de-DE" sz="4400" dirty="0" smtClean="0">
-                <a:latin typeface="Consolas" panose="020B0609020204030204" pitchFamily="49" charset="0"/>
-                <a:cs typeface="Consolas" panose="020B0609020204030204" pitchFamily="49" charset="0"/>
-              </a:rPr>
-              <a:t/>
-            </a:r>
-            <a:br>
-              <a:rPr lang="de-DE" sz="4400" dirty="0" smtClean="0">
-                <a:latin typeface="Consolas" panose="020B0609020204030204" pitchFamily="49" charset="0"/>
-                <a:cs typeface="Consolas" panose="020B0609020204030204" pitchFamily="49" charset="0"/>
-              </a:rPr>
-            </a:br>
-            <a:r>
-              <a:rPr lang="de-DE" sz="4400" dirty="0" smtClean="0">
-                <a:latin typeface="Consolas" panose="020B0609020204030204" pitchFamily="49" charset="0"/>
-                <a:cs typeface="Consolas" panose="020B0609020204030204" pitchFamily="49" charset="0"/>
-              </a:rPr>
-              <a:t>j</a:t>
-            </a:r>
-            <a:r>
-              <a:rPr lang="de-DE" sz="4400" dirty="0" smtClean="0">
-                <a:latin typeface="Consolas" panose="020B0609020204030204" pitchFamily="49" charset="0"/>
-                <a:cs typeface="Consolas" panose="020B0609020204030204" pitchFamily="49" charset="0"/>
-              </a:rPr>
-              <a:t>  r  a  t</a:t>
-            </a:r>
-            <a:br>
-              <a:rPr lang="de-DE" sz="4400" dirty="0" smtClean="0">
-                <a:latin typeface="Consolas" panose="020B0609020204030204" pitchFamily="49" charset="0"/>
-                <a:cs typeface="Consolas" panose="020B0609020204030204" pitchFamily="49" charset="0"/>
-              </a:rPr>
-            </a:br>
-            <a:r>
-              <a:rPr lang="de-DE" sz="4400" dirty="0" smtClean="0">
-                <a:latin typeface="Consolas" panose="020B0609020204030204" pitchFamily="49" charset="0"/>
-                <a:cs typeface="Consolas" panose="020B0609020204030204" pitchFamily="49" charset="0"/>
-              </a:rPr>
-              <a:t>e  a  g  e</a:t>
-            </a:r>
-            <a:br>
-              <a:rPr lang="de-DE" sz="4400" dirty="0" smtClean="0">
-                <a:latin typeface="Consolas" panose="020B0609020204030204" pitchFamily="49" charset="0"/>
-                <a:cs typeface="Consolas" panose="020B0609020204030204" pitchFamily="49" charset="0"/>
-              </a:rPr>
-            </a:br>
-            <a:r>
-              <a:rPr lang="de-DE" sz="4400" dirty="0" smtClean="0">
-                <a:latin typeface="Consolas" panose="020B0609020204030204" pitchFamily="49" charset="0"/>
-                <a:cs typeface="Consolas" panose="020B0609020204030204" pitchFamily="49" charset="0"/>
-              </a:rPr>
-              <a:t>k  g  e  m</a:t>
-            </a:r>
-            <a:br>
-              <a:rPr lang="de-DE" sz="4400" dirty="0" smtClean="0">
-                <a:latin typeface="Consolas" panose="020B0609020204030204" pitchFamily="49" charset="0"/>
-                <a:cs typeface="Consolas" panose="020B0609020204030204" pitchFamily="49" charset="0"/>
-              </a:rPr>
-            </a:br>
-            <a:r>
-              <a:rPr lang="de-DE" sz="4400" dirty="0" smtClean="0">
-                <a:latin typeface="Consolas" panose="020B0609020204030204" pitchFamily="49" charset="0"/>
-                <a:cs typeface="Consolas" panose="020B0609020204030204" pitchFamily="49" charset="0"/>
-              </a:rPr>
-              <a:t>t  s  m</a:t>
-            </a:r>
-            <a:br>
-              <a:rPr lang="de-DE" sz="4400" dirty="0" smtClean="0">
+              <a:rPr lang="de-DE" sz="4400" dirty="0">
                 <a:latin typeface="Consolas" panose="020B0609020204030204" pitchFamily="49" charset="0"/>
                 <a:cs typeface="Consolas" panose="020B0609020204030204" pitchFamily="49" charset="0"/>
               </a:rPr>
@@ -31036,17 +31756,17 @@
                 <a:latin typeface="Consolas" panose="020B0609020204030204" pitchFamily="49" charset="0"/>
                 <a:cs typeface="Consolas" panose="020B0609020204030204" pitchFamily="49" charset="0"/>
               </a:rPr>
-              <a:t> </a:t>
+              <a:t>o</a:t>
             </a:r>
             <a:r>
-              <a:rPr lang="de-DE" sz="4400" dirty="0" smtClean="0">
+              <a:rPr lang="de-DE" sz="4400" b="1" dirty="0">
                 <a:latin typeface="Consolas" panose="020B0609020204030204" pitchFamily="49" charset="0"/>
                 <a:cs typeface="Consolas" panose="020B0609020204030204" pitchFamily="49" charset="0"/>
               </a:rPr>
-              <a:t>     e</a:t>
+              <a:t>  t  n  s</a:t>
             </a:r>
             <a:br>
-              <a:rPr lang="de-DE" sz="4400" dirty="0" smtClean="0">
+              <a:rPr lang="de-DE" sz="4400" dirty="0">
                 <a:latin typeface="Consolas" panose="020B0609020204030204" pitchFamily="49" charset="0"/>
                 <a:cs typeface="Consolas" panose="020B0609020204030204" pitchFamily="49" charset="0"/>
               </a:rPr>
@@ -31056,17 +31776,10 @@
                 <a:latin typeface="Consolas" panose="020B0609020204030204" pitchFamily="49" charset="0"/>
                 <a:cs typeface="Consolas" panose="020B0609020204030204" pitchFamily="49" charset="0"/>
               </a:rPr>
-              <a:t> </a:t>
-            </a:r>
-            <a:r>
-              <a:rPr lang="de-DE" sz="4400" dirty="0" smtClean="0">
-                <a:latin typeface="Consolas" panose="020B0609020204030204" pitchFamily="49" charset="0"/>
-                <a:cs typeface="Consolas" panose="020B0609020204030204" pitchFamily="49" charset="0"/>
-              </a:rPr>
-              <a:t>     n</a:t>
+              <a:t>j  r  a  t</a:t>
             </a:r>
             <a:br>
-              <a:rPr lang="de-DE" sz="4400" dirty="0" smtClean="0">
+              <a:rPr lang="de-DE" sz="4400" dirty="0">
                 <a:latin typeface="Consolas" panose="020B0609020204030204" pitchFamily="49" charset="0"/>
                 <a:cs typeface="Consolas" panose="020B0609020204030204" pitchFamily="49" charset="0"/>
               </a:rPr>
@@ -31076,19 +31789,73 @@
                 <a:latin typeface="Consolas" panose="020B0609020204030204" pitchFamily="49" charset="0"/>
                 <a:cs typeface="Consolas" panose="020B0609020204030204" pitchFamily="49" charset="0"/>
               </a:rPr>
-              <a:t> </a:t>
+              <a:t>e  a  g  e</a:t>
             </a:r>
-            <a:r>
-              <a:rPr lang="de-DE" sz="4400" dirty="0" smtClean="0">
+            <a:br>
+              <a:rPr lang="de-DE" sz="4400" dirty="0">
                 <a:latin typeface="Consolas" panose="020B0609020204030204" pitchFamily="49" charset="0"/>
                 <a:cs typeface="Consolas" panose="020B0609020204030204" pitchFamily="49" charset="0"/>
               </a:rPr>
-              <a:t>     t</a:t>
+            </a:br>
+            <a:r>
+              <a:rPr lang="de-DE" sz="4400" dirty="0">
+                <a:latin typeface="Consolas" panose="020B0609020204030204" pitchFamily="49" charset="0"/>
+                <a:cs typeface="Consolas" panose="020B0609020204030204" pitchFamily="49" charset="0"/>
+              </a:rPr>
+              <a:t>k  g  e  m</a:t>
             </a:r>
-            <a:endParaRPr lang="de-DE" sz="4400" dirty="0">
-              <a:latin typeface="Consolas" panose="020B0609020204030204" pitchFamily="49" charset="0"/>
-              <a:cs typeface="Consolas" panose="020B0609020204030204" pitchFamily="49" charset="0"/>
-            </a:endParaRPr>
+            <a:br>
+              <a:rPr lang="de-DE" sz="4400" dirty="0">
+                <a:latin typeface="Consolas" panose="020B0609020204030204" pitchFamily="49" charset="0"/>
+                <a:cs typeface="Consolas" panose="020B0609020204030204" pitchFamily="49" charset="0"/>
+              </a:rPr>
+            </a:br>
+            <a:r>
+              <a:rPr lang="de-DE" sz="4400" dirty="0">
+                <a:latin typeface="Consolas" panose="020B0609020204030204" pitchFamily="49" charset="0"/>
+                <a:cs typeface="Consolas" panose="020B0609020204030204" pitchFamily="49" charset="0"/>
+              </a:rPr>
+              <a:t>t  s  m</a:t>
+            </a:r>
+            <a:br>
+              <a:rPr lang="de-DE" sz="4400" dirty="0">
+                <a:latin typeface="Consolas" panose="020B0609020204030204" pitchFamily="49" charset="0"/>
+                <a:cs typeface="Consolas" panose="020B0609020204030204" pitchFamily="49" charset="0"/>
+              </a:rPr>
+            </a:br>
+            <a:r>
+              <a:rPr lang="de-DE" sz="4400" dirty="0">
+                <a:latin typeface="Consolas" panose="020B0609020204030204" pitchFamily="49" charset="0"/>
+                <a:cs typeface="Consolas" panose="020B0609020204030204" pitchFamily="49" charset="0"/>
+              </a:rPr>
+              <a:t>      e</a:t>
+            </a:r>
+            <a:br>
+              <a:rPr lang="de-DE" sz="4400" dirty="0">
+                <a:latin typeface="Consolas" panose="020B0609020204030204" pitchFamily="49" charset="0"/>
+                <a:cs typeface="Consolas" panose="020B0609020204030204" pitchFamily="49" charset="0"/>
+              </a:rPr>
+            </a:br>
+            <a:r>
+              <a:rPr lang="de-DE" sz="4400" dirty="0">
+                <a:latin typeface="Consolas" panose="020B0609020204030204" pitchFamily="49" charset="0"/>
+                <a:cs typeface="Consolas" panose="020B0609020204030204" pitchFamily="49" charset="0"/>
+              </a:rPr>
+              <a:t>      n</a:t>
+            </a:r>
+            <a:br>
+              <a:rPr lang="de-DE" sz="4400" dirty="0">
+                <a:latin typeface="Consolas" panose="020B0609020204030204" pitchFamily="49" charset="0"/>
+                <a:cs typeface="Consolas" panose="020B0609020204030204" pitchFamily="49" charset="0"/>
+              </a:rPr>
+            </a:br>
+            <a:r>
+              <a:rPr lang="de-DE" sz="4400" dirty="0">
+                <a:latin typeface="Consolas" panose="020B0609020204030204" pitchFamily="49" charset="0"/>
+                <a:cs typeface="Consolas" panose="020B0609020204030204" pitchFamily="49" charset="0"/>
+              </a:rPr>
+              <a:t>      t</a:t>
+            </a:r>
           </a:p>
         </p:txBody>
       </p:sp>
@@ -31150,18 +31917,11 @@
   <p:clrMapOvr>
     <a:overrideClrMapping bg1="dk1" tx1="lt1" bg2="dk2" tx2="lt2" accent1="accent1" accent2="accent2" accent3="accent3" accent4="accent4" accent5="accent5" accent6="accent6" hlink="hlink" folHlink="folHlink"/>
   </p:clrMapOvr>
-  <p:timing>
-    <p:tnLst>
-      <p:par>
-        <p:cTn id="1" dur="indefinite" restart="never" nodeType="tmRoot"/>
-      </p:par>
-    </p:tnLst>
-  </p:timing>
 </p:sld>
 </file>
 
 <file path=ppt/slides/slide10.xml><?xml version="1.0" encoding="utf-8"?>
-<p:sld xmlns:a="http://schemas.openxmlformats.org/drawingml/2006/main" xmlns:r="http://schemas.openxmlformats.org/officeDocument/2006/relationships" xmlns:p="http://schemas.openxmlformats.org/presentationml/2006/main">
+<p:sld xmlns:a="http://schemas.openxmlformats.org/drawingml/2006/main" xmlns:r="http://schemas.openxmlformats.org/officeDocument/2006/relationships" xmlns:p="http://schemas.openxmlformats.org/presentationml/2006/main" show="0">
   <p:cSld>
     <p:spTree>
       <p:nvGrpSpPr>
@@ -31270,17 +32030,1131 @@
   <p:clrMapOvr>
     <a:masterClrMapping/>
   </p:clrMapOvr>
-  <p:timing>
-    <p:tnLst>
-      <p:par>
-        <p:cTn id="1" dur="indefinite" restart="never" nodeType="tmRoot"/>
-      </p:par>
-    </p:tnLst>
-  </p:timing>
 </p:sld>
 </file>
 
 <file path=ppt/slides/slide11.xml><?xml version="1.0" encoding="utf-8"?>
+<p:sld xmlns:a="http://schemas.openxmlformats.org/drawingml/2006/main" xmlns:r="http://schemas.openxmlformats.org/officeDocument/2006/relationships" xmlns:p="http://schemas.openxmlformats.org/presentationml/2006/main">
+  <p:cSld>
+    <p:spTree>
+      <p:nvGrpSpPr>
+        <p:cNvPr id="1" name=""/>
+        <p:cNvGrpSpPr/>
+        <p:nvPr/>
+      </p:nvGrpSpPr>
+      <p:grpSpPr>
+        <a:xfrm>
+          <a:off x="0" y="0"/>
+          <a:ext cx="0" cy="0"/>
+          <a:chOff x="0" y="0"/>
+          <a:chExt cx="0" cy="0"/>
+        </a:xfrm>
+      </p:grpSpPr>
+      <p:sp>
+        <p:nvSpPr>
+          <p:cNvPr id="2" name="Titel 1"/>
+          <p:cNvSpPr>
+            <a:spLocks noGrp="1"/>
+          </p:cNvSpPr>
+          <p:nvPr>
+            <p:ph type="title"/>
+          </p:nvPr>
+        </p:nvSpPr>
+        <p:spPr/>
+        <p:txBody>
+          <a:bodyPr/>
+          <a:lstStyle/>
+          <a:p>
+            <a:r>
+              <a:rPr lang="de-DE" dirty="0">
+                <a:solidFill>
+                  <a:srgbClr val="009CA2"/>
+                </a:solidFill>
+              </a:rPr>
+              <a:t>Was werden wir Ihnen zeigen?</a:t>
+            </a:r>
+          </a:p>
+        </p:txBody>
+      </p:sp>
+      <p:sp>
+        <p:nvSpPr>
+          <p:cNvPr id="3" name="Inhaltsplatzhalter 2"/>
+          <p:cNvSpPr>
+            <a:spLocks noGrp="1"/>
+          </p:cNvSpPr>
+          <p:nvPr>
+            <p:ph idx="1"/>
+          </p:nvPr>
+        </p:nvSpPr>
+        <p:spPr/>
+        <p:txBody>
+          <a:bodyPr/>
+          <a:lstStyle/>
+          <a:p>
+            <a:pPr marL="0" indent="0">
+              <a:buNone/>
+            </a:pPr>
+            <a:r>
+              <a:rPr lang="de-DE" dirty="0"/>
+              <a:t>1.</a:t>
+            </a:r>
+          </a:p>
+        </p:txBody>
+      </p:sp>
+      <p:pic>
+        <p:nvPicPr>
+          <p:cNvPr id="1026" name="Picture 2" descr="https://image.freepik.com/freie-ikonen/mitarbeiter_318-2085.jpg"/>
+          <p:cNvPicPr>
+            <a:picLocks noChangeAspect="1" noChangeArrowheads="1"/>
+          </p:cNvPicPr>
+          <p:nvPr/>
+        </p:nvPicPr>
+        <p:blipFill>
+          <a:blip r:embed="rId3">
+            <a:extLst>
+              <a:ext uri="{28A0092B-C50C-407E-A947-70E740481C1C}">
+                <a14:useLocalDpi xmlns:a14="http://schemas.microsoft.com/office/drawing/2010/main" val="0"/>
+              </a:ext>
+            </a:extLst>
+          </a:blip>
+          <a:srcRect/>
+          <a:stretch>
+            <a:fillRect/>
+          </a:stretch>
+        </p:blipFill>
+        <p:spPr bwMode="auto">
+          <a:xfrm>
+            <a:off x="1057699" y="2474260"/>
+            <a:ext cx="2694347" cy="3176387"/>
+          </a:xfrm>
+          <a:prstGeom prst="rect">
+            <a:avLst/>
+          </a:prstGeom>
+          <a:noFill/>
+          <a:extLst>
+            <a:ext uri="{909E8E84-426E-40DD-AFC4-6F175D3DCCD1}">
+              <a14:hiddenFill xmlns:a14="http://schemas.microsoft.com/office/drawing/2010/main">
+                <a:solidFill>
+                  <a:srgbClr val="FFFFFF"/>
+                </a:solidFill>
+              </a14:hiddenFill>
+            </a:ext>
+          </a:extLst>
+        </p:spPr>
+      </p:pic>
+      <p:sp>
+        <p:nvSpPr>
+          <p:cNvPr id="4" name="Textfeld 3"/>
+          <p:cNvSpPr txBox="1"/>
+          <p:nvPr/>
+        </p:nvSpPr>
+        <p:spPr>
+          <a:xfrm>
+            <a:off x="1535124" y="5281315"/>
+            <a:ext cx="1739496" cy="369332"/>
+          </a:xfrm>
+          <a:prstGeom prst="rect">
+            <a:avLst/>
+          </a:prstGeom>
+          <a:noFill/>
+        </p:spPr>
+        <p:txBody>
+          <a:bodyPr wrap="square" rtlCol="0">
+            <a:spAutoFit/>
+          </a:bodyPr>
+          <a:lstStyle/>
+          <a:p>
+            <a:r>
+              <a:rPr lang="de-DE" dirty="0"/>
+              <a:t>Mitarbeiter Paul</a:t>
+            </a:r>
+          </a:p>
+        </p:txBody>
+      </p:sp>
+      <p:sp>
+        <p:nvSpPr>
+          <p:cNvPr id="5" name="Wolkenförmige Legende 4"/>
+          <p:cNvSpPr/>
+          <p:nvPr/>
+        </p:nvSpPr>
+        <p:spPr>
+          <a:xfrm>
+            <a:off x="2797195" y="2062194"/>
+            <a:ext cx="2049691" cy="1411331"/>
+          </a:xfrm>
+          <a:prstGeom prst="cloudCallout">
+            <a:avLst>
+              <a:gd name="adj1" fmla="val -43738"/>
+              <a:gd name="adj2" fmla="val 54067"/>
+            </a:avLst>
+          </a:prstGeom>
+          <a:noFill/>
+          <a:ln>
+            <a:solidFill>
+              <a:srgbClr val="009CA2"/>
+            </a:solidFill>
+          </a:ln>
+        </p:spPr>
+        <p:style>
+          <a:lnRef idx="2">
+            <a:schemeClr val="accent1">
+              <a:shade val="50000"/>
+            </a:schemeClr>
+          </a:lnRef>
+          <a:fillRef idx="1">
+            <a:schemeClr val="accent1"/>
+          </a:fillRef>
+          <a:effectRef idx="0">
+            <a:schemeClr val="accent1"/>
+          </a:effectRef>
+          <a:fontRef idx="minor">
+            <a:schemeClr val="lt1"/>
+          </a:fontRef>
+        </p:style>
+        <p:txBody>
+          <a:bodyPr rtlCol="0" anchor="ctr"/>
+          <a:lstStyle/>
+          <a:p>
+            <a:pPr algn="ctr"/>
+            <a:r>
+              <a:rPr lang="de-DE" dirty="0">
+                <a:solidFill>
+                  <a:srgbClr val="009CA2"/>
+                </a:solidFill>
+              </a:rPr>
+              <a:t>Idee</a:t>
+            </a:r>
+          </a:p>
+        </p:txBody>
+      </p:sp>
+      <p:cxnSp>
+        <p:nvCxnSpPr>
+          <p:cNvPr id="7" name="Gerade Verbindung mit Pfeil 6"/>
+          <p:cNvCxnSpPr/>
+          <p:nvPr/>
+        </p:nvCxnSpPr>
+        <p:spPr>
+          <a:xfrm>
+            <a:off x="3338713" y="4377978"/>
+            <a:ext cx="4884027" cy="0"/>
+          </a:xfrm>
+          <a:prstGeom prst="straightConnector1">
+            <a:avLst/>
+          </a:prstGeom>
+          <a:ln w="28575">
+            <a:solidFill>
+              <a:srgbClr val="009CA2"/>
+            </a:solidFill>
+            <a:tailEnd type="triangle"/>
+          </a:ln>
+        </p:spPr>
+        <p:style>
+          <a:lnRef idx="1">
+            <a:schemeClr val="accent1"/>
+          </a:lnRef>
+          <a:fillRef idx="0">
+            <a:schemeClr val="accent1"/>
+          </a:fillRef>
+          <a:effectRef idx="0">
+            <a:schemeClr val="accent1"/>
+          </a:effectRef>
+          <a:fontRef idx="minor">
+            <a:schemeClr val="tx1"/>
+          </a:fontRef>
+        </p:style>
+      </p:cxnSp>
+      <p:pic>
+        <p:nvPicPr>
+          <p:cNvPr id="9" name="Picture 4" descr="https://image.freepik.com/freie-ikonen/computer-bildschirm_318-32677.png"/>
+          <p:cNvPicPr>
+            <a:picLocks noChangeAspect="1" noChangeArrowheads="1"/>
+          </p:cNvPicPr>
+          <p:nvPr/>
+        </p:nvPicPr>
+        <p:blipFill>
+          <a:blip r:embed="rId4">
+            <a:extLst>
+              <a:ext uri="{28A0092B-C50C-407E-A947-70E740481C1C}">
+                <a14:useLocalDpi xmlns:a14="http://schemas.microsoft.com/office/drawing/2010/main" val="0"/>
+              </a:ext>
+            </a:extLst>
+          </a:blip>
+          <a:srcRect/>
+          <a:stretch>
+            <a:fillRect/>
+          </a:stretch>
+        </p:blipFill>
+        <p:spPr bwMode="auto">
+          <a:xfrm>
+            <a:off x="8356436" y="2962272"/>
+            <a:ext cx="2831412" cy="2831412"/>
+          </a:xfrm>
+          <a:prstGeom prst="rect">
+            <a:avLst/>
+          </a:prstGeom>
+          <a:noFill/>
+          <a:extLst>
+            <a:ext uri="{909E8E84-426E-40DD-AFC4-6F175D3DCCD1}">
+              <a14:hiddenFill xmlns:a14="http://schemas.microsoft.com/office/drawing/2010/main">
+                <a:solidFill>
+                  <a:srgbClr val="FFFFFF"/>
+                </a:solidFill>
+              </a14:hiddenFill>
+            </a:ext>
+          </a:extLst>
+        </p:spPr>
+      </p:pic>
+      <p:sp>
+        <p:nvSpPr>
+          <p:cNvPr id="10" name="Rechteck 9"/>
+          <p:cNvSpPr/>
+          <p:nvPr/>
+        </p:nvSpPr>
+        <p:spPr>
+          <a:xfrm>
+            <a:off x="9003410" y="3703907"/>
+            <a:ext cx="1622244" cy="1105205"/>
+          </a:xfrm>
+          <a:prstGeom prst="rect">
+            <a:avLst/>
+          </a:prstGeom>
+          <a:noFill/>
+          <a:ln w="38100">
+            <a:solidFill>
+              <a:schemeClr val="bg1"/>
+            </a:solidFill>
+          </a:ln>
+        </p:spPr>
+        <p:style>
+          <a:lnRef idx="2">
+            <a:schemeClr val="accent1">
+              <a:shade val="50000"/>
+            </a:schemeClr>
+          </a:lnRef>
+          <a:fillRef idx="1">
+            <a:schemeClr val="accent1"/>
+          </a:fillRef>
+          <a:effectRef idx="0">
+            <a:schemeClr val="accent1"/>
+          </a:effectRef>
+          <a:fontRef idx="minor">
+            <a:schemeClr val="lt1"/>
+          </a:fontRef>
+        </p:style>
+        <p:txBody>
+          <a:bodyPr rtlCol="0" anchor="ctr"/>
+          <a:lstStyle/>
+          <a:p>
+            <a:pPr algn="ctr"/>
+            <a:r>
+              <a:rPr lang="de-DE" sz="2400" dirty="0">
+                <a:solidFill>
+                  <a:srgbClr val="009CA2"/>
+                </a:solidFill>
+              </a:rPr>
+              <a:t>PAMS</a:t>
+            </a:r>
+          </a:p>
+        </p:txBody>
+      </p:sp>
+      <p:sp>
+        <p:nvSpPr>
+          <p:cNvPr id="8" name="Textfeld 7"/>
+          <p:cNvSpPr txBox="1"/>
+          <p:nvPr/>
+        </p:nvSpPr>
+        <p:spPr>
+          <a:xfrm>
+            <a:off x="4980065" y="3873709"/>
+            <a:ext cx="1601321" cy="369332"/>
+          </a:xfrm>
+          <a:prstGeom prst="rect">
+            <a:avLst/>
+          </a:prstGeom>
+          <a:noFill/>
+        </p:spPr>
+        <p:txBody>
+          <a:bodyPr wrap="square" rtlCol="0">
+            <a:spAutoFit/>
+          </a:bodyPr>
+          <a:lstStyle/>
+          <a:p>
+            <a:r>
+              <a:rPr lang="de-DE" dirty="0"/>
+              <a:t>Anlegen </a:t>
+            </a:r>
+            <a:r>
+              <a:rPr lang="de-DE" dirty="0">
+                <a:sym typeface="Wingdings" panose="05000000000000000000" pitchFamily="2" charset="2"/>
+              </a:rPr>
+              <a:t></a:t>
+            </a:r>
+            <a:endParaRPr lang="de-DE" dirty="0"/>
+          </a:p>
+        </p:txBody>
+      </p:sp>
+    </p:spTree>
+    <p:extLst>
+      <p:ext uri="{BB962C8B-B14F-4D97-AF65-F5344CB8AC3E}">
+        <p14:creationId xmlns:p14="http://schemas.microsoft.com/office/powerpoint/2010/main" val="1138784371"/>
+      </p:ext>
+    </p:extLst>
+  </p:cSld>
+  <p:clrMapOvr>
+    <a:masterClrMapping/>
+  </p:clrMapOvr>
+</p:sld>
+</file>
+
+<file path=ppt/slides/slide12.xml><?xml version="1.0" encoding="utf-8"?>
+<p:sld xmlns:a="http://schemas.openxmlformats.org/drawingml/2006/main" xmlns:r="http://schemas.openxmlformats.org/officeDocument/2006/relationships" xmlns:p="http://schemas.openxmlformats.org/presentationml/2006/main">
+  <p:cSld>
+    <p:spTree>
+      <p:nvGrpSpPr>
+        <p:cNvPr id="1" name=""/>
+        <p:cNvGrpSpPr/>
+        <p:nvPr/>
+      </p:nvGrpSpPr>
+      <p:grpSpPr>
+        <a:xfrm>
+          <a:off x="0" y="0"/>
+          <a:ext cx="0" cy="0"/>
+          <a:chOff x="0" y="0"/>
+          <a:chExt cx="0" cy="0"/>
+        </a:xfrm>
+      </p:grpSpPr>
+      <p:sp>
+        <p:nvSpPr>
+          <p:cNvPr id="2" name="Titel 1"/>
+          <p:cNvSpPr>
+            <a:spLocks noGrp="1"/>
+          </p:cNvSpPr>
+          <p:nvPr>
+            <p:ph type="title"/>
+          </p:nvPr>
+        </p:nvSpPr>
+        <p:spPr/>
+        <p:txBody>
+          <a:bodyPr/>
+          <a:lstStyle/>
+          <a:p>
+            <a:r>
+              <a:rPr lang="de-DE" dirty="0">
+                <a:solidFill>
+                  <a:srgbClr val="009CA2"/>
+                </a:solidFill>
+              </a:rPr>
+              <a:t>Was werden wir Ihnen zeigen?</a:t>
+            </a:r>
+            <a:endParaRPr lang="de-DE" dirty="0"/>
+          </a:p>
+        </p:txBody>
+      </p:sp>
+      <p:sp>
+        <p:nvSpPr>
+          <p:cNvPr id="3" name="Inhaltsplatzhalter 2"/>
+          <p:cNvSpPr>
+            <a:spLocks noGrp="1"/>
+          </p:cNvSpPr>
+          <p:nvPr>
+            <p:ph idx="1"/>
+          </p:nvPr>
+        </p:nvSpPr>
+        <p:spPr/>
+        <p:txBody>
+          <a:bodyPr/>
+          <a:lstStyle/>
+          <a:p>
+            <a:pPr marL="0" indent="0">
+              <a:buNone/>
+            </a:pPr>
+            <a:r>
+              <a:rPr lang="de-DE" dirty="0"/>
+              <a:t>2.</a:t>
+            </a:r>
+          </a:p>
+        </p:txBody>
+      </p:sp>
+      <p:pic>
+        <p:nvPicPr>
+          <p:cNvPr id="3074" name="Picture 2" descr="https://d30y9cdsu7xlg0.cloudfront.net/png/95188-200.png"/>
+          <p:cNvPicPr>
+            <a:picLocks noChangeAspect="1" noChangeArrowheads="1"/>
+          </p:cNvPicPr>
+          <p:nvPr/>
+        </p:nvPicPr>
+        <p:blipFill>
+          <a:blip r:embed="rId3">
+            <a:extLst>
+              <a:ext uri="{28A0092B-C50C-407E-A947-70E740481C1C}">
+                <a14:useLocalDpi xmlns:a14="http://schemas.microsoft.com/office/drawing/2010/main" val="0"/>
+              </a:ext>
+            </a:extLst>
+          </a:blip>
+          <a:srcRect/>
+          <a:stretch>
+            <a:fillRect/>
+          </a:stretch>
+        </p:blipFill>
+        <p:spPr bwMode="auto">
+          <a:xfrm>
+            <a:off x="1039554" y="3048793"/>
+            <a:ext cx="2391533" cy="2391533"/>
+          </a:xfrm>
+          <a:prstGeom prst="rect">
+            <a:avLst/>
+          </a:prstGeom>
+          <a:noFill/>
+          <a:extLst>
+            <a:ext uri="{909E8E84-426E-40DD-AFC4-6F175D3DCCD1}">
+              <a14:hiddenFill xmlns:a14="http://schemas.microsoft.com/office/drawing/2010/main">
+                <a:solidFill>
+                  <a:srgbClr val="FFFFFF"/>
+                </a:solidFill>
+              </a14:hiddenFill>
+            </a:ext>
+          </a:extLst>
+        </p:spPr>
+      </p:pic>
+      <p:sp>
+        <p:nvSpPr>
+          <p:cNvPr id="6" name="Wolkenförmige Legende 5"/>
+          <p:cNvSpPr/>
+          <p:nvPr/>
+        </p:nvSpPr>
+        <p:spPr>
+          <a:xfrm>
+            <a:off x="2953950" y="2009941"/>
+            <a:ext cx="2049691" cy="1411331"/>
+          </a:xfrm>
+          <a:prstGeom prst="cloudCallout">
+            <a:avLst>
+              <a:gd name="adj1" fmla="val -60308"/>
+              <a:gd name="adj2" fmla="val 52216"/>
+            </a:avLst>
+          </a:prstGeom>
+          <a:noFill/>
+          <a:ln>
+            <a:solidFill>
+              <a:srgbClr val="009CA2"/>
+            </a:solidFill>
+          </a:ln>
+        </p:spPr>
+        <p:style>
+          <a:lnRef idx="2">
+            <a:schemeClr val="accent1">
+              <a:shade val="50000"/>
+            </a:schemeClr>
+          </a:lnRef>
+          <a:fillRef idx="1">
+            <a:schemeClr val="accent1"/>
+          </a:fillRef>
+          <a:effectRef idx="0">
+            <a:schemeClr val="accent1"/>
+          </a:effectRef>
+          <a:fontRef idx="minor">
+            <a:schemeClr val="lt1"/>
+          </a:fontRef>
+        </p:style>
+        <p:txBody>
+          <a:bodyPr rtlCol="0" anchor="ctr"/>
+          <a:lstStyle/>
+          <a:p>
+            <a:pPr algn="ctr"/>
+            <a:r>
+              <a:rPr lang="de-DE" dirty="0">
+                <a:solidFill>
+                  <a:srgbClr val="009CA2"/>
+                </a:solidFill>
+              </a:rPr>
+              <a:t>Projekte?</a:t>
+            </a:r>
+          </a:p>
+        </p:txBody>
+      </p:sp>
+      <p:sp>
+        <p:nvSpPr>
+          <p:cNvPr id="7" name="Textfeld 6"/>
+          <p:cNvSpPr txBox="1"/>
+          <p:nvPr/>
+        </p:nvSpPr>
+        <p:spPr>
+          <a:xfrm>
+            <a:off x="1077505" y="5390597"/>
+            <a:ext cx="2261208" cy="369332"/>
+          </a:xfrm>
+          <a:prstGeom prst="rect">
+            <a:avLst/>
+          </a:prstGeom>
+          <a:noFill/>
+        </p:spPr>
+        <p:txBody>
+          <a:bodyPr wrap="square" rtlCol="0">
+            <a:spAutoFit/>
+          </a:bodyPr>
+          <a:lstStyle/>
+          <a:p>
+            <a:r>
+              <a:rPr lang="de-DE" dirty="0"/>
+              <a:t>Führungskraft Martin</a:t>
+            </a:r>
+          </a:p>
+        </p:txBody>
+      </p:sp>
+      <p:cxnSp>
+        <p:nvCxnSpPr>
+          <p:cNvPr id="8" name="Gerade Verbindung mit Pfeil 7"/>
+          <p:cNvCxnSpPr/>
+          <p:nvPr/>
+        </p:nvCxnSpPr>
+        <p:spPr>
+          <a:xfrm>
+            <a:off x="3338713" y="4377978"/>
+            <a:ext cx="4884027" cy="0"/>
+          </a:xfrm>
+          <a:prstGeom prst="straightConnector1">
+            <a:avLst/>
+          </a:prstGeom>
+          <a:ln w="28575">
+            <a:solidFill>
+              <a:srgbClr val="009CA2"/>
+            </a:solidFill>
+            <a:tailEnd type="triangle"/>
+          </a:ln>
+        </p:spPr>
+        <p:style>
+          <a:lnRef idx="1">
+            <a:schemeClr val="accent1"/>
+          </a:lnRef>
+          <a:fillRef idx="0">
+            <a:schemeClr val="accent1"/>
+          </a:fillRef>
+          <a:effectRef idx="0">
+            <a:schemeClr val="accent1"/>
+          </a:effectRef>
+          <a:fontRef idx="minor">
+            <a:schemeClr val="tx1"/>
+          </a:fontRef>
+        </p:style>
+      </p:cxnSp>
+      <p:pic>
+        <p:nvPicPr>
+          <p:cNvPr id="9" name="Picture 4" descr="https://image.freepik.com/freie-ikonen/computer-bildschirm_318-32677.png"/>
+          <p:cNvPicPr>
+            <a:picLocks noChangeAspect="1" noChangeArrowheads="1"/>
+          </p:cNvPicPr>
+          <p:nvPr/>
+        </p:nvPicPr>
+        <p:blipFill>
+          <a:blip r:embed="rId4">
+            <a:extLst>
+              <a:ext uri="{28A0092B-C50C-407E-A947-70E740481C1C}">
+                <a14:useLocalDpi xmlns:a14="http://schemas.microsoft.com/office/drawing/2010/main" val="0"/>
+              </a:ext>
+            </a:extLst>
+          </a:blip>
+          <a:srcRect/>
+          <a:stretch>
+            <a:fillRect/>
+          </a:stretch>
+        </p:blipFill>
+        <p:spPr bwMode="auto">
+          <a:xfrm>
+            <a:off x="8356436" y="2962272"/>
+            <a:ext cx="2831412" cy="2831412"/>
+          </a:xfrm>
+          <a:prstGeom prst="rect">
+            <a:avLst/>
+          </a:prstGeom>
+          <a:noFill/>
+          <a:extLst>
+            <a:ext uri="{909E8E84-426E-40DD-AFC4-6F175D3DCCD1}">
+              <a14:hiddenFill xmlns:a14="http://schemas.microsoft.com/office/drawing/2010/main">
+                <a:solidFill>
+                  <a:srgbClr val="FFFFFF"/>
+                </a:solidFill>
+              </a14:hiddenFill>
+            </a:ext>
+          </a:extLst>
+        </p:spPr>
+      </p:pic>
+      <p:sp>
+        <p:nvSpPr>
+          <p:cNvPr id="10" name="Rechteck 9"/>
+          <p:cNvSpPr/>
+          <p:nvPr/>
+        </p:nvSpPr>
+        <p:spPr>
+          <a:xfrm>
+            <a:off x="9003410" y="3703907"/>
+            <a:ext cx="1622244" cy="1105205"/>
+          </a:xfrm>
+          <a:prstGeom prst="rect">
+            <a:avLst/>
+          </a:prstGeom>
+          <a:noFill/>
+          <a:ln w="38100">
+            <a:solidFill>
+              <a:schemeClr val="bg1"/>
+            </a:solidFill>
+          </a:ln>
+        </p:spPr>
+        <p:style>
+          <a:lnRef idx="2">
+            <a:schemeClr val="accent1">
+              <a:shade val="50000"/>
+            </a:schemeClr>
+          </a:lnRef>
+          <a:fillRef idx="1">
+            <a:schemeClr val="accent1"/>
+          </a:fillRef>
+          <a:effectRef idx="0">
+            <a:schemeClr val="accent1"/>
+          </a:effectRef>
+          <a:fontRef idx="minor">
+            <a:schemeClr val="lt1"/>
+          </a:fontRef>
+        </p:style>
+        <p:txBody>
+          <a:bodyPr rtlCol="0" anchor="ctr"/>
+          <a:lstStyle/>
+          <a:p>
+            <a:pPr algn="ctr"/>
+            <a:r>
+              <a:rPr lang="de-DE" sz="2400" dirty="0">
+                <a:solidFill>
+                  <a:srgbClr val="009CA2"/>
+                </a:solidFill>
+              </a:rPr>
+              <a:t>PAMS</a:t>
+            </a:r>
+          </a:p>
+        </p:txBody>
+      </p:sp>
+      <p:sp>
+        <p:nvSpPr>
+          <p:cNvPr id="11" name="Textfeld 10"/>
+          <p:cNvSpPr txBox="1"/>
+          <p:nvPr/>
+        </p:nvSpPr>
+        <p:spPr>
+          <a:xfrm>
+            <a:off x="4569439" y="3941178"/>
+            <a:ext cx="2648644" cy="369332"/>
+          </a:xfrm>
+          <a:prstGeom prst="rect">
+            <a:avLst/>
+          </a:prstGeom>
+          <a:noFill/>
+        </p:spPr>
+        <p:txBody>
+          <a:bodyPr wrap="square" rtlCol="0">
+            <a:spAutoFit/>
+          </a:bodyPr>
+          <a:lstStyle/>
+          <a:p>
+            <a:r>
+              <a:rPr lang="de-DE" dirty="0"/>
+              <a:t>Überblick / Statistiken </a:t>
+            </a:r>
+            <a:r>
+              <a:rPr lang="de-DE" dirty="0">
+                <a:sym typeface="Wingdings" panose="05000000000000000000" pitchFamily="2" charset="2"/>
+              </a:rPr>
+              <a:t></a:t>
+            </a:r>
+            <a:endParaRPr lang="de-DE" dirty="0"/>
+          </a:p>
+        </p:txBody>
+      </p:sp>
+    </p:spTree>
+    <p:extLst>
+      <p:ext uri="{BB962C8B-B14F-4D97-AF65-F5344CB8AC3E}">
+        <p14:creationId xmlns:p14="http://schemas.microsoft.com/office/powerpoint/2010/main" val="1022683089"/>
+      </p:ext>
+    </p:extLst>
+  </p:cSld>
+  <p:clrMapOvr>
+    <a:masterClrMapping/>
+  </p:clrMapOvr>
+</p:sld>
+</file>
+
+<file path=ppt/slides/slide13.xml><?xml version="1.0" encoding="utf-8"?>
+<p:sld xmlns:a="http://schemas.openxmlformats.org/drawingml/2006/main" xmlns:r="http://schemas.openxmlformats.org/officeDocument/2006/relationships" xmlns:p="http://schemas.openxmlformats.org/presentationml/2006/main">
+  <p:cSld>
+    <p:spTree>
+      <p:nvGrpSpPr>
+        <p:cNvPr id="1" name=""/>
+        <p:cNvGrpSpPr/>
+        <p:nvPr/>
+      </p:nvGrpSpPr>
+      <p:grpSpPr>
+        <a:xfrm>
+          <a:off x="0" y="0"/>
+          <a:ext cx="0" cy="0"/>
+          <a:chOff x="0" y="0"/>
+          <a:chExt cx="0" cy="0"/>
+        </a:xfrm>
+      </p:grpSpPr>
+      <p:sp>
+        <p:nvSpPr>
+          <p:cNvPr id="2" name="Titel 1"/>
+          <p:cNvSpPr>
+            <a:spLocks noGrp="1"/>
+          </p:cNvSpPr>
+          <p:nvPr>
+            <p:ph type="title"/>
+          </p:nvPr>
+        </p:nvSpPr>
+        <p:spPr/>
+        <p:txBody>
+          <a:bodyPr/>
+          <a:lstStyle/>
+          <a:p>
+            <a:r>
+              <a:rPr lang="de-DE" dirty="0">
+                <a:solidFill>
+                  <a:srgbClr val="009CA2"/>
+                </a:solidFill>
+              </a:rPr>
+              <a:t>Was werden wir Ihnen zeigen?</a:t>
+            </a:r>
+            <a:endParaRPr lang="de-DE" dirty="0"/>
+          </a:p>
+        </p:txBody>
+      </p:sp>
+      <p:sp>
+        <p:nvSpPr>
+          <p:cNvPr id="3" name="Inhaltsplatzhalter 2"/>
+          <p:cNvSpPr>
+            <a:spLocks noGrp="1"/>
+          </p:cNvSpPr>
+          <p:nvPr>
+            <p:ph idx="1"/>
+          </p:nvPr>
+        </p:nvSpPr>
+        <p:spPr/>
+        <p:txBody>
+          <a:bodyPr/>
+          <a:lstStyle/>
+          <a:p>
+            <a:pPr marL="0" indent="0">
+              <a:buNone/>
+            </a:pPr>
+            <a:r>
+              <a:rPr lang="de-DE" dirty="0"/>
+              <a:t>3. </a:t>
+            </a:r>
+          </a:p>
+        </p:txBody>
+      </p:sp>
+      <p:pic>
+        <p:nvPicPr>
+          <p:cNvPr id="5" name="Picture 2" descr="http://www.iconsdb.com/icons/preview/black/manager-xxl.png"/>
+          <p:cNvPicPr>
+            <a:picLocks noChangeAspect="1" noChangeArrowheads="1"/>
+          </p:cNvPicPr>
+          <p:nvPr/>
+        </p:nvPicPr>
+        <p:blipFill>
+          <a:blip r:embed="rId3">
+            <a:extLst>
+              <a:ext uri="{28A0092B-C50C-407E-A947-70E740481C1C}">
+                <a14:useLocalDpi xmlns:a14="http://schemas.microsoft.com/office/drawing/2010/main" val="0"/>
+              </a:ext>
+            </a:extLst>
+          </a:blip>
+          <a:srcRect/>
+          <a:stretch>
+            <a:fillRect/>
+          </a:stretch>
+        </p:blipFill>
+        <p:spPr bwMode="auto">
+          <a:xfrm>
+            <a:off x="1383867" y="3000266"/>
+            <a:ext cx="2062632" cy="2062632"/>
+          </a:xfrm>
+          <a:prstGeom prst="rect">
+            <a:avLst/>
+          </a:prstGeom>
+          <a:noFill/>
+          <a:extLst>
+            <a:ext uri="{909E8E84-426E-40DD-AFC4-6F175D3DCCD1}">
+              <a14:hiddenFill xmlns:a14="http://schemas.microsoft.com/office/drawing/2010/main">
+                <a:solidFill>
+                  <a:srgbClr val="FFFFFF"/>
+                </a:solidFill>
+              </a14:hiddenFill>
+            </a:ext>
+          </a:extLst>
+        </p:spPr>
+      </p:pic>
+      <p:sp>
+        <p:nvSpPr>
+          <p:cNvPr id="6" name="Wolkenförmige Legende 5"/>
+          <p:cNvSpPr/>
+          <p:nvPr/>
+        </p:nvSpPr>
+        <p:spPr>
+          <a:xfrm>
+            <a:off x="2862510" y="1983816"/>
+            <a:ext cx="2049691" cy="1411331"/>
+          </a:xfrm>
+          <a:prstGeom prst="cloudCallout">
+            <a:avLst>
+              <a:gd name="adj1" fmla="val -43738"/>
+              <a:gd name="adj2" fmla="val 54067"/>
+            </a:avLst>
+          </a:prstGeom>
+          <a:noFill/>
+          <a:ln>
+            <a:solidFill>
+              <a:srgbClr val="009CA2"/>
+            </a:solidFill>
+          </a:ln>
+        </p:spPr>
+        <p:style>
+          <a:lnRef idx="2">
+            <a:schemeClr val="accent1">
+              <a:shade val="50000"/>
+            </a:schemeClr>
+          </a:lnRef>
+          <a:fillRef idx="1">
+            <a:schemeClr val="accent1"/>
+          </a:fillRef>
+          <a:effectRef idx="0">
+            <a:schemeClr val="accent1"/>
+          </a:effectRef>
+          <a:fontRef idx="minor">
+            <a:schemeClr val="lt1"/>
+          </a:fontRef>
+        </p:style>
+        <p:txBody>
+          <a:bodyPr rtlCol="0" anchor="ctr"/>
+          <a:lstStyle/>
+          <a:p>
+            <a:pPr algn="ctr"/>
+            <a:r>
+              <a:rPr lang="de-DE" dirty="0">
+                <a:solidFill>
+                  <a:srgbClr val="009CA2"/>
+                </a:solidFill>
+              </a:rPr>
+              <a:t>Expansion</a:t>
+            </a:r>
+          </a:p>
+        </p:txBody>
+      </p:sp>
+      <p:sp>
+        <p:nvSpPr>
+          <p:cNvPr id="7" name="Textfeld 6"/>
+          <p:cNvSpPr txBox="1"/>
+          <p:nvPr/>
+        </p:nvSpPr>
+        <p:spPr>
+          <a:xfrm>
+            <a:off x="1214846" y="5250598"/>
+            <a:ext cx="2377440" cy="369332"/>
+          </a:xfrm>
+          <a:prstGeom prst="rect">
+            <a:avLst/>
+          </a:prstGeom>
+          <a:noFill/>
+        </p:spPr>
+        <p:txBody>
+          <a:bodyPr wrap="square" rtlCol="0">
+            <a:spAutoFit/>
+          </a:bodyPr>
+          <a:lstStyle/>
+          <a:p>
+            <a:r>
+              <a:rPr lang="de-DE" dirty="0"/>
+              <a:t>Geschäftsführer Fabian</a:t>
+            </a:r>
+          </a:p>
+        </p:txBody>
+      </p:sp>
+      <p:cxnSp>
+        <p:nvCxnSpPr>
+          <p:cNvPr id="8" name="Gerade Verbindung mit Pfeil 7"/>
+          <p:cNvCxnSpPr/>
+          <p:nvPr/>
+        </p:nvCxnSpPr>
+        <p:spPr>
+          <a:xfrm>
+            <a:off x="3338713" y="4377978"/>
+            <a:ext cx="4884027" cy="0"/>
+          </a:xfrm>
+          <a:prstGeom prst="straightConnector1">
+            <a:avLst/>
+          </a:prstGeom>
+          <a:ln w="28575">
+            <a:solidFill>
+              <a:srgbClr val="009CA2"/>
+            </a:solidFill>
+            <a:tailEnd type="triangle"/>
+          </a:ln>
+        </p:spPr>
+        <p:style>
+          <a:lnRef idx="1">
+            <a:schemeClr val="accent1"/>
+          </a:lnRef>
+          <a:fillRef idx="0">
+            <a:schemeClr val="accent1"/>
+          </a:fillRef>
+          <a:effectRef idx="0">
+            <a:schemeClr val="accent1"/>
+          </a:effectRef>
+          <a:fontRef idx="minor">
+            <a:schemeClr val="tx1"/>
+          </a:fontRef>
+        </p:style>
+      </p:cxnSp>
+      <p:pic>
+        <p:nvPicPr>
+          <p:cNvPr id="9" name="Picture 4" descr="https://image.freepik.com/freie-ikonen/computer-bildschirm_318-32677.png"/>
+          <p:cNvPicPr>
+            <a:picLocks noChangeAspect="1" noChangeArrowheads="1"/>
+          </p:cNvPicPr>
+          <p:nvPr/>
+        </p:nvPicPr>
+        <p:blipFill>
+          <a:blip r:embed="rId4">
+            <a:extLst>
+              <a:ext uri="{28A0092B-C50C-407E-A947-70E740481C1C}">
+                <a14:useLocalDpi xmlns:a14="http://schemas.microsoft.com/office/drawing/2010/main" val="0"/>
+              </a:ext>
+            </a:extLst>
+          </a:blip>
+          <a:srcRect/>
+          <a:stretch>
+            <a:fillRect/>
+          </a:stretch>
+        </p:blipFill>
+        <p:spPr bwMode="auto">
+          <a:xfrm>
+            <a:off x="8356436" y="2962272"/>
+            <a:ext cx="2831412" cy="2831412"/>
+          </a:xfrm>
+          <a:prstGeom prst="rect">
+            <a:avLst/>
+          </a:prstGeom>
+          <a:noFill/>
+          <a:extLst>
+            <a:ext uri="{909E8E84-426E-40DD-AFC4-6F175D3DCCD1}">
+              <a14:hiddenFill xmlns:a14="http://schemas.microsoft.com/office/drawing/2010/main">
+                <a:solidFill>
+                  <a:srgbClr val="FFFFFF"/>
+                </a:solidFill>
+              </a14:hiddenFill>
+            </a:ext>
+          </a:extLst>
+        </p:spPr>
+      </p:pic>
+      <p:sp>
+        <p:nvSpPr>
+          <p:cNvPr id="10" name="Rechteck 9"/>
+          <p:cNvSpPr/>
+          <p:nvPr/>
+        </p:nvSpPr>
+        <p:spPr>
+          <a:xfrm>
+            <a:off x="9003410" y="3703907"/>
+            <a:ext cx="1622244" cy="1105205"/>
+          </a:xfrm>
+          <a:prstGeom prst="rect">
+            <a:avLst/>
+          </a:prstGeom>
+          <a:noFill/>
+          <a:ln w="38100">
+            <a:solidFill>
+              <a:schemeClr val="bg1"/>
+            </a:solidFill>
+          </a:ln>
+        </p:spPr>
+        <p:style>
+          <a:lnRef idx="2">
+            <a:schemeClr val="accent1">
+              <a:shade val="50000"/>
+            </a:schemeClr>
+          </a:lnRef>
+          <a:fillRef idx="1">
+            <a:schemeClr val="accent1"/>
+          </a:fillRef>
+          <a:effectRef idx="0">
+            <a:schemeClr val="accent1"/>
+          </a:effectRef>
+          <a:fontRef idx="minor">
+            <a:schemeClr val="lt1"/>
+          </a:fontRef>
+        </p:style>
+        <p:txBody>
+          <a:bodyPr rtlCol="0" anchor="ctr"/>
+          <a:lstStyle/>
+          <a:p>
+            <a:pPr algn="ctr"/>
+            <a:r>
+              <a:rPr lang="de-DE" sz="2400" dirty="0">
+                <a:solidFill>
+                  <a:srgbClr val="009CA2"/>
+                </a:solidFill>
+              </a:rPr>
+              <a:t>PAMS</a:t>
+            </a:r>
+          </a:p>
+        </p:txBody>
+      </p:sp>
+      <p:sp>
+        <p:nvSpPr>
+          <p:cNvPr id="11" name="Textfeld 10"/>
+          <p:cNvSpPr txBox="1"/>
+          <p:nvPr/>
+        </p:nvSpPr>
+        <p:spPr>
+          <a:xfrm>
+            <a:off x="4980065" y="3873709"/>
+            <a:ext cx="1601321" cy="369332"/>
+          </a:xfrm>
+          <a:prstGeom prst="rect">
+            <a:avLst/>
+          </a:prstGeom>
+          <a:noFill/>
+        </p:spPr>
+        <p:txBody>
+          <a:bodyPr wrap="square" rtlCol="0">
+            <a:spAutoFit/>
+          </a:bodyPr>
+          <a:lstStyle/>
+          <a:p>
+            <a:r>
+              <a:rPr lang="de-DE" dirty="0"/>
+              <a:t>Erweitern </a:t>
+            </a:r>
+            <a:r>
+              <a:rPr lang="de-DE" dirty="0">
+                <a:sym typeface="Wingdings" panose="05000000000000000000" pitchFamily="2" charset="2"/>
+              </a:rPr>
+              <a:t></a:t>
+            </a:r>
+            <a:endParaRPr lang="de-DE" dirty="0"/>
+          </a:p>
+        </p:txBody>
+      </p:sp>
+    </p:spTree>
+    <p:extLst>
+      <p:ext uri="{BB962C8B-B14F-4D97-AF65-F5344CB8AC3E}">
+        <p14:creationId xmlns:p14="http://schemas.microsoft.com/office/powerpoint/2010/main" val="2922696379"/>
+      </p:ext>
+    </p:extLst>
+  </p:cSld>
+  <p:clrMapOvr>
+    <a:masterClrMapping/>
+  </p:clrMapOvr>
+</p:sld>
+</file>
+
+<file path=ppt/slides/slide14.xml><?xml version="1.0" encoding="utf-8"?>
 <p:sld xmlns:a="http://schemas.openxmlformats.org/drawingml/2006/main" xmlns:r="http://schemas.openxmlformats.org/officeDocument/2006/relationships" xmlns:p="http://schemas.openxmlformats.org/presentationml/2006/main">
   <p:cSld>
     <p:spTree>
@@ -31341,17 +33215,10 @@
   <p:clrMapOvr>
     <a:masterClrMapping/>
   </p:clrMapOvr>
-  <p:timing>
-    <p:tnLst>
-      <p:par>
-        <p:cTn id="1" dur="indefinite" restart="never" nodeType="tmRoot"/>
-      </p:par>
-    </p:tnLst>
-  </p:timing>
 </p:sld>
 </file>
 
-<file path=ppt/slides/slide12.xml><?xml version="1.0" encoding="utf-8"?>
+<file path=ppt/slides/slide15.xml><?xml version="1.0" encoding="utf-8"?>
 <p:sld xmlns:a="http://schemas.openxmlformats.org/drawingml/2006/main" xmlns:r="http://schemas.openxmlformats.org/officeDocument/2006/relationships" xmlns:p="http://schemas.openxmlformats.org/presentationml/2006/main">
   <p:cSld>
     <p:spTree>
@@ -31385,22 +33252,10 @@
           <a:p>
             <a:r>
               <a:rPr lang="de-DE" dirty="0"/>
-              <a:t>N</a:t>
-            </a:r>
-            <a:r>
-              <a:rPr lang="de-DE" dirty="0" smtClean="0"/>
-              <a:t>och </a:t>
-            </a:r>
-            <a:r>
-              <a:rPr lang="de-DE" dirty="0"/>
-              <a:t>nicht überzeugt</a:t>
-            </a:r>
-            <a:r>
-              <a:rPr lang="de-DE" dirty="0" smtClean="0"/>
-              <a:t>?</a:t>
+              <a:t>Noch nicht überzeugt?</a:t>
             </a:r>
             <a:br>
-              <a:rPr lang="de-DE" dirty="0" smtClean="0"/>
+              <a:rPr lang="de-DE" dirty="0"/>
             </a:br>
             <a:endParaRPr lang="de-DE" dirty="0"/>
           </a:p>
@@ -31416,191 +33271,10 @@
   <p:clrMapOvr>
     <a:masterClrMapping/>
   </p:clrMapOvr>
-  <p:timing>
-    <p:tnLst>
-      <p:par>
-        <p:cTn id="1" dur="indefinite" restart="never" nodeType="tmRoot"/>
-      </p:par>
-    </p:tnLst>
-  </p:timing>
 </p:sld>
 </file>
 
-<file path=ppt/slides/slide13.xml><?xml version="1.0" encoding="utf-8"?>
-<p:sld xmlns:a="http://schemas.openxmlformats.org/drawingml/2006/main" xmlns:r="http://schemas.openxmlformats.org/officeDocument/2006/relationships" xmlns:p="http://schemas.openxmlformats.org/presentationml/2006/main">
-  <p:cSld>
-    <p:spTree>
-      <p:nvGrpSpPr>
-        <p:cNvPr id="1" name=""/>
-        <p:cNvGrpSpPr/>
-        <p:nvPr/>
-      </p:nvGrpSpPr>
-      <p:grpSpPr>
-        <a:xfrm>
-          <a:off x="0" y="0"/>
-          <a:ext cx="0" cy="0"/>
-          <a:chOff x="0" y="0"/>
-          <a:chExt cx="0" cy="0"/>
-        </a:xfrm>
-      </p:grpSpPr>
-      <p:pic>
-        <p:nvPicPr>
-          <p:cNvPr id="2050" name="Picture 2" descr="http://contromed.com/wp-content/uploads/2015/11/Service-3.jpg"/>
-          <p:cNvPicPr>
-            <a:picLocks noChangeAspect="1" noChangeArrowheads="1"/>
-          </p:cNvPicPr>
-          <p:nvPr/>
-        </p:nvPicPr>
-        <p:blipFill>
-          <a:blip r:embed="rId2">
-            <a:extLst>
-              <a:ext uri="{28A0092B-C50C-407E-A947-70E740481C1C}">
-                <a14:useLocalDpi xmlns:a14="http://schemas.microsoft.com/office/drawing/2010/main" val="0"/>
-              </a:ext>
-            </a:extLst>
-          </a:blip>
-          <a:srcRect/>
-          <a:stretch>
-            <a:fillRect/>
-          </a:stretch>
-        </p:blipFill>
-        <p:spPr bwMode="auto">
-          <a:xfrm>
-            <a:off x="0" y="0"/>
-            <a:ext cx="12181774" cy="6858000"/>
-          </a:xfrm>
-          <a:prstGeom prst="rect">
-            <a:avLst/>
-          </a:prstGeom>
-          <a:noFill/>
-          <a:extLst>
-            <a:ext uri="{909E8E84-426E-40DD-AFC4-6F175D3DCCD1}">
-              <a14:hiddenFill xmlns:a14="http://schemas.microsoft.com/office/drawing/2010/main">
-                <a:solidFill>
-                  <a:srgbClr val="FFFFFF"/>
-                </a:solidFill>
-              </a14:hiddenFill>
-            </a:ext>
-          </a:extLst>
-        </p:spPr>
-      </p:pic>
-      <p:sp>
-        <p:nvSpPr>
-          <p:cNvPr id="5" name="Rechteck 4"/>
-          <p:cNvSpPr/>
-          <p:nvPr/>
-        </p:nvSpPr>
-        <p:spPr>
-          <a:xfrm>
-            <a:off x="800099" y="-4764"/>
-            <a:ext cx="3333749" cy="2395037"/>
-          </a:xfrm>
-          <a:prstGeom prst="rect">
-            <a:avLst/>
-          </a:prstGeom>
-        </p:spPr>
-        <p:style>
-          <a:lnRef idx="2">
-            <a:schemeClr val="dk1">
-              <a:shade val="50000"/>
-            </a:schemeClr>
-          </a:lnRef>
-          <a:fillRef idx="1">
-            <a:schemeClr val="dk1"/>
-          </a:fillRef>
-          <a:effectRef idx="0">
-            <a:schemeClr val="dk1"/>
-          </a:effectRef>
-          <a:fontRef idx="minor">
-            <a:schemeClr val="lt1"/>
-          </a:fontRef>
-        </p:style>
-        <p:txBody>
-          <a:bodyPr rtlCol="0" anchor="ctr"/>
-          <a:lstStyle/>
-          <a:p>
-            <a:pPr algn="ctr"/>
-            <a:endParaRPr lang="en-US" sz="3600" dirty="0">
-              <a:solidFill>
-                <a:schemeClr val="bg1"/>
-              </a:solidFill>
-            </a:endParaRPr>
-          </a:p>
-          <a:p>
-            <a:pPr algn="ctr"/>
-            <a:r>
-              <a:rPr lang="en-US" sz="3600" dirty="0">
-                <a:solidFill>
-                  <a:schemeClr val="bg1"/>
-                </a:solidFill>
-              </a:rPr>
-              <a:t>Service</a:t>
-            </a:r>
-            <a:endParaRPr lang="de-DE" dirty="0"/>
-          </a:p>
-        </p:txBody>
-      </p:sp>
-      <p:sp>
-        <p:nvSpPr>
-          <p:cNvPr id="6" name="Gleichschenkliges Dreieck 5"/>
-          <p:cNvSpPr/>
-          <p:nvPr/>
-        </p:nvSpPr>
-        <p:spPr>
-          <a:xfrm rot="10800000">
-            <a:off x="800097" y="2390272"/>
-            <a:ext cx="3333750" cy="673770"/>
-          </a:xfrm>
-          <a:prstGeom prst="triangle">
-            <a:avLst/>
-          </a:prstGeom>
-        </p:spPr>
-        <p:style>
-          <a:lnRef idx="2">
-            <a:schemeClr val="dk1">
-              <a:shade val="50000"/>
-            </a:schemeClr>
-          </a:lnRef>
-          <a:fillRef idx="1">
-            <a:schemeClr val="dk1"/>
-          </a:fillRef>
-          <a:effectRef idx="0">
-            <a:schemeClr val="dk1"/>
-          </a:effectRef>
-          <a:fontRef idx="minor">
-            <a:schemeClr val="lt1"/>
-          </a:fontRef>
-        </p:style>
-        <p:txBody>
-          <a:bodyPr rtlCol="0" anchor="ctr"/>
-          <a:lstStyle/>
-          <a:p>
-            <a:pPr algn="ctr"/>
-            <a:endParaRPr lang="de-DE"/>
-          </a:p>
-        </p:txBody>
-      </p:sp>
-    </p:spTree>
-    <p:extLst>
-      <p:ext uri="{BB962C8B-B14F-4D97-AF65-F5344CB8AC3E}">
-        <p14:creationId xmlns:p14="http://schemas.microsoft.com/office/powerpoint/2010/main" val="2628804621"/>
-      </p:ext>
-    </p:extLst>
-  </p:cSld>
-  <p:clrMapOvr>
-    <a:masterClrMapping/>
-  </p:clrMapOvr>
-  <p:timing>
-    <p:tnLst>
-      <p:par>
-        <p:cTn id="1" dur="indefinite" restart="never" nodeType="tmRoot"/>
-      </p:par>
-    </p:tnLst>
-  </p:timing>
-</p:sld>
-</file>
-
-<file path=ppt/slides/slide14.xml><?xml version="1.0" encoding="utf-8"?>
+<file path=ppt/slides/slide16.xml><?xml version="1.0" encoding="utf-8"?>
 <p:sld xmlns:a="http://schemas.openxmlformats.org/drawingml/2006/main" xmlns:r="http://schemas.openxmlformats.org/officeDocument/2006/relationships" xmlns:p="http://schemas.openxmlformats.org/presentationml/2006/main">
   <p:cSld>
     <p:spTree>
@@ -31679,17 +33353,10 @@
   <p:clrMapOvr>
     <a:masterClrMapping/>
   </p:clrMapOvr>
-  <p:timing>
-    <p:tnLst>
-      <p:par>
-        <p:cTn id="1" dur="indefinite" restart="never" nodeType="tmRoot"/>
-      </p:par>
-    </p:tnLst>
-  </p:timing>
 </p:sld>
 </file>
 
-<file path=ppt/slides/slide15.xml><?xml version="1.0" encoding="utf-8"?>
+<file path=ppt/slides/slide17.xml><?xml version="1.0" encoding="utf-8"?>
 <p:sld xmlns:a="http://schemas.openxmlformats.org/drawingml/2006/main" xmlns:r="http://schemas.openxmlformats.org/officeDocument/2006/relationships" xmlns:p="http://schemas.openxmlformats.org/presentationml/2006/main">
   <p:cSld>
     <p:spTree>
@@ -31767,17 +33434,10 @@
   <p:clrMapOvr>
     <a:masterClrMapping/>
   </p:clrMapOvr>
-  <p:timing>
-    <p:tnLst>
-      <p:par>
-        <p:cTn id="1" dur="indefinite" restart="never" nodeType="tmRoot"/>
-      </p:par>
-    </p:tnLst>
-  </p:timing>
 </p:sld>
 </file>
 
-<file path=ppt/slides/slide16.xml><?xml version="1.0" encoding="utf-8"?>
+<file path=ppt/slides/slide18.xml><?xml version="1.0" encoding="utf-8"?>
 <p:sld xmlns:a="http://schemas.openxmlformats.org/drawingml/2006/main" xmlns:r="http://schemas.openxmlformats.org/officeDocument/2006/relationships" xmlns:p="http://schemas.openxmlformats.org/presentationml/2006/main">
   <p:cSld>
     <p:spTree>
@@ -31810,11 +33470,11 @@
           <a:lstStyle/>
           <a:p>
             <a:r>
-              <a:rPr lang="de-DE" dirty="0" smtClean="0"/>
+              <a:rPr lang="de-DE" dirty="0"/>
               <a:t>Brechen Sie mit uns in die </a:t>
             </a:r>
             <a:r>
-              <a:rPr lang="de-DE" dirty="0" smtClean="0">
+              <a:rPr lang="de-DE" dirty="0">
                 <a:solidFill>
                   <a:srgbClr val="009CA2"/>
                 </a:solidFill>
@@ -31822,10 +33482,9 @@
               <a:t>Zukunft</a:t>
             </a:r>
             <a:r>
-              <a:rPr lang="de-DE" dirty="0" smtClean="0"/>
+              <a:rPr lang="de-DE" dirty="0"/>
               <a:t> auf!</a:t>
             </a:r>
-            <a:endParaRPr lang="de-DE" dirty="0"/>
           </a:p>
         </p:txBody>
       </p:sp>
@@ -31861,13 +33520,6 @@
   <p:clrMapOvr>
     <a:masterClrMapping/>
   </p:clrMapOvr>
-  <p:timing>
-    <p:tnLst>
-      <p:par>
-        <p:cTn id="1" dur="indefinite" restart="never" nodeType="tmRoot"/>
-      </p:par>
-    </p:tnLst>
-  </p:timing>
 </p:sld>
 </file>
 
@@ -31904,11 +33556,11 @@
           <a:lstStyle/>
           <a:p>
             <a:r>
-              <a:rPr lang="de-DE" dirty="0" smtClean="0"/>
+              <a:rPr lang="de-DE" dirty="0"/>
               <a:t>Willkommen in einem neuen </a:t>
             </a:r>
             <a:r>
-              <a:rPr lang="de-DE" dirty="0" smtClean="0">
+              <a:rPr lang="de-DE" dirty="0">
                 <a:solidFill>
                   <a:srgbClr val="009CA2"/>
                 </a:solidFill>
@@ -31916,10 +33568,9 @@
               <a:t>Zeitalter</a:t>
             </a:r>
             <a:r>
-              <a:rPr lang="de-DE" dirty="0" smtClean="0"/>
+              <a:rPr lang="de-DE" dirty="0"/>
               <a:t> der Projektantragserfassung.</a:t>
             </a:r>
-            <a:endParaRPr lang="de-DE" dirty="0"/>
           </a:p>
         </p:txBody>
       </p:sp>
@@ -31933,13 +33584,6 @@
   <p:clrMapOvr>
     <a:masterClrMapping/>
   </p:clrMapOvr>
-  <p:timing>
-    <p:tnLst>
-      <p:par>
-        <p:cTn id="1" dur="indefinite" restart="never" nodeType="tmRoot"/>
-      </p:par>
-    </p:tnLst>
-  </p:timing>
 </p:sld>
 </file>
 
@@ -31969,7 +33613,7 @@
           <p:nvPr/>
         </p:nvPicPr>
         <p:blipFill>
-          <a:blip r:embed="rId2">
+          <a:blip r:embed="rId3">
             <a:extLst>
               <a:ext uri="{28A0092B-C50C-407E-A947-70E740481C1C}">
                 <a14:useLocalDpi xmlns:a14="http://schemas.microsoft.com/office/drawing/2010/main" val="0"/>
@@ -32024,10 +33668,9 @@
           <a:lstStyle/>
           <a:p>
             <a:r>
-              <a:rPr lang="de-DE" sz="5400" b="1" dirty="0" smtClean="0"/>
+              <a:rPr lang="de-DE" sz="5400" b="1" dirty="0"/>
               <a:t>Orientierungslos</a:t>
             </a:r>
-            <a:endParaRPr lang="de-DE" sz="5400" b="1" dirty="0"/>
           </a:p>
         </p:txBody>
       </p:sp>
@@ -32040,7 +33683,7 @@
           <p:nvPr/>
         </p:nvPicPr>
         <p:blipFill>
-          <a:blip r:embed="rId3" cstate="print">
+          <a:blip r:embed="rId4" cstate="print">
             <a:extLst>
               <a:ext uri="{28A0092B-C50C-407E-A947-70E740481C1C}">
                 <a14:useLocalDpi xmlns:a14="http://schemas.microsoft.com/office/drawing/2010/main" val="0"/>
@@ -32070,7 +33713,7 @@
           <p:nvPr/>
         </p:nvPicPr>
         <p:blipFill>
-          <a:blip r:embed="rId3" cstate="print">
+          <a:blip r:embed="rId4" cstate="print">
             <a:extLst>
               <a:ext uri="{28A0092B-C50C-407E-A947-70E740481C1C}">
                 <a14:useLocalDpi xmlns:a14="http://schemas.microsoft.com/office/drawing/2010/main" val="0"/>
@@ -32100,7 +33743,7 @@
           <p:nvPr/>
         </p:nvPicPr>
         <p:blipFill>
-          <a:blip r:embed="rId4" cstate="print">
+          <a:blip r:embed="rId5" cstate="print">
             <a:extLst>
               <a:ext uri="{28A0092B-C50C-407E-A947-70E740481C1C}">
                 <a14:useLocalDpi xmlns:a14="http://schemas.microsoft.com/office/drawing/2010/main" val="0"/>
@@ -32144,10 +33787,9 @@
           <a:lstStyle/>
           <a:p>
             <a:r>
-              <a:rPr lang="de-DE" sz="2000" dirty="0" smtClean="0"/>
+              <a:rPr lang="de-DE" sz="2000" dirty="0"/>
               <a:t>Auswertungen</a:t>
             </a:r>
-            <a:endParaRPr lang="de-DE" sz="2000" dirty="0"/>
           </a:p>
         </p:txBody>
       </p:sp>
@@ -32174,10 +33816,9 @@
           <a:lstStyle/>
           <a:p>
             <a:r>
-              <a:rPr lang="de-DE" sz="2000" dirty="0" smtClean="0"/>
+              <a:rPr lang="de-DE" sz="2000" dirty="0"/>
               <a:t>Übersicht</a:t>
             </a:r>
-            <a:endParaRPr lang="de-DE" sz="2000" dirty="0"/>
           </a:p>
         </p:txBody>
       </p:sp>
@@ -32204,10 +33845,9 @@
           <a:lstStyle/>
           <a:p>
             <a:r>
-              <a:rPr lang="de-DE" sz="2000" dirty="0" smtClean="0"/>
+              <a:rPr lang="de-DE" sz="2000" dirty="0"/>
               <a:t>Ganzheitliche Erfassung</a:t>
             </a:r>
-            <a:endParaRPr lang="de-DE" sz="2000" dirty="0"/>
           </a:p>
         </p:txBody>
       </p:sp>
@@ -32255,6 +33895,222 @@
                                           </p:stCondLst>
                                         </p:cTn>
                                         <p:tgtEl>
+                                          <p:spTgt spid="13"/>
+                                        </p:tgtEl>
+                                        <p:attrNameLst>
+                                          <p:attrName>style.visibility</p:attrName>
+                                        </p:attrNameLst>
+                                      </p:cBhvr>
+                                      <p:to>
+                                        <p:strVal val="visible"/>
+                                      </p:to>
+                                    </p:set>
+                                  </p:childTnLst>
+                                </p:cTn>
+                              </p:par>
+                              <p:par>
+                                <p:cTn id="7" presetID="1" presetClass="entr" presetSubtype="0" fill="hold" nodeType="withEffect">
+                                  <p:stCondLst>
+                                    <p:cond delay="0"/>
+                                  </p:stCondLst>
+                                  <p:childTnLst>
+                                    <p:set>
+                                      <p:cBhvr>
+                                        <p:cTn id="8" dur="1" fill="hold">
+                                          <p:stCondLst>
+                                            <p:cond delay="0"/>
+                                          </p:stCondLst>
+                                        </p:cTn>
+                                        <p:tgtEl>
+                                          <p:spTgt spid="10"/>
+                                        </p:tgtEl>
+                                        <p:attrNameLst>
+                                          <p:attrName>style.visibility</p:attrName>
+                                        </p:attrNameLst>
+                                      </p:cBhvr>
+                                      <p:to>
+                                        <p:strVal val="visible"/>
+                                      </p:to>
+                                    </p:set>
+                                  </p:childTnLst>
+                                </p:cTn>
+                              </p:par>
+                            </p:childTnLst>
+                          </p:cTn>
+                        </p:par>
+                      </p:childTnLst>
+                    </p:cTn>
+                  </p:par>
+                  <p:par>
+                    <p:cTn id="9" fill="hold">
+                      <p:stCondLst>
+                        <p:cond delay="indefinite"/>
+                      </p:stCondLst>
+                      <p:childTnLst>
+                        <p:par>
+                          <p:cTn id="10" fill="hold">
+                            <p:stCondLst>
+                              <p:cond delay="0"/>
+                            </p:stCondLst>
+                            <p:childTnLst>
+                              <p:par>
+                                <p:cTn id="11" presetID="1" presetClass="entr" presetSubtype="0" fill="hold" grpId="0" nodeType="clickEffect">
+                                  <p:stCondLst>
+                                    <p:cond delay="0"/>
+                                  </p:stCondLst>
+                                  <p:childTnLst>
+                                    <p:set>
+                                      <p:cBhvr>
+                                        <p:cTn id="12" dur="1" fill="hold">
+                                          <p:stCondLst>
+                                            <p:cond delay="0"/>
+                                          </p:stCondLst>
+                                        </p:cTn>
+                                        <p:tgtEl>
+                                          <p:spTgt spid="12"/>
+                                        </p:tgtEl>
+                                        <p:attrNameLst>
+                                          <p:attrName>style.visibility</p:attrName>
+                                        </p:attrNameLst>
+                                      </p:cBhvr>
+                                      <p:to>
+                                        <p:strVal val="visible"/>
+                                      </p:to>
+                                    </p:set>
+                                  </p:childTnLst>
+                                </p:cTn>
+                              </p:par>
+                              <p:par>
+                                <p:cTn id="13" presetID="1" presetClass="entr" presetSubtype="0" fill="hold" nodeType="withEffect">
+                                  <p:stCondLst>
+                                    <p:cond delay="0"/>
+                                  </p:stCondLst>
+                                  <p:childTnLst>
+                                    <p:set>
+                                      <p:cBhvr>
+                                        <p:cTn id="14" dur="1" fill="hold">
+                                          <p:stCondLst>
+                                            <p:cond delay="0"/>
+                                          </p:stCondLst>
+                                        </p:cTn>
+                                        <p:tgtEl>
+                                          <p:spTgt spid="9"/>
+                                        </p:tgtEl>
+                                        <p:attrNameLst>
+                                          <p:attrName>style.visibility</p:attrName>
+                                        </p:attrNameLst>
+                                      </p:cBhvr>
+                                      <p:to>
+                                        <p:strVal val="visible"/>
+                                      </p:to>
+                                    </p:set>
+                                  </p:childTnLst>
+                                </p:cTn>
+                              </p:par>
+                            </p:childTnLst>
+                          </p:cTn>
+                        </p:par>
+                      </p:childTnLst>
+                    </p:cTn>
+                  </p:par>
+                  <p:par>
+                    <p:cTn id="15" fill="hold">
+                      <p:stCondLst>
+                        <p:cond delay="indefinite"/>
+                      </p:stCondLst>
+                      <p:childTnLst>
+                        <p:par>
+                          <p:cTn id="16" fill="hold">
+                            <p:stCondLst>
+                              <p:cond delay="0"/>
+                            </p:stCondLst>
+                            <p:childTnLst>
+                              <p:par>
+                                <p:cTn id="17" presetID="1" presetClass="entr" presetSubtype="0" fill="hold" nodeType="clickEffect">
+                                  <p:stCondLst>
+                                    <p:cond delay="0"/>
+                                  </p:stCondLst>
+                                  <p:childTnLst>
+                                    <p:set>
+                                      <p:cBhvr>
+                                        <p:cTn id="18" dur="1" fill="hold">
+                                          <p:stCondLst>
+                                            <p:cond delay="0"/>
+                                          </p:stCondLst>
+                                        </p:cTn>
+                                        <p:tgtEl>
+                                          <p:spTgt spid="3"/>
+                                        </p:tgtEl>
+                                        <p:attrNameLst>
+                                          <p:attrName>style.visibility</p:attrName>
+                                        </p:attrNameLst>
+                                      </p:cBhvr>
+                                      <p:to>
+                                        <p:strVal val="visible"/>
+                                      </p:to>
+                                    </p:set>
+                                  </p:childTnLst>
+                                </p:cTn>
+                              </p:par>
+                              <p:par>
+                                <p:cTn id="19" presetID="1" presetClass="entr" presetSubtype="0" fill="hold" grpId="0" nodeType="withEffect">
+                                  <p:stCondLst>
+                                    <p:cond delay="0"/>
+                                  </p:stCondLst>
+                                  <p:childTnLst>
+                                    <p:set>
+                                      <p:cBhvr>
+                                        <p:cTn id="20" dur="1" fill="hold">
+                                          <p:stCondLst>
+                                            <p:cond delay="0"/>
+                                          </p:stCondLst>
+                                        </p:cTn>
+                                        <p:tgtEl>
+                                          <p:spTgt spid="8"/>
+                                        </p:tgtEl>
+                                        <p:attrNameLst>
+                                          <p:attrName>style.visibility</p:attrName>
+                                        </p:attrNameLst>
+                                      </p:cBhvr>
+                                      <p:to>
+                                        <p:strVal val="visible"/>
+                                      </p:to>
+                                    </p:set>
+                                  </p:childTnLst>
+                                </p:cTn>
+                              </p:par>
+                            </p:childTnLst>
+                          </p:cTn>
+                        </p:par>
+                      </p:childTnLst>
+                    </p:cTn>
+                  </p:par>
+                  <p:par>
+                    <p:cTn id="21" fill="hold">
+                      <p:stCondLst>
+                        <p:cond delay="indefinite"/>
+                      </p:stCondLst>
+                      <p:childTnLst>
+                        <p:par>
+                          <p:cTn id="22" fill="hold">
+                            <p:stCondLst>
+                              <p:cond delay="0"/>
+                            </p:stCondLst>
+                            <p:childTnLst>
+                              <p:par>
+                                <p:cTn id="23" presetID="1" presetClass="entr" presetSubtype="0" fill="hold" grpId="0" nodeType="clickEffect">
+                                  <p:stCondLst>
+                                    <p:cond delay="0"/>
+                                  </p:stCondLst>
+                                  <p:childTnLst>
+                                    <p:set>
+                                      <p:cBhvr>
+                                        <p:cTn id="24" dur="1" fill="hold">
+                                          <p:stCondLst>
+                                            <p:cond delay="0"/>
+                                          </p:stCondLst>
+                                        </p:cTn>
+                                        <p:tgtEl>
                                           <p:spTgt spid="5"/>
                                         </p:tgtEl>
                                         <p:attrNameLst>
@@ -32297,6 +34153,9 @@
     </p:tnLst>
     <p:bldLst>
       <p:bldP spid="5" grpId="0"/>
+      <p:bldP spid="8" grpId="0"/>
+      <p:bldP spid="12" grpId="0"/>
+      <p:bldP spid="13" grpId="0"/>
     </p:bldLst>
   </p:timing>
 </p:sld>
@@ -32335,11 +34194,11 @@
           <a:lstStyle/>
           <a:p>
             <a:r>
-              <a:rPr lang="de-DE" dirty="0" smtClean="0"/>
+              <a:rPr lang="de-DE" dirty="0"/>
               <a:t>Wir helfen Ihnen, sich zu </a:t>
             </a:r>
             <a:r>
-              <a:rPr lang="de-DE" dirty="0" smtClean="0">
+              <a:rPr lang="de-DE" dirty="0">
                 <a:solidFill>
                   <a:srgbClr val="009CA2"/>
                 </a:solidFill>
@@ -32347,10 +34206,9 @@
               <a:t>orientieren</a:t>
             </a:r>
             <a:r>
-              <a:rPr lang="de-DE" dirty="0" smtClean="0"/>
+              <a:rPr lang="de-DE" dirty="0"/>
               <a:t>.</a:t>
             </a:r>
-            <a:endParaRPr lang="de-DE" dirty="0"/>
           </a:p>
         </p:txBody>
       </p:sp>
@@ -32364,13 +34222,6 @@
   <p:clrMapOvr>
     <a:masterClrMapping/>
   </p:clrMapOvr>
-  <p:timing>
-    <p:tnLst>
-      <p:par>
-        <p:cTn id="1" dur="indefinite" restart="never" nodeType="tmRoot"/>
-      </p:par>
-    </p:tnLst>
-  </p:timing>
 </p:sld>
 </file>
 
@@ -32400,7 +34251,7 @@
           <p:nvPr/>
         </p:nvPicPr>
         <p:blipFill>
-          <a:blip r:embed="rId2">
+          <a:blip r:embed="rId3">
             <a:extLst>
               <a:ext uri="{28A0092B-C50C-407E-A947-70E740481C1C}">
                 <a14:useLocalDpi xmlns:a14="http://schemas.microsoft.com/office/drawing/2010/main" val="0"/>
@@ -32492,7 +34343,7 @@
           <p:nvPr/>
         </p:nvPicPr>
         <p:blipFill>
-          <a:blip r:embed="rId3" cstate="print">
+          <a:blip r:embed="rId4" cstate="print">
             <a:extLst>
               <a:ext uri="{28A0092B-C50C-407E-A947-70E740481C1C}">
                 <a14:useLocalDpi xmlns:a14="http://schemas.microsoft.com/office/drawing/2010/main" val="0"/>
@@ -32522,7 +34373,7 @@
           <p:nvPr/>
         </p:nvPicPr>
         <p:blipFill>
-          <a:blip r:embed="rId3" cstate="print">
+          <a:blip r:embed="rId4" cstate="print">
             <a:extLst>
               <a:ext uri="{28A0092B-C50C-407E-A947-70E740481C1C}">
                 <a14:useLocalDpi xmlns:a14="http://schemas.microsoft.com/office/drawing/2010/main" val="0"/>
@@ -32552,7 +34403,7 @@
           <p:nvPr/>
         </p:nvPicPr>
         <p:blipFill>
-          <a:blip r:embed="rId4" cstate="print">
+          <a:blip r:embed="rId5" cstate="print">
             <a:extLst>
               <a:ext uri="{28A0092B-C50C-407E-A947-70E740481C1C}">
                 <a14:useLocalDpi xmlns:a14="http://schemas.microsoft.com/office/drawing/2010/main" val="0"/>
@@ -32596,10 +34447,9 @@
           <a:lstStyle/>
           <a:p>
             <a:r>
-              <a:rPr lang="de-DE" sz="2000" dirty="0" smtClean="0"/>
+              <a:rPr lang="de-DE" sz="2000" dirty="0"/>
               <a:t>Auswertungen</a:t>
             </a:r>
-            <a:endParaRPr lang="de-DE" sz="2000" dirty="0"/>
           </a:p>
         </p:txBody>
       </p:sp>
@@ -32626,10 +34476,9 @@
           <a:lstStyle/>
           <a:p>
             <a:r>
-              <a:rPr lang="de-DE" sz="2000" dirty="0" smtClean="0"/>
+              <a:rPr lang="de-DE" sz="2000" dirty="0"/>
               <a:t>Übersicht</a:t>
             </a:r>
-            <a:endParaRPr lang="de-DE" sz="2000" dirty="0"/>
           </a:p>
         </p:txBody>
       </p:sp>
@@ -32656,10 +34505,9 @@
           <a:lstStyle/>
           <a:p>
             <a:r>
-              <a:rPr lang="de-DE" sz="2000" dirty="0" smtClean="0"/>
+              <a:rPr lang="de-DE" sz="2000" dirty="0"/>
               <a:t>Ganzheitliche Erfassung</a:t>
             </a:r>
-            <a:endParaRPr lang="de-DE" sz="2000" dirty="0"/>
           </a:p>
         </p:txBody>
       </p:sp>
@@ -32673,13 +34521,6 @@
   <p:clrMapOvr>
     <a:masterClrMapping/>
   </p:clrMapOvr>
-  <p:timing>
-    <p:tnLst>
-      <p:par>
-        <p:cTn id="1" dur="indefinite" restart="never" nodeType="tmRoot"/>
-      </p:par>
-    </p:tnLst>
-  </p:timing>
 </p:sld>
 </file>
 
@@ -32709,7 +34550,7 @@
           <p:nvPr/>
         </p:nvPicPr>
         <p:blipFill>
-          <a:blip r:embed="rId2">
+          <a:blip r:embed="rId3">
             <a:extLst>
               <a:ext uri="{28A0092B-C50C-407E-A947-70E740481C1C}">
                 <a14:useLocalDpi xmlns:a14="http://schemas.microsoft.com/office/drawing/2010/main" val="0"/>
@@ -32812,7 +34653,7 @@
         </p:xfrm>
         <a:graphic>
           <a:graphicData uri="http://schemas.openxmlformats.org/drawingml/2006/diagram">
-            <dgm:relIds xmlns:dgm="http://schemas.openxmlformats.org/drawingml/2006/diagram" xmlns:r="http://schemas.openxmlformats.org/officeDocument/2006/relationships" r:dm="rId3" r:lo="rId4" r:qs="rId5" r:cs="rId6"/>
+            <dgm:relIds xmlns:dgm="http://schemas.openxmlformats.org/drawingml/2006/diagram" xmlns:r="http://schemas.openxmlformats.org/officeDocument/2006/relationships" r:dm="rId4" r:lo="rId5" r:qs="rId6" r:cs="rId7"/>
           </a:graphicData>
         </a:graphic>
       </p:graphicFrame>
@@ -32834,7 +34675,7 @@
         </p:xfrm>
         <a:graphic>
           <a:graphicData uri="http://schemas.openxmlformats.org/drawingml/2006/diagram">
-            <dgm:relIds xmlns:dgm="http://schemas.openxmlformats.org/drawingml/2006/diagram" xmlns:r="http://schemas.openxmlformats.org/officeDocument/2006/relationships" r:dm="rId8" r:lo="rId9" r:qs="rId10" r:cs="rId11"/>
+            <dgm:relIds xmlns:dgm="http://schemas.openxmlformats.org/drawingml/2006/diagram" xmlns:r="http://schemas.openxmlformats.org/officeDocument/2006/relationships" r:dm="rId9" r:lo="rId10" r:qs="rId11" r:cs="rId12"/>
           </a:graphicData>
         </a:graphic>
       </p:graphicFrame>
@@ -32856,7 +34697,7 @@
         </p:xfrm>
         <a:graphic>
           <a:graphicData uri="http://schemas.openxmlformats.org/drawingml/2006/diagram">
-            <dgm:relIds xmlns:dgm="http://schemas.openxmlformats.org/drawingml/2006/diagram" xmlns:r="http://schemas.openxmlformats.org/officeDocument/2006/relationships" r:dm="rId13" r:lo="rId14" r:qs="rId15" r:cs="rId16"/>
+            <dgm:relIds xmlns:dgm="http://schemas.openxmlformats.org/drawingml/2006/diagram" xmlns:r="http://schemas.openxmlformats.org/officeDocument/2006/relationships" r:dm="rId14" r:lo="rId15" r:qs="rId16" r:cs="rId17"/>
           </a:graphicData>
         </a:graphic>
       </p:graphicFrame>
@@ -32878,7 +34719,7 @@
         </p:xfrm>
         <a:graphic>
           <a:graphicData uri="http://schemas.openxmlformats.org/drawingml/2006/diagram">
-            <dgm:relIds xmlns:dgm="http://schemas.openxmlformats.org/drawingml/2006/diagram" xmlns:r="http://schemas.openxmlformats.org/officeDocument/2006/relationships" r:dm="rId18" r:lo="rId19" r:qs="rId20" r:cs="rId21"/>
+            <dgm:relIds xmlns:dgm="http://schemas.openxmlformats.org/drawingml/2006/diagram" xmlns:r="http://schemas.openxmlformats.org/officeDocument/2006/relationships" r:dm="rId19" r:lo="rId20" r:qs="rId21" r:cs="rId22"/>
           </a:graphicData>
         </a:graphic>
       </p:graphicFrame>
@@ -32900,7 +34741,7 @@
         </p:xfrm>
         <a:graphic>
           <a:graphicData uri="http://schemas.openxmlformats.org/drawingml/2006/diagram">
-            <dgm:relIds xmlns:dgm="http://schemas.openxmlformats.org/drawingml/2006/diagram" xmlns:r="http://schemas.openxmlformats.org/officeDocument/2006/relationships" r:dm="rId23" r:lo="rId24" r:qs="rId25" r:cs="rId26"/>
+            <dgm:relIds xmlns:dgm="http://schemas.openxmlformats.org/drawingml/2006/diagram" xmlns:r="http://schemas.openxmlformats.org/officeDocument/2006/relationships" r:dm="rId24" r:lo="rId25" r:qs="rId26" r:cs="rId27"/>
           </a:graphicData>
         </a:graphic>
       </p:graphicFrame>
@@ -32922,10 +34763,104 @@
         </p:xfrm>
         <a:graphic>
           <a:graphicData uri="http://schemas.openxmlformats.org/drawingml/2006/diagram">
-            <dgm:relIds xmlns:dgm="http://schemas.openxmlformats.org/drawingml/2006/diagram" xmlns:r="http://schemas.openxmlformats.org/officeDocument/2006/relationships" r:dm="rId28" r:lo="rId29" r:qs="rId30" r:cs="rId31"/>
+            <dgm:relIds xmlns:dgm="http://schemas.openxmlformats.org/drawingml/2006/diagram" xmlns:r="http://schemas.openxmlformats.org/officeDocument/2006/relationships" r:dm="rId29" r:lo="rId30" r:qs="rId31" r:cs="rId32"/>
           </a:graphicData>
         </a:graphic>
       </p:graphicFrame>
+      <p:pic>
+        <p:nvPicPr>
+          <p:cNvPr id="15" name="Picture 4" descr="https://image.freepik.com/freie-ikonen/computer-bildschirm_318-32677.png"/>
+          <p:cNvPicPr>
+            <a:picLocks noChangeAspect="1" noChangeArrowheads="1"/>
+          </p:cNvPicPr>
+          <p:nvPr/>
+        </p:nvPicPr>
+        <p:blipFill>
+          <a:blip r:embed="rId3">
+            <a:extLst>
+              <a:ext uri="{28A0092B-C50C-407E-A947-70E740481C1C}">
+                <a14:useLocalDpi xmlns:a14="http://schemas.microsoft.com/office/drawing/2010/main" val="0"/>
+              </a:ext>
+            </a:extLst>
+          </a:blip>
+          <a:srcRect/>
+          <a:stretch>
+            <a:fillRect/>
+          </a:stretch>
+        </p:blipFill>
+        <p:spPr bwMode="auto">
+          <a:xfrm>
+            <a:off x="1263306" y="1444987"/>
+            <a:ext cx="4716870" cy="4716870"/>
+          </a:xfrm>
+          <a:prstGeom prst="rect">
+            <a:avLst/>
+          </a:prstGeom>
+          <a:noFill/>
+          <a:extLst>
+            <a:ext uri="{909E8E84-426E-40DD-AFC4-6F175D3DCCD1}">
+              <a14:hiddenFill xmlns:a14="http://schemas.microsoft.com/office/drawing/2010/main">
+                <a:solidFill>
+                  <a:srgbClr val="FFFFFF"/>
+                </a:solidFill>
+              </a14:hiddenFill>
+            </a:ext>
+          </a:extLst>
+        </p:spPr>
+      </p:pic>
+      <p:sp>
+        <p:nvSpPr>
+          <p:cNvPr id="16" name="Rechteck 15"/>
+          <p:cNvSpPr/>
+          <p:nvPr/>
+        </p:nvSpPr>
+        <p:spPr>
+          <a:xfrm>
+            <a:off x="581426" y="679268"/>
+            <a:ext cx="6080631" cy="5748425"/>
+          </a:xfrm>
+          <a:prstGeom prst="rect">
+            <a:avLst/>
+          </a:prstGeom>
+          <a:noFill/>
+          <a:ln w="38100">
+            <a:solidFill>
+              <a:schemeClr val="bg1"/>
+            </a:solidFill>
+          </a:ln>
+        </p:spPr>
+        <p:style>
+          <a:lnRef idx="2">
+            <a:schemeClr val="accent1">
+              <a:shade val="50000"/>
+            </a:schemeClr>
+          </a:lnRef>
+          <a:fillRef idx="1">
+            <a:schemeClr val="accent1"/>
+          </a:fillRef>
+          <a:effectRef idx="0">
+            <a:schemeClr val="accent1"/>
+          </a:effectRef>
+          <a:fontRef idx="minor">
+            <a:schemeClr val="lt1"/>
+          </a:fontRef>
+        </p:style>
+        <p:txBody>
+          <a:bodyPr rtlCol="0" anchor="ctr"/>
+          <a:lstStyle/>
+          <a:p>
+            <a:pPr algn="ctr"/>
+            <a:r>
+              <a:rPr lang="de-DE" sz="8000" dirty="0">
+                <a:solidFill>
+                  <a:srgbClr val="009CA2"/>
+                </a:solidFill>
+              </a:rPr>
+              <a:t>PAMS</a:t>
+            </a:r>
+          </a:p>
+        </p:txBody>
+      </p:sp>
     </p:spTree>
     <p:extLst>
       <p:ext uri="{BB962C8B-B14F-4D97-AF65-F5344CB8AC3E}">
@@ -32936,13 +34871,6 @@
   <p:clrMapOvr>
     <a:masterClrMapping/>
   </p:clrMapOvr>
-  <p:timing>
-    <p:tnLst>
-      <p:par>
-        <p:cTn id="1" dur="indefinite" restart="never" nodeType="tmRoot"/>
-      </p:par>
-    </p:tnLst>
-  </p:timing>
 </p:sld>
 </file>
 
@@ -33039,21 +34967,6 @@
   <p:clrMapOvr>
     <a:masterClrMapping/>
   </p:clrMapOvr>
-  <mc:AlternateContent xmlns:mc="http://schemas.openxmlformats.org/markup-compatibility/2006" xmlns:p14="http://schemas.microsoft.com/office/powerpoint/2010/main">
-    <mc:Choice Requires="p14">
-      <p:transition spd="slow" p14:dur="2000"/>
-    </mc:Choice>
-    <mc:Fallback xmlns="">
-      <p:transition spd="slow"/>
-    </mc:Fallback>
-  </mc:AlternateContent>
-  <p:timing>
-    <p:tnLst>
-      <p:par>
-        <p:cTn id="1" dur="indefinite" restart="never" nodeType="tmRoot"/>
-      </p:par>
-    </p:tnLst>
-  </p:timing>
 </p:sld>
 </file>
 
@@ -33083,7 +34996,7 @@
           <p:nvPr/>
         </p:nvPicPr>
         <p:blipFill>
-          <a:blip r:embed="rId2">
+          <a:blip r:embed="rId3">
             <a:extLst>
               <a:ext uri="{28A0092B-C50C-407E-A947-70E740481C1C}">
                 <a14:useLocalDpi xmlns:a14="http://schemas.microsoft.com/office/drawing/2010/main" val="0"/>
@@ -33159,17 +35072,8 @@
             <a:pPr algn="ctr"/>
             <a:r>
               <a:rPr lang="de-DE" sz="2800" dirty="0"/>
-              <a:t>Welchen Mehrwert </a:t>
+              <a:t>Welchen Mehrwert bieten wir Ihnen?</a:t>
             </a:r>
-            <a:r>
-              <a:rPr lang="de-DE" sz="2800" dirty="0" smtClean="0"/>
-              <a:t>bieten</a:t>
-            </a:r>
-            <a:r>
-              <a:rPr lang="de-DE" sz="2800" dirty="0" smtClean="0"/>
-              <a:t> wir Ihnen?</a:t>
-            </a:r>
-            <a:endParaRPr lang="de-DE" sz="2800" dirty="0"/>
           </a:p>
         </p:txBody>
       </p:sp>
@@ -33183,13 +35087,6 @@
   <p:clrMapOvr>
     <a:masterClrMapping/>
   </p:clrMapOvr>
-  <p:timing>
-    <p:tnLst>
-      <p:par>
-        <p:cTn id="1" dur="indefinite" restart="never" nodeType="tmRoot"/>
-      </p:par>
-    </p:tnLst>
-  </p:timing>
 </p:sld>
 </file>
 
@@ -33226,18 +35123,13 @@
           <a:lstStyle/>
           <a:p>
             <a:r>
-              <a:rPr lang="de-DE" dirty="0" smtClean="0">
+              <a:rPr lang="de-DE" dirty="0">
                 <a:solidFill>
                   <a:srgbClr val="009CA2"/>
                 </a:solidFill>
               </a:rPr>
-              <a:t>Unsere Leistung für Sie</a:t>
+              <a:t>Mehrwerte</a:t>
             </a:r>
-            <a:endParaRPr lang="de-DE" dirty="0">
-              <a:solidFill>
-                <a:srgbClr val="009CA2"/>
-              </a:solidFill>
-            </a:endParaRPr>
           </a:p>
         </p:txBody>
       </p:sp>
@@ -33251,7 +35143,7 @@
             <p:ph idx="1"/>
             <p:extLst>
               <p:ext uri="{D42A27DB-BD31-4B8C-83A1-F6EECF244321}">
-                <p14:modId xmlns:p14="http://schemas.microsoft.com/office/powerpoint/2010/main" val="2366530519"/>
+                <p14:modId xmlns:p14="http://schemas.microsoft.com/office/powerpoint/2010/main" val="770848671"/>
               </p:ext>
             </p:extLst>
           </p:nvPr>
@@ -33262,7 +35154,7 @@
         </p:xfrm>
         <a:graphic>
           <a:graphicData uri="http://schemas.openxmlformats.org/drawingml/2006/diagram">
-            <dgm:relIds xmlns:dgm="http://schemas.openxmlformats.org/drawingml/2006/diagram" xmlns:r="http://schemas.openxmlformats.org/officeDocument/2006/relationships" r:dm="rId2" r:lo="rId3" r:qs="rId4" r:cs="rId5"/>
+            <dgm:relIds xmlns:dgm="http://schemas.openxmlformats.org/drawingml/2006/diagram" xmlns:r="http://schemas.openxmlformats.org/officeDocument/2006/relationships" r:dm="rId3" r:lo="rId4" r:qs="rId5" r:cs="rId6"/>
           </a:graphicData>
         </a:graphic>
       </p:graphicFrame>
@@ -33276,13 +35168,6 @@
   <p:clrMapOvr>
     <a:masterClrMapping/>
   </p:clrMapOvr>
-  <p:timing>
-    <p:tnLst>
-      <p:par>
-        <p:cTn id="1" dur="indefinite" restart="never" nodeType="tmRoot"/>
-      </p:par>
-    </p:tnLst>
-  </p:timing>
 </p:sld>
 </file>
 

--- a/documents/projectmanagement/Praesentationen/Abschlusspräsentation_Karsten.pptx
+++ b/documents/projectmanagement/Praesentationen/Abschlusspräsentation_Karsten.pptx
@@ -5,7 +5,7 @@
     <p:sldMasterId id="2147483648" r:id="rId1"/>
   </p:sldMasterIdLst>
   <p:notesMasterIdLst>
-    <p:notesMasterId r:id="rId20"/>
+    <p:notesMasterId r:id="rId21"/>
   </p:notesMasterIdLst>
   <p:sldIdLst>
     <p:sldId id="256" r:id="rId2"/>
@@ -13,19 +13,20 @@
     <p:sldId id="298" r:id="rId4"/>
     <p:sldId id="300" r:id="rId5"/>
     <p:sldId id="301" r:id="rId6"/>
-    <p:sldId id="302" r:id="rId7"/>
-    <p:sldId id="293" r:id="rId8"/>
-    <p:sldId id="287" r:id="rId9"/>
-    <p:sldId id="304" r:id="rId10"/>
-    <p:sldId id="294" r:id="rId11"/>
-    <p:sldId id="305" r:id="rId12"/>
-    <p:sldId id="307" r:id="rId13"/>
-    <p:sldId id="306" r:id="rId14"/>
-    <p:sldId id="295" r:id="rId15"/>
-    <p:sldId id="290" r:id="rId16"/>
-    <p:sldId id="291" r:id="rId17"/>
-    <p:sldId id="296" r:id="rId18"/>
-    <p:sldId id="292" r:id="rId19"/>
+    <p:sldId id="309" r:id="rId7"/>
+    <p:sldId id="302" r:id="rId8"/>
+    <p:sldId id="293" r:id="rId9"/>
+    <p:sldId id="287" r:id="rId10"/>
+    <p:sldId id="304" r:id="rId11"/>
+    <p:sldId id="294" r:id="rId12"/>
+    <p:sldId id="305" r:id="rId13"/>
+    <p:sldId id="307" r:id="rId14"/>
+    <p:sldId id="306" r:id="rId15"/>
+    <p:sldId id="295" r:id="rId16"/>
+    <p:sldId id="290" r:id="rId17"/>
+    <p:sldId id="291" r:id="rId18"/>
+    <p:sldId id="296" r:id="rId19"/>
+    <p:sldId id="292" r:id="rId20"/>
   </p:sldIdLst>
   <p:sldSz cx="12192000" cy="6858000"/>
   <p:notesSz cx="6858000" cy="9144000"/>
@@ -10605,15 +10606,15 @@
     </dgm:pt>
   </dgm:ptLst>
   <dgm:cxnLst>
+    <dgm:cxn modelId="{8ADFA2DA-7CD5-4F65-A827-EDE1BE8E94D1}" type="presOf" srcId="{716DE4C0-36ED-48BF-9177-CE1A225AB5EB}" destId="{BCD23E71-2207-412F-B605-BBE849ADC69B}" srcOrd="0" destOrd="0" presId="urn:microsoft.com/office/officeart/2005/8/layout/funnel1"/>
+    <dgm:cxn modelId="{A24D968A-5056-48B6-9C1B-8C23C10728A8}" type="presOf" srcId="{09EDEBC0-C86F-45B3-B036-D774B9D73600}" destId="{637E9EA4-BE55-4A56-999F-C6DD8073753E}" srcOrd="0" destOrd="0" presId="urn:microsoft.com/office/officeart/2005/8/layout/funnel1"/>
+    <dgm:cxn modelId="{9A464E91-7D06-4163-90B5-AB48DE868EDC}" type="presOf" srcId="{42BAD6EC-9A39-4496-BFB0-BC95750D1363}" destId="{48627F83-5CD4-4A3E-A578-EF51E842456F}" srcOrd="0" destOrd="0" presId="urn:microsoft.com/office/officeart/2005/8/layout/funnel1"/>
+    <dgm:cxn modelId="{16D7C8B9-C3F3-4303-A664-6763AAF3200B}" type="presOf" srcId="{9701A48A-21AF-4583-A4C9-CE7AE8EFB7F8}" destId="{FB48EB3C-A6B0-4713-B23F-AA21270918BA}" srcOrd="0" destOrd="0" presId="urn:microsoft.com/office/officeart/2005/8/layout/funnel1"/>
+    <dgm:cxn modelId="{A41DAC79-7DCF-4E96-9709-D90ACC874DD1}" srcId="{716DE4C0-36ED-48BF-9177-CE1A225AB5EB}" destId="{145EDB80-7DA2-4750-BA22-979B6E7D8D80}" srcOrd="3" destOrd="0" parTransId="{6A3090B2-6F60-4F30-AB90-770F7E527715}" sibTransId="{F31F062A-B3C1-4B62-B21A-779B77736BE8}"/>
     <dgm:cxn modelId="{66E0546B-82F6-4C31-98B2-463BF8385191}" srcId="{716DE4C0-36ED-48BF-9177-CE1A225AB5EB}" destId="{09EDEBC0-C86F-45B3-B036-D774B9D73600}" srcOrd="1" destOrd="0" parTransId="{694C9327-7606-4272-9E3A-37703691F615}" sibTransId="{A1817934-91F2-4AC6-8D53-82C7251A9115}"/>
-    <dgm:cxn modelId="{D67B52B7-1F44-4780-9320-C384DF5824A6}" type="presOf" srcId="{145EDB80-7DA2-4750-BA22-979B6E7D8D80}" destId="{E78AFB32-4716-47F2-952A-51413CA0FDD0}" srcOrd="0" destOrd="0" presId="urn:microsoft.com/office/officeart/2005/8/layout/funnel1"/>
-    <dgm:cxn modelId="{16D7C8B9-C3F3-4303-A664-6763AAF3200B}" type="presOf" srcId="{9701A48A-21AF-4583-A4C9-CE7AE8EFB7F8}" destId="{FB48EB3C-A6B0-4713-B23F-AA21270918BA}" srcOrd="0" destOrd="0" presId="urn:microsoft.com/office/officeart/2005/8/layout/funnel1"/>
     <dgm:cxn modelId="{D1CE1428-F2D3-4960-B9D1-61908A1027EF}" srcId="{716DE4C0-36ED-48BF-9177-CE1A225AB5EB}" destId="{42BAD6EC-9A39-4496-BFB0-BC95750D1363}" srcOrd="0" destOrd="0" parTransId="{81F97FB2-4CA9-4727-B59D-866099AF7B6C}" sibTransId="{6AF545E4-7046-42B8-8F76-E1B5EED48CF0}"/>
     <dgm:cxn modelId="{413AFB3E-57D7-445B-AA0A-C21133D8C5A3}" srcId="{716DE4C0-36ED-48BF-9177-CE1A225AB5EB}" destId="{9701A48A-21AF-4583-A4C9-CE7AE8EFB7F8}" srcOrd="2" destOrd="0" parTransId="{969091E6-9F6B-40A7-9F6C-757C992E38CE}" sibTransId="{BAEDE4C1-DD0E-420E-A36E-47977BB67708}"/>
-    <dgm:cxn modelId="{A41DAC79-7DCF-4E96-9709-D90ACC874DD1}" srcId="{716DE4C0-36ED-48BF-9177-CE1A225AB5EB}" destId="{145EDB80-7DA2-4750-BA22-979B6E7D8D80}" srcOrd="3" destOrd="0" parTransId="{6A3090B2-6F60-4F30-AB90-770F7E527715}" sibTransId="{F31F062A-B3C1-4B62-B21A-779B77736BE8}"/>
-    <dgm:cxn modelId="{9A464E91-7D06-4163-90B5-AB48DE868EDC}" type="presOf" srcId="{42BAD6EC-9A39-4496-BFB0-BC95750D1363}" destId="{48627F83-5CD4-4A3E-A578-EF51E842456F}" srcOrd="0" destOrd="0" presId="urn:microsoft.com/office/officeart/2005/8/layout/funnel1"/>
-    <dgm:cxn modelId="{8ADFA2DA-7CD5-4F65-A827-EDE1BE8E94D1}" type="presOf" srcId="{716DE4C0-36ED-48BF-9177-CE1A225AB5EB}" destId="{BCD23E71-2207-412F-B605-BBE849ADC69B}" srcOrd="0" destOrd="0" presId="urn:microsoft.com/office/officeart/2005/8/layout/funnel1"/>
-    <dgm:cxn modelId="{A24D968A-5056-48B6-9C1B-8C23C10728A8}" type="presOf" srcId="{09EDEBC0-C86F-45B3-B036-D774B9D73600}" destId="{637E9EA4-BE55-4A56-999F-C6DD8073753E}" srcOrd="0" destOrd="0" presId="urn:microsoft.com/office/officeart/2005/8/layout/funnel1"/>
+    <dgm:cxn modelId="{D67B52B7-1F44-4780-9320-C384DF5824A6}" type="presOf" srcId="{145EDB80-7DA2-4750-BA22-979B6E7D8D80}" destId="{E78AFB32-4716-47F2-952A-51413CA0FDD0}" srcOrd="0" destOrd="0" presId="urn:microsoft.com/office/officeart/2005/8/layout/funnel1"/>
     <dgm:cxn modelId="{ADAEDB10-F098-4688-8E69-573E3BEA5372}" type="presParOf" srcId="{BCD23E71-2207-412F-B605-BBE849ADC69B}" destId="{40C13C18-9F6E-4C35-AF01-26055ECF05BC}" srcOrd="0" destOrd="0" presId="urn:microsoft.com/office/officeart/2005/8/layout/funnel1"/>
     <dgm:cxn modelId="{311A49F5-3A49-4B0F-BCDD-F9BF00BCD55F}" type="presParOf" srcId="{BCD23E71-2207-412F-B605-BBE849ADC69B}" destId="{79E6F908-FEEA-4FCD-ADEB-097953564440}" srcOrd="1" destOrd="0" presId="urn:microsoft.com/office/officeart/2005/8/layout/funnel1"/>
     <dgm:cxn modelId="{2694D426-E225-4CB5-A7B3-B72BE8C8088F}" type="presParOf" srcId="{BCD23E71-2207-412F-B605-BBE849ADC69B}" destId="{E78AFB32-4716-47F2-952A-51413CA0FDD0}" srcOrd="2" destOrd="0" presId="urn:microsoft.com/office/officeart/2005/8/layout/funnel1"/>
@@ -27635,6 +27636,14 @@
           <a:bodyPr/>
           <a:lstStyle/>
           <a:p>
+            <a:r>
+              <a:rPr lang="de-DE" dirty="0"/>
+              <a:t>Mitarbeiter Paul hat eine überragende</a:t>
+            </a:r>
+            <a:r>
+              <a:rPr lang="de-DE" baseline="0" dirty="0"/>
+              <a:t> Idee und hat vom neu eingeführten PAMS gehört. Also möchte er Seine Idee über den neuen Kanal einreichen.</a:t>
+            </a:r>
             <a:endParaRPr lang="de-DE" dirty="0"/>
           </a:p>
         </p:txBody>
@@ -27665,6 +27674,90 @@
     </p:spTree>
     <p:extLst>
       <p:ext uri="{BB962C8B-B14F-4D97-AF65-F5344CB8AC3E}">
+        <p14:creationId xmlns:p14="http://schemas.microsoft.com/office/powerpoint/2010/main" val="3225346425"/>
+      </p:ext>
+    </p:extLst>
+  </p:cSld>
+  <p:clrMapOvr>
+    <a:masterClrMapping/>
+  </p:clrMapOvr>
+</p:notes>
+</file>
+
+<file path=ppt/notesSlides/notesSlide11.xml><?xml version="1.0" encoding="utf-8"?>
+<p:notes xmlns:a="http://schemas.openxmlformats.org/drawingml/2006/main" xmlns:r="http://schemas.openxmlformats.org/officeDocument/2006/relationships" xmlns:p="http://schemas.openxmlformats.org/presentationml/2006/main">
+  <p:cSld>
+    <p:spTree>
+      <p:nvGrpSpPr>
+        <p:cNvPr id="1" name=""/>
+        <p:cNvGrpSpPr/>
+        <p:nvPr/>
+      </p:nvGrpSpPr>
+      <p:grpSpPr>
+        <a:xfrm>
+          <a:off x="0" y="0"/>
+          <a:ext cx="0" cy="0"/>
+          <a:chOff x="0" y="0"/>
+          <a:chExt cx="0" cy="0"/>
+        </a:xfrm>
+      </p:grpSpPr>
+      <p:sp>
+        <p:nvSpPr>
+          <p:cNvPr id="2" name="Folienbildplatzhalter 1"/>
+          <p:cNvSpPr>
+            <a:spLocks noGrp="1" noRot="1" noChangeAspect="1"/>
+          </p:cNvSpPr>
+          <p:nvPr>
+            <p:ph type="sldImg"/>
+          </p:nvPr>
+        </p:nvSpPr>
+        <p:spPr/>
+      </p:sp>
+      <p:sp>
+        <p:nvSpPr>
+          <p:cNvPr id="3" name="Notizenplatzhalter 2"/>
+          <p:cNvSpPr>
+            <a:spLocks noGrp="1"/>
+          </p:cNvSpPr>
+          <p:nvPr>
+            <p:ph type="body" idx="1"/>
+          </p:nvPr>
+        </p:nvSpPr>
+        <p:spPr/>
+        <p:txBody>
+          <a:bodyPr/>
+          <a:lstStyle/>
+          <a:p>
+            <a:endParaRPr lang="de-DE" dirty="0"/>
+          </a:p>
+        </p:txBody>
+      </p:sp>
+      <p:sp>
+        <p:nvSpPr>
+          <p:cNvPr id="4" name="Foliennummernplatzhalter 3"/>
+          <p:cNvSpPr>
+            <a:spLocks noGrp="1"/>
+          </p:cNvSpPr>
+          <p:nvPr>
+            <p:ph type="sldNum" sz="quarter" idx="10"/>
+          </p:nvPr>
+        </p:nvSpPr>
+        <p:spPr/>
+        <p:txBody>
+          <a:bodyPr/>
+          <a:lstStyle/>
+          <a:p>
+            <a:fld id="{9FC0BF00-B122-482A-9408-566B5D066A28}" type="slidenum">
+              <a:rPr lang="de-DE" smtClean="0"/>
+              <a:t>13</a:t>
+            </a:fld>
+            <a:endParaRPr lang="de-DE"/>
+          </a:p>
+        </p:txBody>
+      </p:sp>
+    </p:spTree>
+    <p:extLst>
+      <p:ext uri="{BB962C8B-B14F-4D97-AF65-F5344CB8AC3E}">
         <p14:creationId xmlns:p14="http://schemas.microsoft.com/office/powerpoint/2010/main" val="3709399439"/>
       </p:ext>
     </p:extLst>
@@ -27675,7 +27768,7 @@
 </p:notes>
 </file>
 
-<file path=ppt/notesSlides/notesSlide11.xml><?xml version="1.0" encoding="utf-8"?>
+<file path=ppt/notesSlides/notesSlide12.xml><?xml version="1.0" encoding="utf-8"?>
 <p:notes xmlns:a="http://schemas.openxmlformats.org/drawingml/2006/main" xmlns:r="http://schemas.openxmlformats.org/officeDocument/2006/relationships" xmlns:p="http://schemas.openxmlformats.org/presentationml/2006/main">
   <p:cSld>
     <p:spTree>
@@ -27756,7 +27849,7 @@
           <a:p>
             <a:fld id="{9FC0BF00-B122-482A-9408-566B5D066A28}" type="slidenum">
               <a:rPr lang="de-DE" smtClean="0"/>
-              <a:t>13</a:t>
+              <a:t>14</a:t>
             </a:fld>
             <a:endParaRPr lang="de-DE"/>
           </a:p>
@@ -28145,7 +28238,27 @@
             </a:r>
             <a:r>
               <a:rPr lang="de-DE" baseline="0" dirty="0"/>
-              <a:t> uns gemeinsam die Bausteine auf eine Linie bringen, um Ihr Projektantragsmanagement auf ein neues Level zu heben. Welche Funktionen können wir Ihnen anbieten um ihnen zukünftig entsprechenden Mehrwert zu bieten?</a:t>
+              <a:t> uns gemeinsam die Bausteine auf eine Linie bringen, um Ihr Projektantragsmanagement auf ein neues Level zu heben. </a:t>
+            </a:r>
+          </a:p>
+          <a:p>
+            <a:r>
+              <a:rPr lang="de-DE" baseline="0" dirty="0"/>
+              <a:t>Wir bieten Ihnen ein neues Erlebnis und noch nie </a:t>
+            </a:r>
+            <a:r>
+              <a:rPr lang="de-DE" baseline="0" dirty="0" err="1"/>
+              <a:t>dargewesene</a:t>
+            </a:r>
+            <a:r>
+              <a:rPr lang="de-DE" baseline="0" dirty="0"/>
+              <a:t> Funktionen die genau auf Ihr Projekt zugeschnitten sind.</a:t>
+            </a:r>
+          </a:p>
+          <a:p>
+            <a:r>
+              <a:rPr lang="de-DE" baseline="0" dirty="0"/>
+              <a:t>Welche Funktionen können wir Ihnen anbieten um ihnen zukünftig entsprechenden Mehrwert zu bieten?</a:t>
             </a:r>
             <a:endParaRPr lang="de-DE" dirty="0"/>
           </a:p>
@@ -28233,6 +28346,106 @@
           <a:p>
             <a:r>
               <a:rPr lang="de-DE" dirty="0"/>
+              <a:t>Wir bieten</a:t>
+            </a:r>
+            <a:r>
+              <a:rPr lang="de-DE" baseline="0" dirty="0"/>
+              <a:t> Ihnen 1 System mit vielen Funktionen. Lassen Sie uns exemplarisch einen Blick auf einige Grundlegenden </a:t>
+            </a:r>
+            <a:r>
+              <a:rPr lang="de-DE" baseline="0" dirty="0" err="1"/>
+              <a:t>KeyNotes</a:t>
+            </a:r>
+            <a:r>
+              <a:rPr lang="de-DE" baseline="0" dirty="0"/>
+              <a:t> werfen.</a:t>
+            </a:r>
+            <a:endParaRPr lang="de-DE" dirty="0"/>
+          </a:p>
+        </p:txBody>
+      </p:sp>
+      <p:sp>
+        <p:nvSpPr>
+          <p:cNvPr id="4" name="Foliennummernplatzhalter 3"/>
+          <p:cNvSpPr>
+            <a:spLocks noGrp="1"/>
+          </p:cNvSpPr>
+          <p:nvPr>
+            <p:ph type="sldNum" sz="quarter" idx="10"/>
+          </p:nvPr>
+        </p:nvSpPr>
+        <p:spPr/>
+        <p:txBody>
+          <a:bodyPr/>
+          <a:lstStyle/>
+          <a:p>
+            <a:fld id="{9FC0BF00-B122-482A-9408-566B5D066A28}" type="slidenum">
+              <a:rPr lang="de-DE" smtClean="0"/>
+              <a:t>6</a:t>
+            </a:fld>
+            <a:endParaRPr lang="de-DE"/>
+          </a:p>
+        </p:txBody>
+      </p:sp>
+    </p:spTree>
+    <p:extLst>
+      <p:ext uri="{BB962C8B-B14F-4D97-AF65-F5344CB8AC3E}">
+        <p14:creationId xmlns:p14="http://schemas.microsoft.com/office/powerpoint/2010/main" val="2912890156"/>
+      </p:ext>
+    </p:extLst>
+  </p:cSld>
+  <p:clrMapOvr>
+    <a:masterClrMapping/>
+  </p:clrMapOvr>
+</p:notes>
+</file>
+
+<file path=ppt/notesSlides/notesSlide7.xml><?xml version="1.0" encoding="utf-8"?>
+<p:notes xmlns:a="http://schemas.openxmlformats.org/drawingml/2006/main" xmlns:r="http://schemas.openxmlformats.org/officeDocument/2006/relationships" xmlns:p="http://schemas.openxmlformats.org/presentationml/2006/main">
+  <p:cSld>
+    <p:spTree>
+      <p:nvGrpSpPr>
+        <p:cNvPr id="1" name=""/>
+        <p:cNvGrpSpPr/>
+        <p:nvPr/>
+      </p:nvGrpSpPr>
+      <p:grpSpPr>
+        <a:xfrm>
+          <a:off x="0" y="0"/>
+          <a:ext cx="0" cy="0"/>
+          <a:chOff x="0" y="0"/>
+          <a:chExt cx="0" cy="0"/>
+        </a:xfrm>
+      </p:grpSpPr>
+      <p:sp>
+        <p:nvSpPr>
+          <p:cNvPr id="2" name="Folienbildplatzhalter 1"/>
+          <p:cNvSpPr>
+            <a:spLocks noGrp="1" noRot="1" noChangeAspect="1"/>
+          </p:cNvSpPr>
+          <p:nvPr>
+            <p:ph type="sldImg"/>
+          </p:nvPr>
+        </p:nvSpPr>
+        <p:spPr/>
+      </p:sp>
+      <p:sp>
+        <p:nvSpPr>
+          <p:cNvPr id="3" name="Notizenplatzhalter 2"/>
+          <p:cNvSpPr>
+            <a:spLocks noGrp="1"/>
+          </p:cNvSpPr>
+          <p:nvPr>
+            <p:ph type="body" idx="1"/>
+          </p:nvPr>
+        </p:nvSpPr>
+        <p:spPr/>
+        <p:txBody>
+          <a:bodyPr/>
+          <a:lstStyle/>
+          <a:p>
+            <a:r>
+              <a:rPr lang="de-DE" dirty="0"/>
               <a:t>Welche Funktionen besitzt</a:t>
             </a:r>
             <a:r>
@@ -28264,7 +28477,7 @@
           <a:p>
             <a:fld id="{9FC0BF00-B122-482A-9408-566B5D066A28}" type="slidenum">
               <a:rPr lang="de-DE" smtClean="0"/>
-              <a:t>6</a:t>
+              <a:t>7</a:t>
             </a:fld>
             <a:endParaRPr lang="de-DE"/>
           </a:p>
@@ -28283,7 +28496,7 @@
 </p:notes>
 </file>
 
-<file path=ppt/notesSlides/notesSlide7.xml><?xml version="1.0" encoding="utf-8"?>
+<file path=ppt/notesSlides/notesSlide8.xml><?xml version="1.0" encoding="utf-8"?>
 <p:notes xmlns:a="http://schemas.openxmlformats.org/drawingml/2006/main" xmlns:r="http://schemas.openxmlformats.org/officeDocument/2006/relationships" xmlns:p="http://schemas.openxmlformats.org/presentationml/2006/main">
   <p:cSld>
     <p:spTree>
@@ -28356,7 +28569,7 @@
           <a:p>
             <a:fld id="{9FC0BF00-B122-482A-9408-566B5D066A28}" type="slidenum">
               <a:rPr lang="de-DE" smtClean="0"/>
-              <a:t>8</a:t>
+              <a:t>9</a:t>
             </a:fld>
             <a:endParaRPr lang="de-DE"/>
           </a:p>
@@ -28375,7 +28588,7 @@
 </p:notes>
 </file>
 
-<file path=ppt/notesSlides/notesSlide8.xml><?xml version="1.0" encoding="utf-8"?>
+<file path=ppt/notesSlides/notesSlide9.xml><?xml version="1.0" encoding="utf-8"?>
 <p:notes xmlns:a="http://schemas.openxmlformats.org/drawingml/2006/main" xmlns:r="http://schemas.openxmlformats.org/officeDocument/2006/relationships" xmlns:p="http://schemas.openxmlformats.org/presentationml/2006/main">
   <p:cSld>
     <p:spTree>
@@ -28440,7 +28653,7 @@
           <a:p>
             <a:fld id="{9FC0BF00-B122-482A-9408-566B5D066A28}" type="slidenum">
               <a:rPr lang="de-DE" smtClean="0"/>
-              <a:t>9</a:t>
+              <a:t>10</a:t>
             </a:fld>
             <a:endParaRPr lang="de-DE"/>
           </a:p>
@@ -28450,98 +28663,6 @@
     <p:extLst>
       <p:ext uri="{BB962C8B-B14F-4D97-AF65-F5344CB8AC3E}">
         <p14:creationId xmlns:p14="http://schemas.microsoft.com/office/powerpoint/2010/main" val="411894574"/>
-      </p:ext>
-    </p:extLst>
-  </p:cSld>
-  <p:clrMapOvr>
-    <a:masterClrMapping/>
-  </p:clrMapOvr>
-</p:notes>
-</file>
-
-<file path=ppt/notesSlides/notesSlide9.xml><?xml version="1.0" encoding="utf-8"?>
-<p:notes xmlns:a="http://schemas.openxmlformats.org/drawingml/2006/main" xmlns:r="http://schemas.openxmlformats.org/officeDocument/2006/relationships" xmlns:p="http://schemas.openxmlformats.org/presentationml/2006/main">
-  <p:cSld>
-    <p:spTree>
-      <p:nvGrpSpPr>
-        <p:cNvPr id="1" name=""/>
-        <p:cNvGrpSpPr/>
-        <p:nvPr/>
-      </p:nvGrpSpPr>
-      <p:grpSpPr>
-        <a:xfrm>
-          <a:off x="0" y="0"/>
-          <a:ext cx="0" cy="0"/>
-          <a:chOff x="0" y="0"/>
-          <a:chExt cx="0" cy="0"/>
-        </a:xfrm>
-      </p:grpSpPr>
-      <p:sp>
-        <p:nvSpPr>
-          <p:cNvPr id="2" name="Folienbildplatzhalter 1"/>
-          <p:cNvSpPr>
-            <a:spLocks noGrp="1" noRot="1" noChangeAspect="1"/>
-          </p:cNvSpPr>
-          <p:nvPr>
-            <p:ph type="sldImg"/>
-          </p:nvPr>
-        </p:nvSpPr>
-        <p:spPr/>
-      </p:sp>
-      <p:sp>
-        <p:nvSpPr>
-          <p:cNvPr id="3" name="Notizenplatzhalter 2"/>
-          <p:cNvSpPr>
-            <a:spLocks noGrp="1"/>
-          </p:cNvSpPr>
-          <p:nvPr>
-            <p:ph type="body" idx="1"/>
-          </p:nvPr>
-        </p:nvSpPr>
-        <p:spPr/>
-        <p:txBody>
-          <a:bodyPr/>
-          <a:lstStyle/>
-          <a:p>
-            <a:r>
-              <a:rPr lang="de-DE" dirty="0"/>
-              <a:t>Mitarbeiter Paul hat eine überragende</a:t>
-            </a:r>
-            <a:r>
-              <a:rPr lang="de-DE" baseline="0" dirty="0"/>
-              <a:t> Idee und hat vom neu eingeführten PAMS gehört. Also möchte er Seine Idee über den neuen Kanal einreichen.</a:t>
-            </a:r>
-            <a:endParaRPr lang="de-DE" dirty="0"/>
-          </a:p>
-        </p:txBody>
-      </p:sp>
-      <p:sp>
-        <p:nvSpPr>
-          <p:cNvPr id="4" name="Foliennummernplatzhalter 3"/>
-          <p:cNvSpPr>
-            <a:spLocks noGrp="1"/>
-          </p:cNvSpPr>
-          <p:nvPr>
-            <p:ph type="sldNum" sz="quarter" idx="10"/>
-          </p:nvPr>
-        </p:nvSpPr>
-        <p:spPr/>
-        <p:txBody>
-          <a:bodyPr/>
-          <a:lstStyle/>
-          <a:p>
-            <a:fld id="{9FC0BF00-B122-482A-9408-566B5D066A28}" type="slidenum">
-              <a:rPr lang="de-DE" smtClean="0"/>
-              <a:t>11</a:t>
-            </a:fld>
-            <a:endParaRPr lang="de-DE"/>
-          </a:p>
-        </p:txBody>
-      </p:sp>
-    </p:spTree>
-    <p:extLst>
-      <p:ext uri="{BB962C8B-B14F-4D97-AF65-F5344CB8AC3E}">
-        <p14:creationId xmlns:p14="http://schemas.microsoft.com/office/powerpoint/2010/main" val="3225346425"/>
       </p:ext>
     </p:extLst>
   </p:cSld>
@@ -31921,6 +32042,87 @@
 </file>
 
 <file path=ppt/slides/slide10.xml><?xml version="1.0" encoding="utf-8"?>
+<p:sld xmlns:a="http://schemas.openxmlformats.org/drawingml/2006/main" xmlns:r="http://schemas.openxmlformats.org/officeDocument/2006/relationships" xmlns:p="http://schemas.openxmlformats.org/presentationml/2006/main">
+  <p:cSld>
+    <p:spTree>
+      <p:nvGrpSpPr>
+        <p:cNvPr id="1" name=""/>
+        <p:cNvGrpSpPr/>
+        <p:nvPr/>
+      </p:nvGrpSpPr>
+      <p:grpSpPr>
+        <a:xfrm>
+          <a:off x="0" y="0"/>
+          <a:ext cx="0" cy="0"/>
+          <a:chOff x="0" y="0"/>
+          <a:chExt cx="0" cy="0"/>
+        </a:xfrm>
+      </p:grpSpPr>
+      <p:sp>
+        <p:nvSpPr>
+          <p:cNvPr id="2" name="Titel 1"/>
+          <p:cNvSpPr>
+            <a:spLocks noGrp="1"/>
+          </p:cNvSpPr>
+          <p:nvPr>
+            <p:ph type="title"/>
+          </p:nvPr>
+        </p:nvSpPr>
+        <p:spPr/>
+        <p:txBody>
+          <a:bodyPr/>
+          <a:lstStyle/>
+          <a:p>
+            <a:r>
+              <a:rPr lang="de-DE" dirty="0">
+                <a:solidFill>
+                  <a:srgbClr val="009CA2"/>
+                </a:solidFill>
+              </a:rPr>
+              <a:t>Mehrwerte</a:t>
+            </a:r>
+          </a:p>
+        </p:txBody>
+      </p:sp>
+      <p:graphicFrame>
+        <p:nvGraphicFramePr>
+          <p:cNvPr id="6" name="Inhaltsplatzhalter 5"/>
+          <p:cNvGraphicFramePr>
+            <a:graphicFrameLocks noGrp="1"/>
+          </p:cNvGraphicFramePr>
+          <p:nvPr>
+            <p:ph idx="1"/>
+            <p:extLst>
+              <p:ext uri="{D42A27DB-BD31-4B8C-83A1-F6EECF244321}">
+                <p14:modId xmlns:p14="http://schemas.microsoft.com/office/powerpoint/2010/main" val="770848671"/>
+              </p:ext>
+            </p:extLst>
+          </p:nvPr>
+        </p:nvGraphicFramePr>
+        <p:xfrm>
+          <a:off x="838200" y="1825624"/>
+          <a:ext cx="10515600" cy="4727575"/>
+        </p:xfrm>
+        <a:graphic>
+          <a:graphicData uri="http://schemas.openxmlformats.org/drawingml/2006/diagram">
+            <dgm:relIds xmlns:dgm="http://schemas.openxmlformats.org/drawingml/2006/diagram" xmlns:r="http://schemas.openxmlformats.org/officeDocument/2006/relationships" r:dm="rId3" r:lo="rId4" r:qs="rId5" r:cs="rId6"/>
+          </a:graphicData>
+        </a:graphic>
+      </p:graphicFrame>
+    </p:spTree>
+    <p:extLst>
+      <p:ext uri="{BB962C8B-B14F-4D97-AF65-F5344CB8AC3E}">
+        <p14:creationId xmlns:p14="http://schemas.microsoft.com/office/powerpoint/2010/main" val="595471789"/>
+      </p:ext>
+    </p:extLst>
+  </p:cSld>
+  <p:clrMapOvr>
+    <a:masterClrMapping/>
+  </p:clrMapOvr>
+</p:sld>
+</file>
+
+<file path=ppt/slides/slide11.xml><?xml version="1.0" encoding="utf-8"?>
 <p:sld xmlns:a="http://schemas.openxmlformats.org/drawingml/2006/main" xmlns:r="http://schemas.openxmlformats.org/officeDocument/2006/relationships" xmlns:p="http://schemas.openxmlformats.org/presentationml/2006/main" show="0">
   <p:cSld>
     <p:spTree>
@@ -32033,7 +32235,7 @@
 </p:sld>
 </file>
 
-<file path=ppt/slides/slide11.xml><?xml version="1.0" encoding="utf-8"?>
+<file path=ppt/slides/slide12.xml><?xml version="1.0" encoding="utf-8"?>
 <p:sld xmlns:a="http://schemas.openxmlformats.org/drawingml/2006/main" xmlns:r="http://schemas.openxmlformats.org/officeDocument/2006/relationships" xmlns:p="http://schemas.openxmlformats.org/presentationml/2006/main">
   <p:cSld>
     <p:spTree>
@@ -32406,7 +32608,7 @@
 </p:sld>
 </file>
 
-<file path=ppt/slides/slide12.xml><?xml version="1.0" encoding="utf-8"?>
+<file path=ppt/slides/slide13.xml><?xml version="1.0" encoding="utf-8"?>
 <p:sld xmlns:a="http://schemas.openxmlformats.org/drawingml/2006/main" xmlns:r="http://schemas.openxmlformats.org/officeDocument/2006/relationships" xmlns:p="http://schemas.openxmlformats.org/presentationml/2006/main">
   <p:cSld>
     <p:spTree>
@@ -32780,7 +32982,7 @@
 </p:sld>
 </file>
 
-<file path=ppt/slides/slide13.xml><?xml version="1.0" encoding="utf-8"?>
+<file path=ppt/slides/slide14.xml><?xml version="1.0" encoding="utf-8"?>
 <p:sld xmlns:a="http://schemas.openxmlformats.org/drawingml/2006/main" xmlns:r="http://schemas.openxmlformats.org/officeDocument/2006/relationships" xmlns:p="http://schemas.openxmlformats.org/presentationml/2006/main">
   <p:cSld>
     <p:spTree>
@@ -33154,7 +33356,7 @@
 </p:sld>
 </file>
 
-<file path=ppt/slides/slide14.xml><?xml version="1.0" encoding="utf-8"?>
+<file path=ppt/slides/slide15.xml><?xml version="1.0" encoding="utf-8"?>
 <p:sld xmlns:a="http://schemas.openxmlformats.org/drawingml/2006/main" xmlns:r="http://schemas.openxmlformats.org/officeDocument/2006/relationships" xmlns:p="http://schemas.openxmlformats.org/presentationml/2006/main">
   <p:cSld>
     <p:spTree>
@@ -33218,7 +33420,7 @@
 </p:sld>
 </file>
 
-<file path=ppt/slides/slide15.xml><?xml version="1.0" encoding="utf-8"?>
+<file path=ppt/slides/slide16.xml><?xml version="1.0" encoding="utf-8"?>
 <p:sld xmlns:a="http://schemas.openxmlformats.org/drawingml/2006/main" xmlns:r="http://schemas.openxmlformats.org/officeDocument/2006/relationships" xmlns:p="http://schemas.openxmlformats.org/presentationml/2006/main">
   <p:cSld>
     <p:spTree>
@@ -33274,7 +33476,7 @@
 </p:sld>
 </file>
 
-<file path=ppt/slides/slide16.xml><?xml version="1.0" encoding="utf-8"?>
+<file path=ppt/slides/slide17.xml><?xml version="1.0" encoding="utf-8"?>
 <p:sld xmlns:a="http://schemas.openxmlformats.org/drawingml/2006/main" xmlns:r="http://schemas.openxmlformats.org/officeDocument/2006/relationships" xmlns:p="http://schemas.openxmlformats.org/presentationml/2006/main">
   <p:cSld>
     <p:spTree>
@@ -33356,7 +33558,7 @@
 </p:sld>
 </file>
 
-<file path=ppt/slides/slide17.xml><?xml version="1.0" encoding="utf-8"?>
+<file path=ppt/slides/slide18.xml><?xml version="1.0" encoding="utf-8"?>
 <p:sld xmlns:a="http://schemas.openxmlformats.org/drawingml/2006/main" xmlns:r="http://schemas.openxmlformats.org/officeDocument/2006/relationships" xmlns:p="http://schemas.openxmlformats.org/presentationml/2006/main">
   <p:cSld>
     <p:spTree>
@@ -33437,7 +33639,7 @@
 </p:sld>
 </file>
 
-<file path=ppt/slides/slide18.xml><?xml version="1.0" encoding="utf-8"?>
+<file path=ppt/slides/slide19.xml><?xml version="1.0" encoding="utf-8"?>
 <p:sld xmlns:a="http://schemas.openxmlformats.org/drawingml/2006/main" xmlns:r="http://schemas.openxmlformats.org/officeDocument/2006/relationships" xmlns:p="http://schemas.openxmlformats.org/presentationml/2006/main">
   <p:cSld>
     <p:spTree>
@@ -34541,6 +34743,66 @@
           <a:chExt cx="0" cy="0"/>
         </a:xfrm>
       </p:grpSpPr>
+      <p:sp>
+        <p:nvSpPr>
+          <p:cNvPr id="4" name="Titel 3"/>
+          <p:cNvSpPr>
+            <a:spLocks noGrp="1"/>
+          </p:cNvSpPr>
+          <p:nvPr>
+            <p:ph type="title"/>
+          </p:nvPr>
+        </p:nvSpPr>
+        <p:spPr/>
+        <p:txBody>
+          <a:bodyPr/>
+          <a:lstStyle/>
+          <a:p>
+            <a:r>
+              <a:rPr lang="de-DE" dirty="0">
+                <a:solidFill>
+                  <a:srgbClr val="009CA2"/>
+                </a:solidFill>
+              </a:rPr>
+              <a:t>1 System </a:t>
+            </a:r>
+            <a:r>
+              <a:rPr lang="de-DE" dirty="0"/>
+              <a:t>– viele Funktionen.</a:t>
+            </a:r>
+          </a:p>
+        </p:txBody>
+      </p:sp>
+    </p:spTree>
+    <p:extLst>
+      <p:ext uri="{BB962C8B-B14F-4D97-AF65-F5344CB8AC3E}">
+        <p14:creationId xmlns:p14="http://schemas.microsoft.com/office/powerpoint/2010/main" val="3023562284"/>
+      </p:ext>
+    </p:extLst>
+  </p:cSld>
+  <p:clrMapOvr>
+    <a:masterClrMapping/>
+  </p:clrMapOvr>
+</p:sld>
+</file>
+
+<file path=ppt/slides/slide7.xml><?xml version="1.0" encoding="utf-8"?>
+<p:sld xmlns:a="http://schemas.openxmlformats.org/drawingml/2006/main" xmlns:r="http://schemas.openxmlformats.org/officeDocument/2006/relationships" xmlns:p="http://schemas.openxmlformats.org/presentationml/2006/main">
+  <p:cSld>
+    <p:spTree>
+      <p:nvGrpSpPr>
+        <p:cNvPr id="1" name=""/>
+        <p:cNvGrpSpPr/>
+        <p:nvPr/>
+      </p:nvGrpSpPr>
+      <p:grpSpPr>
+        <a:xfrm>
+          <a:off x="0" y="0"/>
+          <a:ext cx="0" cy="0"/>
+          <a:chOff x="0" y="0"/>
+          <a:chExt cx="0" cy="0"/>
+        </a:xfrm>
+      </p:grpSpPr>
       <p:pic>
         <p:nvPicPr>
           <p:cNvPr id="3076" name="Picture 4" descr="https://image.freepik.com/freie-ikonen/computer-bildschirm_318-32677.png"/>
@@ -34874,7 +35136,7 @@
 </p:sld>
 </file>
 
-<file path=ppt/slides/slide7.xml><?xml version="1.0" encoding="utf-8"?>
+<file path=ppt/slides/slide8.xml><?xml version="1.0" encoding="utf-8"?>
 <p:sld xmlns:a="http://schemas.openxmlformats.org/drawingml/2006/main" xmlns:r="http://schemas.openxmlformats.org/officeDocument/2006/relationships" xmlns:p="http://schemas.openxmlformats.org/presentationml/2006/main" show="0">
   <p:cSld>
     <p:spTree>
@@ -34970,7 +35232,7 @@
 </p:sld>
 </file>
 
-<file path=ppt/slides/slide8.xml><?xml version="1.0" encoding="utf-8"?>
+<file path=ppt/slides/slide9.xml><?xml version="1.0" encoding="utf-8"?>
 <p:sld xmlns:a="http://schemas.openxmlformats.org/drawingml/2006/main" xmlns:r="http://schemas.openxmlformats.org/officeDocument/2006/relationships" xmlns:p="http://schemas.openxmlformats.org/presentationml/2006/main">
   <p:cSld>
     <p:spTree>
@@ -35081,87 +35343,6 @@
     <p:extLst>
       <p:ext uri="{BB962C8B-B14F-4D97-AF65-F5344CB8AC3E}">
         <p14:creationId xmlns:p14="http://schemas.microsoft.com/office/powerpoint/2010/main" val="2798509019"/>
-      </p:ext>
-    </p:extLst>
-  </p:cSld>
-  <p:clrMapOvr>
-    <a:masterClrMapping/>
-  </p:clrMapOvr>
-</p:sld>
-</file>
-
-<file path=ppt/slides/slide9.xml><?xml version="1.0" encoding="utf-8"?>
-<p:sld xmlns:a="http://schemas.openxmlformats.org/drawingml/2006/main" xmlns:r="http://schemas.openxmlformats.org/officeDocument/2006/relationships" xmlns:p="http://schemas.openxmlformats.org/presentationml/2006/main">
-  <p:cSld>
-    <p:spTree>
-      <p:nvGrpSpPr>
-        <p:cNvPr id="1" name=""/>
-        <p:cNvGrpSpPr/>
-        <p:nvPr/>
-      </p:nvGrpSpPr>
-      <p:grpSpPr>
-        <a:xfrm>
-          <a:off x="0" y="0"/>
-          <a:ext cx="0" cy="0"/>
-          <a:chOff x="0" y="0"/>
-          <a:chExt cx="0" cy="0"/>
-        </a:xfrm>
-      </p:grpSpPr>
-      <p:sp>
-        <p:nvSpPr>
-          <p:cNvPr id="2" name="Titel 1"/>
-          <p:cNvSpPr>
-            <a:spLocks noGrp="1"/>
-          </p:cNvSpPr>
-          <p:nvPr>
-            <p:ph type="title"/>
-          </p:nvPr>
-        </p:nvSpPr>
-        <p:spPr/>
-        <p:txBody>
-          <a:bodyPr/>
-          <a:lstStyle/>
-          <a:p>
-            <a:r>
-              <a:rPr lang="de-DE" dirty="0">
-                <a:solidFill>
-                  <a:srgbClr val="009CA2"/>
-                </a:solidFill>
-              </a:rPr>
-              <a:t>Mehrwerte</a:t>
-            </a:r>
-          </a:p>
-        </p:txBody>
-      </p:sp>
-      <p:graphicFrame>
-        <p:nvGraphicFramePr>
-          <p:cNvPr id="6" name="Inhaltsplatzhalter 5"/>
-          <p:cNvGraphicFramePr>
-            <a:graphicFrameLocks noGrp="1"/>
-          </p:cNvGraphicFramePr>
-          <p:nvPr>
-            <p:ph idx="1"/>
-            <p:extLst>
-              <p:ext uri="{D42A27DB-BD31-4B8C-83A1-F6EECF244321}">
-                <p14:modId xmlns:p14="http://schemas.microsoft.com/office/powerpoint/2010/main" val="770848671"/>
-              </p:ext>
-            </p:extLst>
-          </p:nvPr>
-        </p:nvGraphicFramePr>
-        <p:xfrm>
-          <a:off x="838200" y="1825624"/>
-          <a:ext cx="10515600" cy="4727575"/>
-        </p:xfrm>
-        <a:graphic>
-          <a:graphicData uri="http://schemas.openxmlformats.org/drawingml/2006/diagram">
-            <dgm:relIds xmlns:dgm="http://schemas.openxmlformats.org/drawingml/2006/diagram" xmlns:r="http://schemas.openxmlformats.org/officeDocument/2006/relationships" r:dm="rId3" r:lo="rId4" r:qs="rId5" r:cs="rId6"/>
-          </a:graphicData>
-        </a:graphic>
-      </p:graphicFrame>
-    </p:spTree>
-    <p:extLst>
-      <p:ext uri="{BB962C8B-B14F-4D97-AF65-F5344CB8AC3E}">
-        <p14:creationId xmlns:p14="http://schemas.microsoft.com/office/powerpoint/2010/main" val="595471789"/>
       </p:ext>
     </p:extLst>
   </p:cSld>

--- a/documents/projectmanagement/Praesentationen/Abschlusspräsentation_Karsten.pptx
+++ b/documents/projectmanagement/Praesentationen/Abschlusspräsentation_Karsten.pptx
@@ -8423,6 +8423,13 @@
         </dgm:presLayoutVars>
       </dgm:prSet>
       <dgm:spPr/>
+      <dgm:t>
+        <a:bodyPr/>
+        <a:lstStyle/>
+        <a:p>
+          <a:endParaRPr lang="de-DE"/>
+        </a:p>
+      </dgm:t>
     </dgm:pt>
     <dgm:pt modelId="{E69F6897-FA44-4D33-95A1-02C61B3B37CC}" type="pres">
       <dgm:prSet presAssocID="{41296BC6-2EBB-497E-96C8-769DF938FF6B}" presName="composite" presStyleCnt="0"/>
@@ -8453,6 +8460,13 @@
         </dgm:presLayoutVars>
       </dgm:prSet>
       <dgm:spPr/>
+      <dgm:t>
+        <a:bodyPr/>
+        <a:lstStyle/>
+        <a:p>
+          <a:endParaRPr lang="de-DE"/>
+        </a:p>
+      </dgm:t>
     </dgm:pt>
   </dgm:ptLst>
   <dgm:cxnLst>
@@ -8715,6 +8729,13 @@
     <dgm:pt modelId="{0DEF2705-2132-4518-B146-F8EE3B04A480}" type="pres">
       <dgm:prSet presAssocID="{D284276E-0B24-4B41-A1DC-742B330585DF}" presName="bkgdShape" presStyleLbl="node1" presStyleIdx="0" presStyleCnt="5"/>
       <dgm:spPr/>
+      <dgm:t>
+        <a:bodyPr/>
+        <a:lstStyle/>
+        <a:p>
+          <a:endParaRPr lang="de-DE"/>
+        </a:p>
+      </dgm:t>
     </dgm:pt>
     <dgm:pt modelId="{2B067435-A646-4502-8080-8057C03B06D4}" type="pres">
       <dgm:prSet presAssocID="{D284276E-0B24-4B41-A1DC-742B330585DF}" presName="nodeTx" presStyleLbl="node1" presStyleIdx="0" presStyleCnt="5">
@@ -8723,6 +8744,13 @@
         </dgm:presLayoutVars>
       </dgm:prSet>
       <dgm:spPr/>
+      <dgm:t>
+        <a:bodyPr/>
+        <a:lstStyle/>
+        <a:p>
+          <a:endParaRPr lang="de-DE"/>
+        </a:p>
+      </dgm:t>
     </dgm:pt>
     <dgm:pt modelId="{D8C4D372-6991-47DD-B3D6-1321029A4997}" type="pres">
       <dgm:prSet presAssocID="{D284276E-0B24-4B41-A1DC-742B330585DF}" presName="invisiNode" presStyleLbl="node1" presStyleIdx="0" presStyleCnt="5"/>
@@ -8749,6 +8777,13 @@
     <dgm:pt modelId="{39AB0950-6831-4B26-B0A1-CE18D8FEA0A8}" type="pres">
       <dgm:prSet presAssocID="{B6CD0483-C4A2-41F4-8D5B-83C014C8DB89}" presName="sibTrans" presStyleLbl="sibTrans2D1" presStyleIdx="0" presStyleCnt="0"/>
       <dgm:spPr/>
+      <dgm:t>
+        <a:bodyPr/>
+        <a:lstStyle/>
+        <a:p>
+          <a:endParaRPr lang="de-DE"/>
+        </a:p>
+      </dgm:t>
     </dgm:pt>
     <dgm:pt modelId="{22642FD7-463F-49BE-9ED8-8AB66652CA11}" type="pres">
       <dgm:prSet presAssocID="{F9295A0E-A9F5-40D7-973C-7BEE1C22BF81}" presName="compNode" presStyleCnt="0"/>
@@ -8757,6 +8792,13 @@
     <dgm:pt modelId="{6FE94BFF-A6B8-4895-AD7F-E390B2692CD0}" type="pres">
       <dgm:prSet presAssocID="{F9295A0E-A9F5-40D7-973C-7BEE1C22BF81}" presName="bkgdShape" presStyleLbl="node1" presStyleIdx="1" presStyleCnt="5"/>
       <dgm:spPr/>
+      <dgm:t>
+        <a:bodyPr/>
+        <a:lstStyle/>
+        <a:p>
+          <a:endParaRPr lang="de-DE"/>
+        </a:p>
+      </dgm:t>
     </dgm:pt>
     <dgm:pt modelId="{C90EFC58-6A6B-4E3E-AE2E-BB0E05B45978}" type="pres">
       <dgm:prSet presAssocID="{F9295A0E-A9F5-40D7-973C-7BEE1C22BF81}" presName="nodeTx" presStyleLbl="node1" presStyleIdx="1" presStyleCnt="5">
@@ -8765,6 +8807,13 @@
         </dgm:presLayoutVars>
       </dgm:prSet>
       <dgm:spPr/>
+      <dgm:t>
+        <a:bodyPr/>
+        <a:lstStyle/>
+        <a:p>
+          <a:endParaRPr lang="de-DE"/>
+        </a:p>
+      </dgm:t>
     </dgm:pt>
     <dgm:pt modelId="{86144F4F-1458-456B-814C-0F2C4F831D80}" type="pres">
       <dgm:prSet presAssocID="{F9295A0E-A9F5-40D7-973C-7BEE1C22BF81}" presName="invisiNode" presStyleLbl="node1" presStyleIdx="1" presStyleCnt="5"/>
@@ -8791,6 +8840,13 @@
     <dgm:pt modelId="{7FA1F5FF-9D16-4966-B88A-1237E8A406F3}" type="pres">
       <dgm:prSet presAssocID="{0C83F384-CAEA-41D8-B597-F0BC9C17BEEC}" presName="sibTrans" presStyleLbl="sibTrans2D1" presStyleIdx="0" presStyleCnt="0"/>
       <dgm:spPr/>
+      <dgm:t>
+        <a:bodyPr/>
+        <a:lstStyle/>
+        <a:p>
+          <a:endParaRPr lang="de-DE"/>
+        </a:p>
+      </dgm:t>
     </dgm:pt>
     <dgm:pt modelId="{D9A6ACB2-F7E6-4999-96D7-035E4971A654}" type="pres">
       <dgm:prSet presAssocID="{EED5BED8-5768-416A-8914-19D13A565395}" presName="compNode" presStyleCnt="0"/>
@@ -8799,6 +8855,13 @@
     <dgm:pt modelId="{492193C1-F6A3-46C9-8AD0-3FC16D212958}" type="pres">
       <dgm:prSet presAssocID="{EED5BED8-5768-416A-8914-19D13A565395}" presName="bkgdShape" presStyleLbl="node1" presStyleIdx="2" presStyleCnt="5"/>
       <dgm:spPr/>
+      <dgm:t>
+        <a:bodyPr/>
+        <a:lstStyle/>
+        <a:p>
+          <a:endParaRPr lang="de-DE"/>
+        </a:p>
+      </dgm:t>
     </dgm:pt>
     <dgm:pt modelId="{12600276-960C-409C-9ED8-15D192C55F70}" type="pres">
       <dgm:prSet presAssocID="{EED5BED8-5768-416A-8914-19D13A565395}" presName="nodeTx" presStyleLbl="node1" presStyleIdx="2" presStyleCnt="5">
@@ -8807,6 +8870,13 @@
         </dgm:presLayoutVars>
       </dgm:prSet>
       <dgm:spPr/>
+      <dgm:t>
+        <a:bodyPr/>
+        <a:lstStyle/>
+        <a:p>
+          <a:endParaRPr lang="de-DE"/>
+        </a:p>
+      </dgm:t>
     </dgm:pt>
     <dgm:pt modelId="{122083A7-F62E-457B-B915-2199F9737903}" type="pres">
       <dgm:prSet presAssocID="{EED5BED8-5768-416A-8914-19D13A565395}" presName="invisiNode" presStyleLbl="node1" presStyleIdx="2" presStyleCnt="5"/>
@@ -8833,6 +8903,13 @@
     <dgm:pt modelId="{289B95B0-76B7-4694-B2C3-09CB600879E7}" type="pres">
       <dgm:prSet presAssocID="{CF800B3B-9BB8-4346-BBC4-261EFFC78F95}" presName="sibTrans" presStyleLbl="sibTrans2D1" presStyleIdx="0" presStyleCnt="0"/>
       <dgm:spPr/>
+      <dgm:t>
+        <a:bodyPr/>
+        <a:lstStyle/>
+        <a:p>
+          <a:endParaRPr lang="de-DE"/>
+        </a:p>
+      </dgm:t>
     </dgm:pt>
     <dgm:pt modelId="{644780DD-012C-4D72-BD0E-AAF7FD9B6C67}" type="pres">
       <dgm:prSet presAssocID="{212C4C3F-B2BC-46BD-B7E2-49BF2D3A9CD2}" presName="compNode" presStyleCnt="0"/>
@@ -8841,6 +8918,13 @@
     <dgm:pt modelId="{6C3E15DF-0AB3-4817-9D0B-10294FEB9639}" type="pres">
       <dgm:prSet presAssocID="{212C4C3F-B2BC-46BD-B7E2-49BF2D3A9CD2}" presName="bkgdShape" presStyleLbl="node1" presStyleIdx="3" presStyleCnt="5"/>
       <dgm:spPr/>
+      <dgm:t>
+        <a:bodyPr/>
+        <a:lstStyle/>
+        <a:p>
+          <a:endParaRPr lang="de-DE"/>
+        </a:p>
+      </dgm:t>
     </dgm:pt>
     <dgm:pt modelId="{681AE190-7CE1-437F-9FC3-D34407CAD7DE}" type="pres">
       <dgm:prSet presAssocID="{212C4C3F-B2BC-46BD-B7E2-49BF2D3A9CD2}" presName="nodeTx" presStyleLbl="node1" presStyleIdx="3" presStyleCnt="5">
@@ -8849,6 +8933,13 @@
         </dgm:presLayoutVars>
       </dgm:prSet>
       <dgm:spPr/>
+      <dgm:t>
+        <a:bodyPr/>
+        <a:lstStyle/>
+        <a:p>
+          <a:endParaRPr lang="de-DE"/>
+        </a:p>
+      </dgm:t>
     </dgm:pt>
     <dgm:pt modelId="{A2B5C136-D03B-4E9E-8E7E-2CAD7941BD8A}" type="pres">
       <dgm:prSet presAssocID="{212C4C3F-B2BC-46BD-B7E2-49BF2D3A9CD2}" presName="invisiNode" presStyleLbl="node1" presStyleIdx="3" presStyleCnt="5"/>
@@ -8875,6 +8966,13 @@
     <dgm:pt modelId="{E14E1273-1C4A-4A69-9E99-7A59F329F47C}" type="pres">
       <dgm:prSet presAssocID="{015805E6-8D1E-44B1-9EF3-42E285A8A86F}" presName="sibTrans" presStyleLbl="sibTrans2D1" presStyleIdx="0" presStyleCnt="0"/>
       <dgm:spPr/>
+      <dgm:t>
+        <a:bodyPr/>
+        <a:lstStyle/>
+        <a:p>
+          <a:endParaRPr lang="de-DE"/>
+        </a:p>
+      </dgm:t>
     </dgm:pt>
     <dgm:pt modelId="{EE389596-78F7-48D1-89CB-7F16954A729C}" type="pres">
       <dgm:prSet presAssocID="{9582269A-5383-4875-B584-D1FCA7B3A081}" presName="compNode" presStyleCnt="0"/>
@@ -8883,6 +8981,13 @@
     <dgm:pt modelId="{259A8A00-97D5-4FB9-A1AF-C361C40F5EF9}" type="pres">
       <dgm:prSet presAssocID="{9582269A-5383-4875-B584-D1FCA7B3A081}" presName="bkgdShape" presStyleLbl="node1" presStyleIdx="4" presStyleCnt="5"/>
       <dgm:spPr/>
+      <dgm:t>
+        <a:bodyPr/>
+        <a:lstStyle/>
+        <a:p>
+          <a:endParaRPr lang="de-DE"/>
+        </a:p>
+      </dgm:t>
     </dgm:pt>
     <dgm:pt modelId="{EBADB602-D542-4ECC-AFA1-51F9C27D40A0}" type="pres">
       <dgm:prSet presAssocID="{9582269A-5383-4875-B584-D1FCA7B3A081}" presName="nodeTx" presStyleLbl="node1" presStyleIdx="4" presStyleCnt="5">
@@ -8891,6 +8996,13 @@
         </dgm:presLayoutVars>
       </dgm:prSet>
       <dgm:spPr/>
+      <dgm:t>
+        <a:bodyPr/>
+        <a:lstStyle/>
+        <a:p>
+          <a:endParaRPr lang="de-DE"/>
+        </a:p>
+      </dgm:t>
     </dgm:pt>
     <dgm:pt modelId="{2995DC13-CA99-4483-B607-980094DDFFF1}" type="pres">
       <dgm:prSet presAssocID="{9582269A-5383-4875-B584-D1FCA7B3A081}" presName="invisiNode" presStyleLbl="node1" presStyleIdx="4" presStyleCnt="5"/>
@@ -9230,6 +9342,13 @@
         </dgm:presLayoutVars>
       </dgm:prSet>
       <dgm:spPr/>
+      <dgm:t>
+        <a:bodyPr/>
+        <a:lstStyle/>
+        <a:p>
+          <a:endParaRPr lang="de-DE"/>
+        </a:p>
+      </dgm:t>
     </dgm:pt>
     <dgm:pt modelId="{DA099EED-4F5D-4058-929B-91D547FCECAF}" type="pres">
       <dgm:prSet presAssocID="{815A21B8-640D-4A0A-BC78-F13870CC4C58}" presName="circleA" presStyleLbl="node1" presStyleIdx="0" presStyleCnt="3"/>
@@ -9254,6 +9373,13 @@
         </dgm:presLayoutVars>
       </dgm:prSet>
       <dgm:spPr/>
+      <dgm:t>
+        <a:bodyPr/>
+        <a:lstStyle/>
+        <a:p>
+          <a:endParaRPr lang="de-DE"/>
+        </a:p>
+      </dgm:t>
     </dgm:pt>
     <dgm:pt modelId="{77162A5F-071C-48C6-B77C-972F8D3E479B}" type="pres">
       <dgm:prSet presAssocID="{D7BC0203-36C7-4DE6-8BF5-40F3B353FD4A}" presName="circleB" presStyleLbl="node1" presStyleIdx="1" presStyleCnt="3"/>
@@ -9278,6 +9404,13 @@
         </dgm:presLayoutVars>
       </dgm:prSet>
       <dgm:spPr/>
+      <dgm:t>
+        <a:bodyPr/>
+        <a:lstStyle/>
+        <a:p>
+          <a:endParaRPr lang="de-DE"/>
+        </a:p>
+      </dgm:t>
     </dgm:pt>
     <dgm:pt modelId="{24D016FC-27A0-40B2-81C4-613E6EA1A617}" type="pres">
       <dgm:prSet presAssocID="{D7DC21AD-EF37-4265-A5AF-B48B72C7E8DA}" presName="circleA" presStyleLbl="node1" presStyleIdx="2" presStyleCnt="3"/>
@@ -9391,6 +9524,13 @@
         </dgm:presLayoutVars>
       </dgm:prSet>
       <dgm:spPr/>
+      <dgm:t>
+        <a:bodyPr/>
+        <a:lstStyle/>
+        <a:p>
+          <a:endParaRPr lang="de-DE"/>
+        </a:p>
+      </dgm:t>
     </dgm:pt>
     <dgm:pt modelId="{E69F6897-FA44-4D33-95A1-02C61B3B37CC}" type="pres">
       <dgm:prSet presAssocID="{41296BC6-2EBB-497E-96C8-769DF938FF6B}" presName="composite" presStyleCnt="0"/>
@@ -9421,6 +9561,13 @@
         </dgm:presLayoutVars>
       </dgm:prSet>
       <dgm:spPr/>
+      <dgm:t>
+        <a:bodyPr/>
+        <a:lstStyle/>
+        <a:p>
+          <a:endParaRPr lang="de-DE"/>
+        </a:p>
+      </dgm:t>
     </dgm:pt>
   </dgm:ptLst>
   <dgm:cxnLst>
@@ -9505,6 +9652,13 @@
         </dgm:presLayoutVars>
       </dgm:prSet>
       <dgm:spPr/>
+      <dgm:t>
+        <a:bodyPr/>
+        <a:lstStyle/>
+        <a:p>
+          <a:endParaRPr lang="de-DE"/>
+        </a:p>
+      </dgm:t>
     </dgm:pt>
     <dgm:pt modelId="{E69F6897-FA44-4D33-95A1-02C61B3B37CC}" type="pres">
       <dgm:prSet presAssocID="{41296BC6-2EBB-497E-96C8-769DF938FF6B}" presName="composite" presStyleCnt="0"/>
@@ -9535,6 +9689,13 @@
         </dgm:presLayoutVars>
       </dgm:prSet>
       <dgm:spPr/>
+      <dgm:t>
+        <a:bodyPr/>
+        <a:lstStyle/>
+        <a:p>
+          <a:endParaRPr lang="de-DE"/>
+        </a:p>
+      </dgm:t>
     </dgm:pt>
   </dgm:ptLst>
   <dgm:cxnLst>
@@ -9619,6 +9780,13 @@
         </dgm:presLayoutVars>
       </dgm:prSet>
       <dgm:spPr/>
+      <dgm:t>
+        <a:bodyPr/>
+        <a:lstStyle/>
+        <a:p>
+          <a:endParaRPr lang="de-DE"/>
+        </a:p>
+      </dgm:t>
     </dgm:pt>
     <dgm:pt modelId="{E69F6897-FA44-4D33-95A1-02C61B3B37CC}" type="pres">
       <dgm:prSet presAssocID="{41296BC6-2EBB-497E-96C8-769DF938FF6B}" presName="composite" presStyleCnt="0"/>
@@ -9649,6 +9817,13 @@
         </dgm:presLayoutVars>
       </dgm:prSet>
       <dgm:spPr/>
+      <dgm:t>
+        <a:bodyPr/>
+        <a:lstStyle/>
+        <a:p>
+          <a:endParaRPr lang="de-DE"/>
+        </a:p>
+      </dgm:t>
     </dgm:pt>
   </dgm:ptLst>
   <dgm:cxnLst>
@@ -9733,6 +9908,13 @@
         </dgm:presLayoutVars>
       </dgm:prSet>
       <dgm:spPr/>
+      <dgm:t>
+        <a:bodyPr/>
+        <a:lstStyle/>
+        <a:p>
+          <a:endParaRPr lang="de-DE"/>
+        </a:p>
+      </dgm:t>
     </dgm:pt>
     <dgm:pt modelId="{E69F6897-FA44-4D33-95A1-02C61B3B37CC}" type="pres">
       <dgm:prSet presAssocID="{41296BC6-2EBB-497E-96C8-769DF938FF6B}" presName="composite" presStyleCnt="0"/>
@@ -9763,6 +9945,13 @@
         </dgm:presLayoutVars>
       </dgm:prSet>
       <dgm:spPr/>
+      <dgm:t>
+        <a:bodyPr/>
+        <a:lstStyle/>
+        <a:p>
+          <a:endParaRPr lang="de-DE"/>
+        </a:p>
+      </dgm:t>
     </dgm:pt>
   </dgm:ptLst>
   <dgm:cxnLst>
@@ -9847,6 +10036,13 @@
         </dgm:presLayoutVars>
       </dgm:prSet>
       <dgm:spPr/>
+      <dgm:t>
+        <a:bodyPr/>
+        <a:lstStyle/>
+        <a:p>
+          <a:endParaRPr lang="de-DE"/>
+        </a:p>
+      </dgm:t>
     </dgm:pt>
     <dgm:pt modelId="{E69F6897-FA44-4D33-95A1-02C61B3B37CC}" type="pres">
       <dgm:prSet presAssocID="{41296BC6-2EBB-497E-96C8-769DF938FF6B}" presName="composite" presStyleCnt="0"/>
@@ -9877,6 +10073,13 @@
         </dgm:presLayoutVars>
       </dgm:prSet>
       <dgm:spPr/>
+      <dgm:t>
+        <a:bodyPr/>
+        <a:lstStyle/>
+        <a:p>
+          <a:endParaRPr lang="de-DE"/>
+        </a:p>
+      </dgm:t>
     </dgm:pt>
   </dgm:ptLst>
   <dgm:cxnLst>
@@ -10045,6 +10248,13 @@
         </dgm:presLayoutVars>
       </dgm:prSet>
       <dgm:spPr/>
+      <dgm:t>
+        <a:bodyPr/>
+        <a:lstStyle/>
+        <a:p>
+          <a:endParaRPr lang="de-DE"/>
+        </a:p>
+      </dgm:t>
     </dgm:pt>
     <dgm:pt modelId="{E69F6897-FA44-4D33-95A1-02C61B3B37CC}" type="pres">
       <dgm:prSet presAssocID="{41296BC6-2EBB-497E-96C8-769DF938FF6B}" presName="composite" presStyleCnt="0"/>
@@ -10075,6 +10285,13 @@
         </dgm:presLayoutVars>
       </dgm:prSet>
       <dgm:spPr/>
+      <dgm:t>
+        <a:bodyPr/>
+        <a:lstStyle/>
+        <a:p>
+          <a:endParaRPr lang="de-DE"/>
+        </a:p>
+      </dgm:t>
     </dgm:pt>
     <dgm:pt modelId="{E25B1FA2-E17C-42C5-8FAF-3BC9E8DAEA7A}" type="pres">
       <dgm:prSet presAssocID="{73489C6D-C5FA-4460-9736-20B51B764A5C}" presName="spacing" presStyleCnt="0"/>
@@ -10109,6 +10326,13 @@
         </dgm:presLayoutVars>
       </dgm:prSet>
       <dgm:spPr/>
+      <dgm:t>
+        <a:bodyPr/>
+        <a:lstStyle/>
+        <a:p>
+          <a:endParaRPr lang="de-DE"/>
+        </a:p>
+      </dgm:t>
     </dgm:pt>
     <dgm:pt modelId="{E30D30DE-40BD-4C10-983A-674632778F02}" type="pres">
       <dgm:prSet presAssocID="{4D36172C-3601-4628-B433-8657B8238583}" presName="spacing" presStyleCnt="0"/>
@@ -10143,6 +10367,13 @@
         </dgm:presLayoutVars>
       </dgm:prSet>
       <dgm:spPr/>
+      <dgm:t>
+        <a:bodyPr/>
+        <a:lstStyle/>
+        <a:p>
+          <a:endParaRPr lang="de-DE"/>
+        </a:p>
+      </dgm:t>
     </dgm:pt>
   </dgm:ptLst>
   <dgm:cxnLst>
@@ -10277,6 +10508,13 @@
         </dgm:presLayoutVars>
       </dgm:prSet>
       <dgm:spPr/>
+      <dgm:t>
+        <a:bodyPr/>
+        <a:lstStyle/>
+        <a:p>
+          <a:endParaRPr lang="de-DE"/>
+        </a:p>
+      </dgm:t>
     </dgm:pt>
     <dgm:pt modelId="{E69F6897-FA44-4D33-95A1-02C61B3B37CC}" type="pres">
       <dgm:prSet presAssocID="{41296BC6-2EBB-497E-96C8-769DF938FF6B}" presName="composite" presStyleCnt="0"/>
@@ -10307,6 +10545,13 @@
         </dgm:presLayoutVars>
       </dgm:prSet>
       <dgm:spPr/>
+      <dgm:t>
+        <a:bodyPr/>
+        <a:lstStyle/>
+        <a:p>
+          <a:endParaRPr lang="de-DE"/>
+        </a:p>
+      </dgm:t>
     </dgm:pt>
     <dgm:pt modelId="{E25B1FA2-E17C-42C5-8FAF-3BC9E8DAEA7A}" type="pres">
       <dgm:prSet presAssocID="{73489C6D-C5FA-4460-9736-20B51B764A5C}" presName="spacing" presStyleCnt="0"/>
@@ -10341,6 +10586,13 @@
         </dgm:presLayoutVars>
       </dgm:prSet>
       <dgm:spPr/>
+      <dgm:t>
+        <a:bodyPr/>
+        <a:lstStyle/>
+        <a:p>
+          <a:endParaRPr lang="de-DE"/>
+        </a:p>
+      </dgm:t>
     </dgm:pt>
   </dgm:ptLst>
   <dgm:cxnLst>
@@ -10555,6 +10807,13 @@
         </dgm:presLayoutVars>
       </dgm:prSet>
       <dgm:spPr/>
+      <dgm:t>
+        <a:bodyPr/>
+        <a:lstStyle/>
+        <a:p>
+          <a:endParaRPr lang="de-DE"/>
+        </a:p>
+      </dgm:t>
     </dgm:pt>
     <dgm:pt modelId="{40C13C18-9F6E-4C35-AF01-26055ECF05BC}" type="pres">
       <dgm:prSet presAssocID="{716DE4C0-36ED-48BF-9177-CE1A225AB5EB}" presName="ellipse" presStyleLbl="trBgShp" presStyleIdx="0" presStyleCnt="1" custLinFactNeighborX="155" custLinFactNeighborY="-1031"/>
@@ -10575,6 +10834,13 @@
         </dgm:presLayoutVars>
       </dgm:prSet>
       <dgm:spPr/>
+      <dgm:t>
+        <a:bodyPr/>
+        <a:lstStyle/>
+        <a:p>
+          <a:endParaRPr lang="de-DE"/>
+        </a:p>
+      </dgm:t>
     </dgm:pt>
     <dgm:pt modelId="{FB48EB3C-A6B0-4713-B23F-AA21270918BA}" type="pres">
       <dgm:prSet presAssocID="{09EDEBC0-C86F-45B3-B036-D774B9D73600}" presName="item1" presStyleLbl="node1" presStyleIdx="0" presStyleCnt="3" custScaleX="117665" custScaleY="117665" custLinFactNeighborX="3890" custLinFactNeighborY="9336">
@@ -10583,6 +10849,13 @@
         </dgm:presLayoutVars>
       </dgm:prSet>
       <dgm:spPr/>
+      <dgm:t>
+        <a:bodyPr/>
+        <a:lstStyle/>
+        <a:p>
+          <a:endParaRPr lang="de-DE"/>
+        </a:p>
+      </dgm:t>
     </dgm:pt>
     <dgm:pt modelId="{637E9EA4-BE55-4A56-999F-C6DD8073753E}" type="pres">
       <dgm:prSet presAssocID="{9701A48A-21AF-4583-A4C9-CE7AE8EFB7F8}" presName="item2" presStyleLbl="node1" presStyleIdx="1" presStyleCnt="3" custScaleX="117665" custScaleY="117665" custLinFactNeighborX="-4668" custLinFactNeighborY="-4668">
@@ -10591,6 +10864,13 @@
         </dgm:presLayoutVars>
       </dgm:prSet>
       <dgm:spPr/>
+      <dgm:t>
+        <a:bodyPr/>
+        <a:lstStyle/>
+        <a:p>
+          <a:endParaRPr lang="de-DE"/>
+        </a:p>
+      </dgm:t>
     </dgm:pt>
     <dgm:pt modelId="{48627F83-5CD4-4A3E-A578-EF51E842456F}" type="pres">
       <dgm:prSet presAssocID="{145EDB80-7DA2-4750-BA22-979B6E7D8D80}" presName="item3" presStyleLbl="node1" presStyleIdx="2" presStyleCnt="3" custScaleX="117665" custScaleY="117665" custLinFactNeighborX="19451" custLinFactNeighborY="-3890">
@@ -10599,6 +10879,13 @@
         </dgm:presLayoutVars>
       </dgm:prSet>
       <dgm:spPr/>
+      <dgm:t>
+        <a:bodyPr/>
+        <a:lstStyle/>
+        <a:p>
+          <a:endParaRPr lang="de-DE"/>
+        </a:p>
+      </dgm:t>
     </dgm:pt>
     <dgm:pt modelId="{6A0FE239-3E43-42DC-8A6C-5B40328B4FDA}" type="pres">
       <dgm:prSet presAssocID="{716DE4C0-36ED-48BF-9177-CE1A225AB5EB}" presName="funnel" presStyleLbl="trAlignAcc1" presStyleIdx="0" presStyleCnt="1" custScaleX="111075" custScaleY="122324" custLinFactNeighborY="-288"/>
@@ -10691,7 +10978,7 @@
         </a:bodyPr>
         <a:lstStyle/>
         <a:p>
-          <a:pPr marL="0" lvl="0" indent="0" algn="ctr" defTabSz="1466850">
+          <a:pPr lvl="0" algn="ctr" defTabSz="1466850">
             <a:lnSpc>
               <a:spcPct val="90000"/>
             </a:lnSpc>
@@ -10701,7 +10988,6 @@
             <a:spcAft>
               <a:spcPct val="35000"/>
             </a:spcAft>
-            <a:buNone/>
           </a:pPr>
           <a:r>
             <a:rPr lang="de-DE" sz="3300" kern="1200" dirty="0"/>
@@ -10831,7 +11117,7 @@
         </a:bodyPr>
         <a:lstStyle/>
         <a:p>
-          <a:pPr marL="0" lvl="0" indent="0" algn="ctr" defTabSz="800100">
+          <a:pPr lvl="0" algn="ctr" defTabSz="800100">
             <a:lnSpc>
               <a:spcPct val="90000"/>
             </a:lnSpc>
@@ -10841,7 +11127,6 @@
             <a:spcAft>
               <a:spcPct val="35000"/>
             </a:spcAft>
-            <a:buNone/>
           </a:pPr>
           <a:r>
             <a:rPr lang="de-DE" sz="1800" kern="1200" dirty="0"/>
@@ -10959,7 +11244,7 @@
         </a:bodyPr>
         <a:lstStyle/>
         <a:p>
-          <a:pPr marL="0" lvl="0" indent="0" algn="ctr" defTabSz="800100">
+          <a:pPr lvl="0" algn="ctr" defTabSz="800100">
             <a:lnSpc>
               <a:spcPct val="90000"/>
             </a:lnSpc>
@@ -10969,7 +11254,6 @@
             <a:spcAft>
               <a:spcPct val="35000"/>
             </a:spcAft>
-            <a:buNone/>
           </a:pPr>
           <a:r>
             <a:rPr lang="de-DE" sz="1800" kern="1200" dirty="0"/>
@@ -11087,7 +11371,7 @@
         </a:bodyPr>
         <a:lstStyle/>
         <a:p>
-          <a:pPr marL="0" lvl="0" indent="0" algn="ctr" defTabSz="800100">
+          <a:pPr lvl="0" algn="ctr" defTabSz="800100">
             <a:lnSpc>
               <a:spcPct val="90000"/>
             </a:lnSpc>
@@ -11097,7 +11381,6 @@
             <a:spcAft>
               <a:spcPct val="35000"/>
             </a:spcAft>
-            <a:buNone/>
           </a:pPr>
           <a:r>
             <a:rPr lang="de-DE" sz="1800" kern="1200" dirty="0"/>
@@ -11215,7 +11498,7 @@
         </a:bodyPr>
         <a:lstStyle/>
         <a:p>
-          <a:pPr marL="0" lvl="0" indent="0" algn="ctr" defTabSz="800100">
+          <a:pPr lvl="0" algn="ctr" defTabSz="800100">
             <a:lnSpc>
               <a:spcPct val="90000"/>
             </a:lnSpc>
@@ -11225,7 +11508,6 @@
             <a:spcAft>
               <a:spcPct val="35000"/>
             </a:spcAft>
-            <a:buNone/>
           </a:pPr>
           <a:r>
             <a:rPr lang="de-DE" sz="1800" kern="1200" dirty="0"/>
@@ -11343,7 +11625,7 @@
         </a:bodyPr>
         <a:lstStyle/>
         <a:p>
-          <a:pPr marL="0" lvl="0" indent="0" algn="ctr" defTabSz="800100">
+          <a:pPr lvl="0" algn="ctr" defTabSz="800100">
             <a:lnSpc>
               <a:spcPct val="90000"/>
             </a:lnSpc>
@@ -11353,7 +11635,6 @@
             <a:spcAft>
               <a:spcPct val="35000"/>
             </a:spcAft>
-            <a:buNone/>
           </a:pPr>
           <a:r>
             <a:rPr lang="de-DE" sz="1800" kern="1200" dirty="0"/>
@@ -11540,7 +11821,7 @@
         </a:bodyPr>
         <a:lstStyle/>
         <a:p>
-          <a:pPr marL="0" lvl="0" indent="0" algn="l" defTabSz="1155700">
+          <a:pPr lvl="0" algn="l" defTabSz="1155700">
             <a:lnSpc>
               <a:spcPct val="90000"/>
             </a:lnSpc>
@@ -11550,7 +11831,6 @@
             <a:spcAft>
               <a:spcPct val="35000"/>
             </a:spcAft>
-            <a:buNone/>
           </a:pPr>
           <a:r>
             <a:rPr lang="de-DE" sz="2600" kern="1200" dirty="0"/>
@@ -11568,7 +11848,7 @@
             <a:spcAft>
               <a:spcPct val="15000"/>
             </a:spcAft>
-            <a:buChar char="•"/>
+            <a:buChar char="••"/>
           </a:pPr>
           <a:r>
             <a:rPr lang="de-DE" sz="2000" kern="1200" dirty="0"/>
@@ -11668,7 +11948,7 @@
         </a:bodyPr>
         <a:lstStyle/>
         <a:p>
-          <a:pPr marL="0" lvl="0" indent="0" algn="l" defTabSz="1155700">
+          <a:pPr lvl="0" algn="l" defTabSz="1155700">
             <a:lnSpc>
               <a:spcPct val="90000"/>
             </a:lnSpc>
@@ -11678,7 +11958,6 @@
             <a:spcAft>
               <a:spcPct val="35000"/>
             </a:spcAft>
-            <a:buNone/>
           </a:pPr>
           <a:r>
             <a:rPr lang="de-DE" sz="2600" kern="1200" dirty="0"/>
@@ -11696,7 +11975,7 @@
             <a:spcAft>
               <a:spcPct val="15000"/>
             </a:spcAft>
-            <a:buChar char="•"/>
+            <a:buChar char="••"/>
           </a:pPr>
           <a:r>
             <a:rPr lang="de-DE" sz="2000" kern="1200" dirty="0"/>
@@ -11796,7 +12075,7 @@
         </a:bodyPr>
         <a:lstStyle/>
         <a:p>
-          <a:pPr marL="0" lvl="0" indent="0" algn="l" defTabSz="1155700">
+          <a:pPr lvl="0" algn="l" defTabSz="1155700">
             <a:lnSpc>
               <a:spcPct val="90000"/>
             </a:lnSpc>
@@ -11806,7 +12085,6 @@
             <a:spcAft>
               <a:spcPct val="35000"/>
             </a:spcAft>
-            <a:buNone/>
           </a:pPr>
           <a:r>
             <a:rPr lang="de-DE" sz="2600" kern="1200" dirty="0"/>
@@ -11824,7 +12102,7 @@
             <a:spcAft>
               <a:spcPct val="15000"/>
             </a:spcAft>
-            <a:buChar char="•"/>
+            <a:buChar char="••"/>
           </a:pPr>
           <a:endParaRPr lang="de-DE" sz="2000" kern="1200" dirty="0"/>
         </a:p>
@@ -11946,7 +12224,7 @@
         </a:bodyPr>
         <a:lstStyle/>
         <a:p>
-          <a:pPr marL="0" lvl="0" indent="0" algn="ctr" defTabSz="1466850">
+          <a:pPr lvl="0" algn="ctr" defTabSz="1466850">
             <a:lnSpc>
               <a:spcPct val="90000"/>
             </a:lnSpc>
@@ -11956,7 +12234,6 @@
             <a:spcAft>
               <a:spcPct val="35000"/>
             </a:spcAft>
-            <a:buNone/>
           </a:pPr>
           <a:r>
             <a:rPr lang="de-DE" sz="3300" kern="1200" dirty="0"/>
@@ -12084,7 +12361,7 @@
         </a:bodyPr>
         <a:lstStyle/>
         <a:p>
-          <a:pPr marL="0" lvl="0" indent="0" algn="ctr" defTabSz="1466850">
+          <a:pPr lvl="0" algn="ctr" defTabSz="1466850">
             <a:lnSpc>
               <a:spcPct val="90000"/>
             </a:lnSpc>
@@ -12094,7 +12371,6 @@
             <a:spcAft>
               <a:spcPct val="35000"/>
             </a:spcAft>
-            <a:buNone/>
           </a:pPr>
           <a:r>
             <a:rPr lang="de-DE" sz="3300" kern="1200" dirty="0"/>
@@ -12222,7 +12498,7 @@
         </a:bodyPr>
         <a:lstStyle/>
         <a:p>
-          <a:pPr marL="0" lvl="0" indent="0" algn="ctr" defTabSz="1466850">
+          <a:pPr lvl="0" algn="ctr" defTabSz="1466850">
             <a:lnSpc>
               <a:spcPct val="90000"/>
             </a:lnSpc>
@@ -12232,7 +12508,6 @@
             <a:spcAft>
               <a:spcPct val="35000"/>
             </a:spcAft>
-            <a:buNone/>
           </a:pPr>
           <a:r>
             <a:rPr lang="de-DE" sz="3300" kern="1200" dirty="0"/>
@@ -12360,7 +12635,7 @@
         </a:bodyPr>
         <a:lstStyle/>
         <a:p>
-          <a:pPr marL="0" lvl="0" indent="0" algn="ctr" defTabSz="1466850">
+          <a:pPr lvl="0" algn="ctr" defTabSz="1466850">
             <a:lnSpc>
               <a:spcPct val="90000"/>
             </a:lnSpc>
@@ -12370,7 +12645,6 @@
             <a:spcAft>
               <a:spcPct val="35000"/>
             </a:spcAft>
-            <a:buNone/>
           </a:pPr>
           <a:r>
             <a:rPr lang="de-DE" sz="3300" kern="1200" dirty="0"/>
@@ -12498,7 +12772,7 @@
         </a:bodyPr>
         <a:lstStyle/>
         <a:p>
-          <a:pPr marL="0" lvl="0" indent="0" algn="ctr" defTabSz="1466850">
+          <a:pPr lvl="0" algn="ctr" defTabSz="1466850">
             <a:lnSpc>
               <a:spcPct val="90000"/>
             </a:lnSpc>
@@ -12508,7 +12782,6 @@
             <a:spcAft>
               <a:spcPct val="35000"/>
             </a:spcAft>
-            <a:buNone/>
           </a:pPr>
           <a:r>
             <a:rPr lang="de-DE" sz="3300" kern="1200" dirty="0"/>
@@ -12636,7 +12909,7 @@
         </a:bodyPr>
         <a:lstStyle/>
         <a:p>
-          <a:pPr marL="0" lvl="0" indent="0" algn="ctr" defTabSz="1466850">
+          <a:pPr lvl="0" algn="ctr" defTabSz="1466850">
             <a:lnSpc>
               <a:spcPct val="90000"/>
             </a:lnSpc>
@@ -12646,7 +12919,6 @@
             <a:spcAft>
               <a:spcPct val="35000"/>
             </a:spcAft>
-            <a:buNone/>
           </a:pPr>
           <a:r>
             <a:rPr lang="de-DE" sz="3300" kern="1200" dirty="0"/>
@@ -12762,7 +13034,7 @@
         </a:bodyPr>
         <a:lstStyle/>
         <a:p>
-          <a:pPr marL="0" lvl="0" indent="0" algn="ctr" defTabSz="1466850">
+          <a:pPr lvl="0" algn="ctr" defTabSz="1466850">
             <a:lnSpc>
               <a:spcPct val="90000"/>
             </a:lnSpc>
@@ -12772,7 +13044,6 @@
             <a:spcAft>
               <a:spcPct val="35000"/>
             </a:spcAft>
-            <a:buNone/>
           </a:pPr>
           <a:r>
             <a:rPr lang="de-DE" sz="3300" kern="1200" dirty="0"/>
@@ -12888,7 +13159,7 @@
         </a:bodyPr>
         <a:lstStyle/>
         <a:p>
-          <a:pPr marL="0" lvl="0" indent="0" algn="ctr" defTabSz="1466850">
+          <a:pPr lvl="0" algn="ctr" defTabSz="1466850">
             <a:lnSpc>
               <a:spcPct val="90000"/>
             </a:lnSpc>
@@ -12898,7 +13169,6 @@
             <a:spcAft>
               <a:spcPct val="35000"/>
             </a:spcAft>
-            <a:buNone/>
           </a:pPr>
           <a:r>
             <a:rPr lang="de-DE" sz="3300" kern="1200" dirty="0" err="1"/>
@@ -13030,7 +13300,7 @@
         </a:bodyPr>
         <a:lstStyle/>
         <a:p>
-          <a:pPr marL="0" lvl="0" indent="0" algn="ctr" defTabSz="1466850">
+          <a:pPr lvl="0" algn="ctr" defTabSz="1466850">
             <a:lnSpc>
               <a:spcPct val="90000"/>
             </a:lnSpc>
@@ -13040,7 +13310,6 @@
             <a:spcAft>
               <a:spcPct val="35000"/>
             </a:spcAft>
-            <a:buNone/>
           </a:pPr>
           <a:r>
             <a:rPr lang="de-DE" sz="3300" kern="1200" dirty="0"/>
@@ -13156,7 +13425,7 @@
         </a:bodyPr>
         <a:lstStyle/>
         <a:p>
-          <a:pPr marL="0" lvl="0" indent="0" algn="ctr" defTabSz="1466850">
+          <a:pPr lvl="0" algn="ctr" defTabSz="1466850">
             <a:lnSpc>
               <a:spcPct val="90000"/>
             </a:lnSpc>
@@ -13166,7 +13435,6 @@
             <a:spcAft>
               <a:spcPct val="35000"/>
             </a:spcAft>
-            <a:buNone/>
           </a:pPr>
           <a:r>
             <a:rPr lang="de-DE" sz="3300" kern="1200" dirty="0"/>
@@ -13365,7 +13633,7 @@
         </a:bodyPr>
         <a:lstStyle/>
         <a:p>
-          <a:pPr marL="0" lvl="0" indent="0" algn="ctr" defTabSz="1377950">
+          <a:pPr lvl="0" algn="ctr" defTabSz="1377950">
             <a:lnSpc>
               <a:spcPct val="90000"/>
             </a:lnSpc>
@@ -13375,7 +13643,6 @@
             <a:spcAft>
               <a:spcPct val="35000"/>
             </a:spcAft>
-            <a:buNone/>
           </a:pPr>
           <a:r>
             <a:rPr lang="de-DE" sz="3100" kern="1200" dirty="0">
@@ -13442,7 +13709,7 @@
         </a:bodyPr>
         <a:lstStyle/>
         <a:p>
-          <a:pPr marL="0" lvl="0" indent="0" algn="ctr" defTabSz="755650">
+          <a:pPr lvl="0" algn="ctr" defTabSz="755650">
             <a:lnSpc>
               <a:spcPct val="90000"/>
             </a:lnSpc>
@@ -13452,7 +13719,6 @@
             <a:spcAft>
               <a:spcPct val="35000"/>
             </a:spcAft>
-            <a:buNone/>
           </a:pPr>
           <a:r>
             <a:rPr lang="de-DE" sz="1700" kern="1200" dirty="0"/>
@@ -13515,7 +13781,7 @@
         </a:bodyPr>
         <a:lstStyle/>
         <a:p>
-          <a:pPr marL="0" lvl="0" indent="0" algn="ctr" defTabSz="711200">
+          <a:pPr lvl="0" algn="ctr" defTabSz="711200">
             <a:lnSpc>
               <a:spcPct val="90000"/>
             </a:lnSpc>
@@ -13525,7 +13791,6 @@
             <a:spcAft>
               <a:spcPct val="35000"/>
             </a:spcAft>
-            <a:buNone/>
           </a:pPr>
           <a:r>
             <a:rPr lang="de-DE" sz="1600" kern="1200" dirty="0" err="1"/>
@@ -13592,7 +13857,7 @@
         </a:bodyPr>
         <a:lstStyle/>
         <a:p>
-          <a:pPr marL="0" lvl="0" indent="0" algn="ctr" defTabSz="755650">
+          <a:pPr lvl="0" algn="ctr" defTabSz="755650">
             <a:lnSpc>
               <a:spcPct val="90000"/>
             </a:lnSpc>
@@ -13602,7 +13867,6 @@
             <a:spcAft>
               <a:spcPct val="35000"/>
             </a:spcAft>
-            <a:buNone/>
           </a:pPr>
           <a:r>
             <a:rPr lang="de-DE" sz="1700" kern="1200" dirty="0"/>
@@ -27728,6 +27992,14 @@
           <a:bodyPr/>
           <a:lstStyle/>
           <a:p>
+            <a:r>
+              <a:rPr lang="de-DE" dirty="0" smtClean="0"/>
+              <a:t>KARSTEN: Führungskraft Martin möchte einen Überblick über</a:t>
+            </a:r>
+            <a:r>
+              <a:rPr lang="de-DE" baseline="0" dirty="0" smtClean="0"/>
+              <a:t> Projektanträge. Diesen kann er mit den Statistiken des PAMS erlangen.</a:t>
+            </a:r>
             <a:endParaRPr lang="de-DE" dirty="0"/>
           </a:p>
         </p:txBody>
@@ -28048,6 +28320,25 @@
             <a:pPr marL="0" indent="0">
               <a:buNone/>
             </a:pPr>
+            <a:endParaRPr lang="de-DE" baseline="0" dirty="0" smtClean="0"/>
+          </a:p>
+          <a:p>
+            <a:pPr marL="0" indent="0">
+              <a:buNone/>
+            </a:pPr>
+            <a:r>
+              <a:rPr lang="de-DE" baseline="0" dirty="0" smtClean="0"/>
+              <a:t>KARSTEN</a:t>
+            </a:r>
+          </a:p>
+          <a:p>
+            <a:pPr marL="0" indent="0">
+              <a:buNone/>
+            </a:pPr>
+            <a:r>
+              <a:rPr lang="de-DE" baseline="0" dirty="0" smtClean="0"/>
+              <a:t>Derzeit fahren Sie einen gefährlichen Kurs. Indem Sie die Hürde der gesamtheitlichen Erfassung nicht nehmen, erreichen Sie auch keine Übersicht über Ihre Projektanträge. Damit ist auch keine Auswertung möglich, weshalb Sie orientierungslos umherirren.</a:t>
+            </a:r>
             <a:endParaRPr lang="de-DE" baseline="0" dirty="0"/>
           </a:p>
         </p:txBody>
@@ -28258,8 +28549,49 @@
           <a:p>
             <a:r>
               <a:rPr lang="de-DE" baseline="0" dirty="0"/>
+              <a:t>Welche Funktionen können wir Ihnen anbieten um ihnen zukünftig entsprechenden Mehrwert zu bieten</a:t>
+            </a:r>
+            <a:r>
+              <a:rPr lang="de-DE" baseline="0" dirty="0" smtClean="0"/>
+              <a:t>?</a:t>
+            </a:r>
+          </a:p>
+          <a:p>
+            <a:endParaRPr lang="de-DE" baseline="0" dirty="0" smtClean="0"/>
+          </a:p>
+          <a:p>
+            <a:endParaRPr lang="de-DE" baseline="0" dirty="0" smtClean="0"/>
+          </a:p>
+          <a:p>
+            <a:r>
+              <a:rPr lang="de-DE" baseline="0" dirty="0" smtClean="0"/>
+              <a:t>KARSTEN:</a:t>
+            </a:r>
+          </a:p>
+          <a:p>
+            <a:r>
+              <a:rPr lang="de-DE" dirty="0" smtClean="0"/>
+              <a:t>Lassen Sie</a:t>
+            </a:r>
+            <a:r>
+              <a:rPr lang="de-DE" baseline="0" dirty="0" smtClean="0"/>
+              <a:t> uns gemeinsam die Hürden überwinden, und Ihren Kurs begradigen um Ihr Projektantragsmanagement auf ein neues Level zu heben. </a:t>
+            </a:r>
+          </a:p>
+          <a:p>
+            <a:r>
+              <a:rPr lang="de-DE" baseline="0" dirty="0" smtClean="0"/>
+              <a:t>Wir bieten Ihnen ein neues Erlebnis und noch nie dagewesene Funktionen die genau auf Ihr Unternehmen zugeschnitten sind.</a:t>
+            </a:r>
+          </a:p>
+          <a:p>
+            <a:r>
+              <a:rPr lang="de-DE" baseline="0" dirty="0" smtClean="0"/>
               <a:t>Welche Funktionen können wir Ihnen anbieten um ihnen zukünftig entsprechenden Mehrwert zu bieten?</a:t>
             </a:r>
+            <a:endParaRPr lang="de-DE" dirty="0" smtClean="0"/>
+          </a:p>
+          <a:p>
             <a:endParaRPr lang="de-DE" dirty="0"/>
           </a:p>
         </p:txBody>
@@ -31556,7 +31888,7 @@
           <p:nvPr>
             <p:extLst>
               <p:ext uri="{386F3935-93C4-4BCD-93E2-E3B085C9AB24}">
-                <p16:designElem xmlns:p16="http://schemas.microsoft.com/office/powerpoint/2015/main" val="1"/>
+                <p16:designElem xmlns:p16="http://schemas.microsoft.com/office/powerpoint/2015/main" xmlns="" val="1"/>
               </p:ext>
             </p:extLst>
           </p:nvPr>
@@ -31689,7 +32021,7 @@
           <p:nvPr>
             <p:extLst>
               <p:ext uri="{386F3935-93C4-4BCD-93E2-E3B085C9AB24}">
-                <p16:designElem xmlns:p16="http://schemas.microsoft.com/office/powerpoint/2015/main" val="1"/>
+                <p16:designElem xmlns:p16="http://schemas.microsoft.com/office/powerpoint/2015/main" xmlns="" val="1"/>
               </p:ext>
             </p:extLst>
           </p:nvPr>
@@ -31846,6 +32178,13 @@
               </a:rPr>
               <a:t>P  A  M  S</a:t>
             </a:r>
+            <a:r>
+              <a:rPr lang="de-DE" sz="4400" dirty="0">
+                <a:latin typeface="Consolas" panose="020B0609020204030204" pitchFamily="49" charset="0"/>
+                <a:cs typeface="Consolas" panose="020B0609020204030204" pitchFamily="49" charset="0"/>
+              </a:rPr>
+              <a:t/>
+            </a:r>
             <a:br>
               <a:rPr lang="de-DE" sz="4400" dirty="0">
                 <a:latin typeface="Consolas" panose="020B0609020204030204" pitchFamily="49" charset="0"/>
@@ -31885,6 +32224,13 @@
                 <a:cs typeface="Consolas" panose="020B0609020204030204" pitchFamily="49" charset="0"/>
               </a:rPr>
               <a:t>  t  n  s</a:t>
+            </a:r>
+            <a:r>
+              <a:rPr lang="de-DE" sz="4400" dirty="0">
+                <a:latin typeface="Consolas" panose="020B0609020204030204" pitchFamily="49" charset="0"/>
+                <a:cs typeface="Consolas" panose="020B0609020204030204" pitchFamily="49" charset="0"/>
+              </a:rPr>
+              <a:t/>
             </a:r>
             <a:br>
               <a:rPr lang="de-DE" sz="4400" dirty="0">
@@ -32232,6 +32578,14 @@
   <p:clrMapOvr>
     <a:masterClrMapping/>
   </p:clrMapOvr>
+  <mc:AlternateContent xmlns:mc="http://schemas.openxmlformats.org/markup-compatibility/2006">
+    <mc:Choice xmlns:p14="http://schemas.microsoft.com/office/powerpoint/2010/main" Requires="p14">
+      <p:transition spd="slow" p14:dur="2000"/>
+    </mc:Choice>
+    <mc:Fallback>
+      <p:transition spd="slow"/>
+    </mc:Fallback>
+  </mc:AlternateContent>
 </p:sld>
 </file>
 
@@ -33974,7 +34328,7 @@
         </p:nvSpPr>
         <p:spPr>
           <a:xfrm>
-            <a:off x="9560603" y="3746832"/>
+            <a:off x="7401525" y="1148487"/>
             <a:ext cx="1916145" cy="400110"/>
           </a:xfrm>
           <a:prstGeom prst="rect">
@@ -34032,7 +34386,7 @@
         </p:nvSpPr>
         <p:spPr>
           <a:xfrm>
-            <a:off x="7536562" y="871805"/>
+            <a:off x="9853391" y="3487785"/>
             <a:ext cx="1646071" cy="707886"/>
           </a:xfrm>
           <a:prstGeom prst="rect">
@@ -34634,7 +34988,7 @@
         </p:nvSpPr>
         <p:spPr>
           <a:xfrm>
-            <a:off x="8039620" y="4782992"/>
+            <a:off x="6609680" y="2705982"/>
             <a:ext cx="1916145" cy="400110"/>
           </a:xfrm>
           <a:prstGeom prst="rect">
@@ -34692,7 +35046,7 @@
         </p:nvSpPr>
         <p:spPr>
           <a:xfrm>
-            <a:off x="6802850" y="2506706"/>
+            <a:off x="8249329" y="4871400"/>
             <a:ext cx="1646071" cy="707886"/>
           </a:xfrm>
           <a:prstGeom prst="rect">
@@ -35229,6 +35583,14 @@
   <p:clrMapOvr>
     <a:masterClrMapping/>
   </p:clrMapOvr>
+  <mc:AlternateContent xmlns:mc="http://schemas.openxmlformats.org/markup-compatibility/2006">
+    <mc:Choice xmlns:p14="http://schemas.microsoft.com/office/powerpoint/2010/main" Requires="p14">
+      <p:transition spd="slow" p14:dur="2000"/>
+    </mc:Choice>
+    <mc:Fallback>
+      <p:transition spd="slow"/>
+    </mc:Fallback>
+  </mc:AlternateContent>
 </p:sld>
 </file>
 

--- a/documents/projectmanagement/Praesentationen/Abschlusspräsentation_Karsten.pptx
+++ b/documents/projectmanagement/Praesentationen/Abschlusspräsentation_Karsten.pptx
@@ -8423,13 +8423,6 @@
         </dgm:presLayoutVars>
       </dgm:prSet>
       <dgm:spPr/>
-      <dgm:t>
-        <a:bodyPr/>
-        <a:lstStyle/>
-        <a:p>
-          <a:endParaRPr lang="de-DE"/>
-        </a:p>
-      </dgm:t>
     </dgm:pt>
     <dgm:pt modelId="{E69F6897-FA44-4D33-95A1-02C61B3B37CC}" type="pres">
       <dgm:prSet presAssocID="{41296BC6-2EBB-497E-96C8-769DF938FF6B}" presName="composite" presStyleCnt="0"/>
@@ -8460,13 +8453,6 @@
         </dgm:presLayoutVars>
       </dgm:prSet>
       <dgm:spPr/>
-      <dgm:t>
-        <a:bodyPr/>
-        <a:lstStyle/>
-        <a:p>
-          <a:endParaRPr lang="de-DE"/>
-        </a:p>
-      </dgm:t>
     </dgm:pt>
   </dgm:ptLst>
   <dgm:cxnLst>
@@ -8729,13 +8715,6 @@
     <dgm:pt modelId="{0DEF2705-2132-4518-B146-F8EE3B04A480}" type="pres">
       <dgm:prSet presAssocID="{D284276E-0B24-4B41-A1DC-742B330585DF}" presName="bkgdShape" presStyleLbl="node1" presStyleIdx="0" presStyleCnt="5"/>
       <dgm:spPr/>
-      <dgm:t>
-        <a:bodyPr/>
-        <a:lstStyle/>
-        <a:p>
-          <a:endParaRPr lang="de-DE"/>
-        </a:p>
-      </dgm:t>
     </dgm:pt>
     <dgm:pt modelId="{2B067435-A646-4502-8080-8057C03B06D4}" type="pres">
       <dgm:prSet presAssocID="{D284276E-0B24-4B41-A1DC-742B330585DF}" presName="nodeTx" presStyleLbl="node1" presStyleIdx="0" presStyleCnt="5">
@@ -8744,13 +8723,6 @@
         </dgm:presLayoutVars>
       </dgm:prSet>
       <dgm:spPr/>
-      <dgm:t>
-        <a:bodyPr/>
-        <a:lstStyle/>
-        <a:p>
-          <a:endParaRPr lang="de-DE"/>
-        </a:p>
-      </dgm:t>
     </dgm:pt>
     <dgm:pt modelId="{D8C4D372-6991-47DD-B3D6-1321029A4997}" type="pres">
       <dgm:prSet presAssocID="{D284276E-0B24-4B41-A1DC-742B330585DF}" presName="invisiNode" presStyleLbl="node1" presStyleIdx="0" presStyleCnt="5"/>
@@ -8777,13 +8749,6 @@
     <dgm:pt modelId="{39AB0950-6831-4B26-B0A1-CE18D8FEA0A8}" type="pres">
       <dgm:prSet presAssocID="{B6CD0483-C4A2-41F4-8D5B-83C014C8DB89}" presName="sibTrans" presStyleLbl="sibTrans2D1" presStyleIdx="0" presStyleCnt="0"/>
       <dgm:spPr/>
-      <dgm:t>
-        <a:bodyPr/>
-        <a:lstStyle/>
-        <a:p>
-          <a:endParaRPr lang="de-DE"/>
-        </a:p>
-      </dgm:t>
     </dgm:pt>
     <dgm:pt modelId="{22642FD7-463F-49BE-9ED8-8AB66652CA11}" type="pres">
       <dgm:prSet presAssocID="{F9295A0E-A9F5-40D7-973C-7BEE1C22BF81}" presName="compNode" presStyleCnt="0"/>
@@ -8792,13 +8757,6 @@
     <dgm:pt modelId="{6FE94BFF-A6B8-4895-AD7F-E390B2692CD0}" type="pres">
       <dgm:prSet presAssocID="{F9295A0E-A9F5-40D7-973C-7BEE1C22BF81}" presName="bkgdShape" presStyleLbl="node1" presStyleIdx="1" presStyleCnt="5"/>
       <dgm:spPr/>
-      <dgm:t>
-        <a:bodyPr/>
-        <a:lstStyle/>
-        <a:p>
-          <a:endParaRPr lang="de-DE"/>
-        </a:p>
-      </dgm:t>
     </dgm:pt>
     <dgm:pt modelId="{C90EFC58-6A6B-4E3E-AE2E-BB0E05B45978}" type="pres">
       <dgm:prSet presAssocID="{F9295A0E-A9F5-40D7-973C-7BEE1C22BF81}" presName="nodeTx" presStyleLbl="node1" presStyleIdx="1" presStyleCnt="5">
@@ -8807,13 +8765,6 @@
         </dgm:presLayoutVars>
       </dgm:prSet>
       <dgm:spPr/>
-      <dgm:t>
-        <a:bodyPr/>
-        <a:lstStyle/>
-        <a:p>
-          <a:endParaRPr lang="de-DE"/>
-        </a:p>
-      </dgm:t>
     </dgm:pt>
     <dgm:pt modelId="{86144F4F-1458-456B-814C-0F2C4F831D80}" type="pres">
       <dgm:prSet presAssocID="{F9295A0E-A9F5-40D7-973C-7BEE1C22BF81}" presName="invisiNode" presStyleLbl="node1" presStyleIdx="1" presStyleCnt="5"/>
@@ -8840,13 +8791,6 @@
     <dgm:pt modelId="{7FA1F5FF-9D16-4966-B88A-1237E8A406F3}" type="pres">
       <dgm:prSet presAssocID="{0C83F384-CAEA-41D8-B597-F0BC9C17BEEC}" presName="sibTrans" presStyleLbl="sibTrans2D1" presStyleIdx="0" presStyleCnt="0"/>
       <dgm:spPr/>
-      <dgm:t>
-        <a:bodyPr/>
-        <a:lstStyle/>
-        <a:p>
-          <a:endParaRPr lang="de-DE"/>
-        </a:p>
-      </dgm:t>
     </dgm:pt>
     <dgm:pt modelId="{D9A6ACB2-F7E6-4999-96D7-035E4971A654}" type="pres">
       <dgm:prSet presAssocID="{EED5BED8-5768-416A-8914-19D13A565395}" presName="compNode" presStyleCnt="0"/>
@@ -8855,13 +8799,6 @@
     <dgm:pt modelId="{492193C1-F6A3-46C9-8AD0-3FC16D212958}" type="pres">
       <dgm:prSet presAssocID="{EED5BED8-5768-416A-8914-19D13A565395}" presName="bkgdShape" presStyleLbl="node1" presStyleIdx="2" presStyleCnt="5"/>
       <dgm:spPr/>
-      <dgm:t>
-        <a:bodyPr/>
-        <a:lstStyle/>
-        <a:p>
-          <a:endParaRPr lang="de-DE"/>
-        </a:p>
-      </dgm:t>
     </dgm:pt>
     <dgm:pt modelId="{12600276-960C-409C-9ED8-15D192C55F70}" type="pres">
       <dgm:prSet presAssocID="{EED5BED8-5768-416A-8914-19D13A565395}" presName="nodeTx" presStyleLbl="node1" presStyleIdx="2" presStyleCnt="5">
@@ -8870,13 +8807,6 @@
         </dgm:presLayoutVars>
       </dgm:prSet>
       <dgm:spPr/>
-      <dgm:t>
-        <a:bodyPr/>
-        <a:lstStyle/>
-        <a:p>
-          <a:endParaRPr lang="de-DE"/>
-        </a:p>
-      </dgm:t>
     </dgm:pt>
     <dgm:pt modelId="{122083A7-F62E-457B-B915-2199F9737903}" type="pres">
       <dgm:prSet presAssocID="{EED5BED8-5768-416A-8914-19D13A565395}" presName="invisiNode" presStyleLbl="node1" presStyleIdx="2" presStyleCnt="5"/>
@@ -8903,13 +8833,6 @@
     <dgm:pt modelId="{289B95B0-76B7-4694-B2C3-09CB600879E7}" type="pres">
       <dgm:prSet presAssocID="{CF800B3B-9BB8-4346-BBC4-261EFFC78F95}" presName="sibTrans" presStyleLbl="sibTrans2D1" presStyleIdx="0" presStyleCnt="0"/>
       <dgm:spPr/>
-      <dgm:t>
-        <a:bodyPr/>
-        <a:lstStyle/>
-        <a:p>
-          <a:endParaRPr lang="de-DE"/>
-        </a:p>
-      </dgm:t>
     </dgm:pt>
     <dgm:pt modelId="{644780DD-012C-4D72-BD0E-AAF7FD9B6C67}" type="pres">
       <dgm:prSet presAssocID="{212C4C3F-B2BC-46BD-B7E2-49BF2D3A9CD2}" presName="compNode" presStyleCnt="0"/>
@@ -8918,13 +8841,6 @@
     <dgm:pt modelId="{6C3E15DF-0AB3-4817-9D0B-10294FEB9639}" type="pres">
       <dgm:prSet presAssocID="{212C4C3F-B2BC-46BD-B7E2-49BF2D3A9CD2}" presName="bkgdShape" presStyleLbl="node1" presStyleIdx="3" presStyleCnt="5"/>
       <dgm:spPr/>
-      <dgm:t>
-        <a:bodyPr/>
-        <a:lstStyle/>
-        <a:p>
-          <a:endParaRPr lang="de-DE"/>
-        </a:p>
-      </dgm:t>
     </dgm:pt>
     <dgm:pt modelId="{681AE190-7CE1-437F-9FC3-D34407CAD7DE}" type="pres">
       <dgm:prSet presAssocID="{212C4C3F-B2BC-46BD-B7E2-49BF2D3A9CD2}" presName="nodeTx" presStyleLbl="node1" presStyleIdx="3" presStyleCnt="5">
@@ -8933,13 +8849,6 @@
         </dgm:presLayoutVars>
       </dgm:prSet>
       <dgm:spPr/>
-      <dgm:t>
-        <a:bodyPr/>
-        <a:lstStyle/>
-        <a:p>
-          <a:endParaRPr lang="de-DE"/>
-        </a:p>
-      </dgm:t>
     </dgm:pt>
     <dgm:pt modelId="{A2B5C136-D03B-4E9E-8E7E-2CAD7941BD8A}" type="pres">
       <dgm:prSet presAssocID="{212C4C3F-B2BC-46BD-B7E2-49BF2D3A9CD2}" presName="invisiNode" presStyleLbl="node1" presStyleIdx="3" presStyleCnt="5"/>
@@ -8966,13 +8875,6 @@
     <dgm:pt modelId="{E14E1273-1C4A-4A69-9E99-7A59F329F47C}" type="pres">
       <dgm:prSet presAssocID="{015805E6-8D1E-44B1-9EF3-42E285A8A86F}" presName="sibTrans" presStyleLbl="sibTrans2D1" presStyleIdx="0" presStyleCnt="0"/>
       <dgm:spPr/>
-      <dgm:t>
-        <a:bodyPr/>
-        <a:lstStyle/>
-        <a:p>
-          <a:endParaRPr lang="de-DE"/>
-        </a:p>
-      </dgm:t>
     </dgm:pt>
     <dgm:pt modelId="{EE389596-78F7-48D1-89CB-7F16954A729C}" type="pres">
       <dgm:prSet presAssocID="{9582269A-5383-4875-B584-D1FCA7B3A081}" presName="compNode" presStyleCnt="0"/>
@@ -8981,13 +8883,6 @@
     <dgm:pt modelId="{259A8A00-97D5-4FB9-A1AF-C361C40F5EF9}" type="pres">
       <dgm:prSet presAssocID="{9582269A-5383-4875-B584-D1FCA7B3A081}" presName="bkgdShape" presStyleLbl="node1" presStyleIdx="4" presStyleCnt="5"/>
       <dgm:spPr/>
-      <dgm:t>
-        <a:bodyPr/>
-        <a:lstStyle/>
-        <a:p>
-          <a:endParaRPr lang="de-DE"/>
-        </a:p>
-      </dgm:t>
     </dgm:pt>
     <dgm:pt modelId="{EBADB602-D542-4ECC-AFA1-51F9C27D40A0}" type="pres">
       <dgm:prSet presAssocID="{9582269A-5383-4875-B584-D1FCA7B3A081}" presName="nodeTx" presStyleLbl="node1" presStyleIdx="4" presStyleCnt="5">
@@ -8996,13 +8891,6 @@
         </dgm:presLayoutVars>
       </dgm:prSet>
       <dgm:spPr/>
-      <dgm:t>
-        <a:bodyPr/>
-        <a:lstStyle/>
-        <a:p>
-          <a:endParaRPr lang="de-DE"/>
-        </a:p>
-      </dgm:t>
     </dgm:pt>
     <dgm:pt modelId="{2995DC13-CA99-4483-B607-980094DDFFF1}" type="pres">
       <dgm:prSet presAssocID="{9582269A-5383-4875-B584-D1FCA7B3A081}" presName="invisiNode" presStyleLbl="node1" presStyleIdx="4" presStyleCnt="5"/>
@@ -9342,13 +9230,6 @@
         </dgm:presLayoutVars>
       </dgm:prSet>
       <dgm:spPr/>
-      <dgm:t>
-        <a:bodyPr/>
-        <a:lstStyle/>
-        <a:p>
-          <a:endParaRPr lang="de-DE"/>
-        </a:p>
-      </dgm:t>
     </dgm:pt>
     <dgm:pt modelId="{DA099EED-4F5D-4058-929B-91D547FCECAF}" type="pres">
       <dgm:prSet presAssocID="{815A21B8-640D-4A0A-BC78-F13870CC4C58}" presName="circleA" presStyleLbl="node1" presStyleIdx="0" presStyleCnt="3"/>
@@ -9373,13 +9254,6 @@
         </dgm:presLayoutVars>
       </dgm:prSet>
       <dgm:spPr/>
-      <dgm:t>
-        <a:bodyPr/>
-        <a:lstStyle/>
-        <a:p>
-          <a:endParaRPr lang="de-DE"/>
-        </a:p>
-      </dgm:t>
     </dgm:pt>
     <dgm:pt modelId="{77162A5F-071C-48C6-B77C-972F8D3E479B}" type="pres">
       <dgm:prSet presAssocID="{D7BC0203-36C7-4DE6-8BF5-40F3B353FD4A}" presName="circleB" presStyleLbl="node1" presStyleIdx="1" presStyleCnt="3"/>
@@ -9404,13 +9278,6 @@
         </dgm:presLayoutVars>
       </dgm:prSet>
       <dgm:spPr/>
-      <dgm:t>
-        <a:bodyPr/>
-        <a:lstStyle/>
-        <a:p>
-          <a:endParaRPr lang="de-DE"/>
-        </a:p>
-      </dgm:t>
     </dgm:pt>
     <dgm:pt modelId="{24D016FC-27A0-40B2-81C4-613E6EA1A617}" type="pres">
       <dgm:prSet presAssocID="{D7DC21AD-EF37-4265-A5AF-B48B72C7E8DA}" presName="circleA" presStyleLbl="node1" presStyleIdx="2" presStyleCnt="3"/>
@@ -9524,13 +9391,6 @@
         </dgm:presLayoutVars>
       </dgm:prSet>
       <dgm:spPr/>
-      <dgm:t>
-        <a:bodyPr/>
-        <a:lstStyle/>
-        <a:p>
-          <a:endParaRPr lang="de-DE"/>
-        </a:p>
-      </dgm:t>
     </dgm:pt>
     <dgm:pt modelId="{E69F6897-FA44-4D33-95A1-02C61B3B37CC}" type="pres">
       <dgm:prSet presAssocID="{41296BC6-2EBB-497E-96C8-769DF938FF6B}" presName="composite" presStyleCnt="0"/>
@@ -9561,13 +9421,6 @@
         </dgm:presLayoutVars>
       </dgm:prSet>
       <dgm:spPr/>
-      <dgm:t>
-        <a:bodyPr/>
-        <a:lstStyle/>
-        <a:p>
-          <a:endParaRPr lang="de-DE"/>
-        </a:p>
-      </dgm:t>
     </dgm:pt>
   </dgm:ptLst>
   <dgm:cxnLst>
@@ -9652,13 +9505,6 @@
         </dgm:presLayoutVars>
       </dgm:prSet>
       <dgm:spPr/>
-      <dgm:t>
-        <a:bodyPr/>
-        <a:lstStyle/>
-        <a:p>
-          <a:endParaRPr lang="de-DE"/>
-        </a:p>
-      </dgm:t>
     </dgm:pt>
     <dgm:pt modelId="{E69F6897-FA44-4D33-95A1-02C61B3B37CC}" type="pres">
       <dgm:prSet presAssocID="{41296BC6-2EBB-497E-96C8-769DF938FF6B}" presName="composite" presStyleCnt="0"/>
@@ -9689,13 +9535,6 @@
         </dgm:presLayoutVars>
       </dgm:prSet>
       <dgm:spPr/>
-      <dgm:t>
-        <a:bodyPr/>
-        <a:lstStyle/>
-        <a:p>
-          <a:endParaRPr lang="de-DE"/>
-        </a:p>
-      </dgm:t>
     </dgm:pt>
   </dgm:ptLst>
   <dgm:cxnLst>
@@ -9780,13 +9619,6 @@
         </dgm:presLayoutVars>
       </dgm:prSet>
       <dgm:spPr/>
-      <dgm:t>
-        <a:bodyPr/>
-        <a:lstStyle/>
-        <a:p>
-          <a:endParaRPr lang="de-DE"/>
-        </a:p>
-      </dgm:t>
     </dgm:pt>
     <dgm:pt modelId="{E69F6897-FA44-4D33-95A1-02C61B3B37CC}" type="pres">
       <dgm:prSet presAssocID="{41296BC6-2EBB-497E-96C8-769DF938FF6B}" presName="composite" presStyleCnt="0"/>
@@ -9817,13 +9649,6 @@
         </dgm:presLayoutVars>
       </dgm:prSet>
       <dgm:spPr/>
-      <dgm:t>
-        <a:bodyPr/>
-        <a:lstStyle/>
-        <a:p>
-          <a:endParaRPr lang="de-DE"/>
-        </a:p>
-      </dgm:t>
     </dgm:pt>
   </dgm:ptLst>
   <dgm:cxnLst>
@@ -9908,13 +9733,6 @@
         </dgm:presLayoutVars>
       </dgm:prSet>
       <dgm:spPr/>
-      <dgm:t>
-        <a:bodyPr/>
-        <a:lstStyle/>
-        <a:p>
-          <a:endParaRPr lang="de-DE"/>
-        </a:p>
-      </dgm:t>
     </dgm:pt>
     <dgm:pt modelId="{E69F6897-FA44-4D33-95A1-02C61B3B37CC}" type="pres">
       <dgm:prSet presAssocID="{41296BC6-2EBB-497E-96C8-769DF938FF6B}" presName="composite" presStyleCnt="0"/>
@@ -9945,13 +9763,6 @@
         </dgm:presLayoutVars>
       </dgm:prSet>
       <dgm:spPr/>
-      <dgm:t>
-        <a:bodyPr/>
-        <a:lstStyle/>
-        <a:p>
-          <a:endParaRPr lang="de-DE"/>
-        </a:p>
-      </dgm:t>
     </dgm:pt>
   </dgm:ptLst>
   <dgm:cxnLst>
@@ -10036,13 +9847,6 @@
         </dgm:presLayoutVars>
       </dgm:prSet>
       <dgm:spPr/>
-      <dgm:t>
-        <a:bodyPr/>
-        <a:lstStyle/>
-        <a:p>
-          <a:endParaRPr lang="de-DE"/>
-        </a:p>
-      </dgm:t>
     </dgm:pt>
     <dgm:pt modelId="{E69F6897-FA44-4D33-95A1-02C61B3B37CC}" type="pres">
       <dgm:prSet presAssocID="{41296BC6-2EBB-497E-96C8-769DF938FF6B}" presName="composite" presStyleCnt="0"/>
@@ -10073,13 +9877,6 @@
         </dgm:presLayoutVars>
       </dgm:prSet>
       <dgm:spPr/>
-      <dgm:t>
-        <a:bodyPr/>
-        <a:lstStyle/>
-        <a:p>
-          <a:endParaRPr lang="de-DE"/>
-        </a:p>
-      </dgm:t>
     </dgm:pt>
   </dgm:ptLst>
   <dgm:cxnLst>
@@ -10248,13 +10045,6 @@
         </dgm:presLayoutVars>
       </dgm:prSet>
       <dgm:spPr/>
-      <dgm:t>
-        <a:bodyPr/>
-        <a:lstStyle/>
-        <a:p>
-          <a:endParaRPr lang="de-DE"/>
-        </a:p>
-      </dgm:t>
     </dgm:pt>
     <dgm:pt modelId="{E69F6897-FA44-4D33-95A1-02C61B3B37CC}" type="pres">
       <dgm:prSet presAssocID="{41296BC6-2EBB-497E-96C8-769DF938FF6B}" presName="composite" presStyleCnt="0"/>
@@ -10285,13 +10075,6 @@
         </dgm:presLayoutVars>
       </dgm:prSet>
       <dgm:spPr/>
-      <dgm:t>
-        <a:bodyPr/>
-        <a:lstStyle/>
-        <a:p>
-          <a:endParaRPr lang="de-DE"/>
-        </a:p>
-      </dgm:t>
     </dgm:pt>
     <dgm:pt modelId="{E25B1FA2-E17C-42C5-8FAF-3BC9E8DAEA7A}" type="pres">
       <dgm:prSet presAssocID="{73489C6D-C5FA-4460-9736-20B51B764A5C}" presName="spacing" presStyleCnt="0"/>
@@ -10326,13 +10109,6 @@
         </dgm:presLayoutVars>
       </dgm:prSet>
       <dgm:spPr/>
-      <dgm:t>
-        <a:bodyPr/>
-        <a:lstStyle/>
-        <a:p>
-          <a:endParaRPr lang="de-DE"/>
-        </a:p>
-      </dgm:t>
     </dgm:pt>
     <dgm:pt modelId="{E30D30DE-40BD-4C10-983A-674632778F02}" type="pres">
       <dgm:prSet presAssocID="{4D36172C-3601-4628-B433-8657B8238583}" presName="spacing" presStyleCnt="0"/>
@@ -10367,13 +10143,6 @@
         </dgm:presLayoutVars>
       </dgm:prSet>
       <dgm:spPr/>
-      <dgm:t>
-        <a:bodyPr/>
-        <a:lstStyle/>
-        <a:p>
-          <a:endParaRPr lang="de-DE"/>
-        </a:p>
-      </dgm:t>
     </dgm:pt>
   </dgm:ptLst>
   <dgm:cxnLst>
@@ -10508,13 +10277,6 @@
         </dgm:presLayoutVars>
       </dgm:prSet>
       <dgm:spPr/>
-      <dgm:t>
-        <a:bodyPr/>
-        <a:lstStyle/>
-        <a:p>
-          <a:endParaRPr lang="de-DE"/>
-        </a:p>
-      </dgm:t>
     </dgm:pt>
     <dgm:pt modelId="{E69F6897-FA44-4D33-95A1-02C61B3B37CC}" type="pres">
       <dgm:prSet presAssocID="{41296BC6-2EBB-497E-96C8-769DF938FF6B}" presName="composite" presStyleCnt="0"/>
@@ -10545,13 +10307,6 @@
         </dgm:presLayoutVars>
       </dgm:prSet>
       <dgm:spPr/>
-      <dgm:t>
-        <a:bodyPr/>
-        <a:lstStyle/>
-        <a:p>
-          <a:endParaRPr lang="de-DE"/>
-        </a:p>
-      </dgm:t>
     </dgm:pt>
     <dgm:pt modelId="{E25B1FA2-E17C-42C5-8FAF-3BC9E8DAEA7A}" type="pres">
       <dgm:prSet presAssocID="{73489C6D-C5FA-4460-9736-20B51B764A5C}" presName="spacing" presStyleCnt="0"/>
@@ -10586,13 +10341,6 @@
         </dgm:presLayoutVars>
       </dgm:prSet>
       <dgm:spPr/>
-      <dgm:t>
-        <a:bodyPr/>
-        <a:lstStyle/>
-        <a:p>
-          <a:endParaRPr lang="de-DE"/>
-        </a:p>
-      </dgm:t>
     </dgm:pt>
   </dgm:ptLst>
   <dgm:cxnLst>
@@ -10807,13 +10555,6 @@
         </dgm:presLayoutVars>
       </dgm:prSet>
       <dgm:spPr/>
-      <dgm:t>
-        <a:bodyPr/>
-        <a:lstStyle/>
-        <a:p>
-          <a:endParaRPr lang="de-DE"/>
-        </a:p>
-      </dgm:t>
     </dgm:pt>
     <dgm:pt modelId="{40C13C18-9F6E-4C35-AF01-26055ECF05BC}" type="pres">
       <dgm:prSet presAssocID="{716DE4C0-36ED-48BF-9177-CE1A225AB5EB}" presName="ellipse" presStyleLbl="trBgShp" presStyleIdx="0" presStyleCnt="1" custLinFactNeighborX="155" custLinFactNeighborY="-1031"/>
@@ -10834,13 +10575,6 @@
         </dgm:presLayoutVars>
       </dgm:prSet>
       <dgm:spPr/>
-      <dgm:t>
-        <a:bodyPr/>
-        <a:lstStyle/>
-        <a:p>
-          <a:endParaRPr lang="de-DE"/>
-        </a:p>
-      </dgm:t>
     </dgm:pt>
     <dgm:pt modelId="{FB48EB3C-A6B0-4713-B23F-AA21270918BA}" type="pres">
       <dgm:prSet presAssocID="{09EDEBC0-C86F-45B3-B036-D774B9D73600}" presName="item1" presStyleLbl="node1" presStyleIdx="0" presStyleCnt="3" custScaleX="117665" custScaleY="117665" custLinFactNeighborX="3890" custLinFactNeighborY="9336">
@@ -10849,13 +10583,6 @@
         </dgm:presLayoutVars>
       </dgm:prSet>
       <dgm:spPr/>
-      <dgm:t>
-        <a:bodyPr/>
-        <a:lstStyle/>
-        <a:p>
-          <a:endParaRPr lang="de-DE"/>
-        </a:p>
-      </dgm:t>
     </dgm:pt>
     <dgm:pt modelId="{637E9EA4-BE55-4A56-999F-C6DD8073753E}" type="pres">
       <dgm:prSet presAssocID="{9701A48A-21AF-4583-A4C9-CE7AE8EFB7F8}" presName="item2" presStyleLbl="node1" presStyleIdx="1" presStyleCnt="3" custScaleX="117665" custScaleY="117665" custLinFactNeighborX="-4668" custLinFactNeighborY="-4668">
@@ -10864,13 +10591,6 @@
         </dgm:presLayoutVars>
       </dgm:prSet>
       <dgm:spPr/>
-      <dgm:t>
-        <a:bodyPr/>
-        <a:lstStyle/>
-        <a:p>
-          <a:endParaRPr lang="de-DE"/>
-        </a:p>
-      </dgm:t>
     </dgm:pt>
     <dgm:pt modelId="{48627F83-5CD4-4A3E-A578-EF51E842456F}" type="pres">
       <dgm:prSet presAssocID="{145EDB80-7DA2-4750-BA22-979B6E7D8D80}" presName="item3" presStyleLbl="node1" presStyleIdx="2" presStyleCnt="3" custScaleX="117665" custScaleY="117665" custLinFactNeighborX="19451" custLinFactNeighborY="-3890">
@@ -10879,13 +10599,6 @@
         </dgm:presLayoutVars>
       </dgm:prSet>
       <dgm:spPr/>
-      <dgm:t>
-        <a:bodyPr/>
-        <a:lstStyle/>
-        <a:p>
-          <a:endParaRPr lang="de-DE"/>
-        </a:p>
-      </dgm:t>
     </dgm:pt>
     <dgm:pt modelId="{6A0FE239-3E43-42DC-8A6C-5B40328B4FDA}" type="pres">
       <dgm:prSet presAssocID="{716DE4C0-36ED-48BF-9177-CE1A225AB5EB}" presName="funnel" presStyleLbl="trAlignAcc1" presStyleIdx="0" presStyleCnt="1" custScaleX="111075" custScaleY="122324" custLinFactNeighborY="-288"/>
@@ -10978,7 +10691,7 @@
         </a:bodyPr>
         <a:lstStyle/>
         <a:p>
-          <a:pPr lvl="0" algn="ctr" defTabSz="1466850">
+          <a:pPr marL="0" lvl="0" indent="0" algn="ctr" defTabSz="1466850">
             <a:lnSpc>
               <a:spcPct val="90000"/>
             </a:lnSpc>
@@ -10988,6 +10701,7 @@
             <a:spcAft>
               <a:spcPct val="35000"/>
             </a:spcAft>
+            <a:buNone/>
           </a:pPr>
           <a:r>
             <a:rPr lang="de-DE" sz="3300" kern="1200" dirty="0"/>
@@ -11117,7 +10831,7 @@
         </a:bodyPr>
         <a:lstStyle/>
         <a:p>
-          <a:pPr lvl="0" algn="ctr" defTabSz="800100">
+          <a:pPr marL="0" lvl="0" indent="0" algn="ctr" defTabSz="800100">
             <a:lnSpc>
               <a:spcPct val="90000"/>
             </a:lnSpc>
@@ -11127,6 +10841,7 @@
             <a:spcAft>
               <a:spcPct val="35000"/>
             </a:spcAft>
+            <a:buNone/>
           </a:pPr>
           <a:r>
             <a:rPr lang="de-DE" sz="1800" kern="1200" dirty="0"/>
@@ -11244,7 +10959,7 @@
         </a:bodyPr>
         <a:lstStyle/>
         <a:p>
-          <a:pPr lvl="0" algn="ctr" defTabSz="800100">
+          <a:pPr marL="0" lvl="0" indent="0" algn="ctr" defTabSz="800100">
             <a:lnSpc>
               <a:spcPct val="90000"/>
             </a:lnSpc>
@@ -11254,6 +10969,7 @@
             <a:spcAft>
               <a:spcPct val="35000"/>
             </a:spcAft>
+            <a:buNone/>
           </a:pPr>
           <a:r>
             <a:rPr lang="de-DE" sz="1800" kern="1200" dirty="0"/>
@@ -11371,7 +11087,7 @@
         </a:bodyPr>
         <a:lstStyle/>
         <a:p>
-          <a:pPr lvl="0" algn="ctr" defTabSz="800100">
+          <a:pPr marL="0" lvl="0" indent="0" algn="ctr" defTabSz="800100">
             <a:lnSpc>
               <a:spcPct val="90000"/>
             </a:lnSpc>
@@ -11381,6 +11097,7 @@
             <a:spcAft>
               <a:spcPct val="35000"/>
             </a:spcAft>
+            <a:buNone/>
           </a:pPr>
           <a:r>
             <a:rPr lang="de-DE" sz="1800" kern="1200" dirty="0"/>
@@ -11498,7 +11215,7 @@
         </a:bodyPr>
         <a:lstStyle/>
         <a:p>
-          <a:pPr lvl="0" algn="ctr" defTabSz="800100">
+          <a:pPr marL="0" lvl="0" indent="0" algn="ctr" defTabSz="800100">
             <a:lnSpc>
               <a:spcPct val="90000"/>
             </a:lnSpc>
@@ -11508,6 +11225,7 @@
             <a:spcAft>
               <a:spcPct val="35000"/>
             </a:spcAft>
+            <a:buNone/>
           </a:pPr>
           <a:r>
             <a:rPr lang="de-DE" sz="1800" kern="1200" dirty="0"/>
@@ -11625,7 +11343,7 @@
         </a:bodyPr>
         <a:lstStyle/>
         <a:p>
-          <a:pPr lvl="0" algn="ctr" defTabSz="800100">
+          <a:pPr marL="0" lvl="0" indent="0" algn="ctr" defTabSz="800100">
             <a:lnSpc>
               <a:spcPct val="90000"/>
             </a:lnSpc>
@@ -11635,6 +11353,7 @@
             <a:spcAft>
               <a:spcPct val="35000"/>
             </a:spcAft>
+            <a:buNone/>
           </a:pPr>
           <a:r>
             <a:rPr lang="de-DE" sz="1800" kern="1200" dirty="0"/>
@@ -11821,7 +11540,7 @@
         </a:bodyPr>
         <a:lstStyle/>
         <a:p>
-          <a:pPr lvl="0" algn="l" defTabSz="1155700">
+          <a:pPr marL="0" lvl="0" indent="0" algn="l" defTabSz="1155700">
             <a:lnSpc>
               <a:spcPct val="90000"/>
             </a:lnSpc>
@@ -11831,6 +11550,7 @@
             <a:spcAft>
               <a:spcPct val="35000"/>
             </a:spcAft>
+            <a:buNone/>
           </a:pPr>
           <a:r>
             <a:rPr lang="de-DE" sz="2600" kern="1200" dirty="0"/>
@@ -11848,7 +11568,7 @@
             <a:spcAft>
               <a:spcPct val="15000"/>
             </a:spcAft>
-            <a:buChar char="••"/>
+            <a:buChar char="•"/>
           </a:pPr>
           <a:r>
             <a:rPr lang="de-DE" sz="2000" kern="1200" dirty="0"/>
@@ -11948,7 +11668,7 @@
         </a:bodyPr>
         <a:lstStyle/>
         <a:p>
-          <a:pPr lvl="0" algn="l" defTabSz="1155700">
+          <a:pPr marL="0" lvl="0" indent="0" algn="l" defTabSz="1155700">
             <a:lnSpc>
               <a:spcPct val="90000"/>
             </a:lnSpc>
@@ -11958,6 +11678,7 @@
             <a:spcAft>
               <a:spcPct val="35000"/>
             </a:spcAft>
+            <a:buNone/>
           </a:pPr>
           <a:r>
             <a:rPr lang="de-DE" sz="2600" kern="1200" dirty="0"/>
@@ -11975,7 +11696,7 @@
             <a:spcAft>
               <a:spcPct val="15000"/>
             </a:spcAft>
-            <a:buChar char="••"/>
+            <a:buChar char="•"/>
           </a:pPr>
           <a:r>
             <a:rPr lang="de-DE" sz="2000" kern="1200" dirty="0"/>
@@ -12075,7 +11796,7 @@
         </a:bodyPr>
         <a:lstStyle/>
         <a:p>
-          <a:pPr lvl="0" algn="l" defTabSz="1155700">
+          <a:pPr marL="0" lvl="0" indent="0" algn="l" defTabSz="1155700">
             <a:lnSpc>
               <a:spcPct val="90000"/>
             </a:lnSpc>
@@ -12085,6 +11806,7 @@
             <a:spcAft>
               <a:spcPct val="35000"/>
             </a:spcAft>
+            <a:buNone/>
           </a:pPr>
           <a:r>
             <a:rPr lang="de-DE" sz="2600" kern="1200" dirty="0"/>
@@ -12102,7 +11824,7 @@
             <a:spcAft>
               <a:spcPct val="15000"/>
             </a:spcAft>
-            <a:buChar char="••"/>
+            <a:buChar char="•"/>
           </a:pPr>
           <a:endParaRPr lang="de-DE" sz="2000" kern="1200" dirty="0"/>
         </a:p>
@@ -12224,7 +11946,7 @@
         </a:bodyPr>
         <a:lstStyle/>
         <a:p>
-          <a:pPr lvl="0" algn="ctr" defTabSz="1466850">
+          <a:pPr marL="0" lvl="0" indent="0" algn="ctr" defTabSz="1466850">
             <a:lnSpc>
               <a:spcPct val="90000"/>
             </a:lnSpc>
@@ -12234,6 +11956,7 @@
             <a:spcAft>
               <a:spcPct val="35000"/>
             </a:spcAft>
+            <a:buNone/>
           </a:pPr>
           <a:r>
             <a:rPr lang="de-DE" sz="3300" kern="1200" dirty="0"/>
@@ -12361,7 +12084,7 @@
         </a:bodyPr>
         <a:lstStyle/>
         <a:p>
-          <a:pPr lvl="0" algn="ctr" defTabSz="1466850">
+          <a:pPr marL="0" lvl="0" indent="0" algn="ctr" defTabSz="1466850">
             <a:lnSpc>
               <a:spcPct val="90000"/>
             </a:lnSpc>
@@ -12371,6 +12094,7 @@
             <a:spcAft>
               <a:spcPct val="35000"/>
             </a:spcAft>
+            <a:buNone/>
           </a:pPr>
           <a:r>
             <a:rPr lang="de-DE" sz="3300" kern="1200" dirty="0"/>
@@ -12498,7 +12222,7 @@
         </a:bodyPr>
         <a:lstStyle/>
         <a:p>
-          <a:pPr lvl="0" algn="ctr" defTabSz="1466850">
+          <a:pPr marL="0" lvl="0" indent="0" algn="ctr" defTabSz="1466850">
             <a:lnSpc>
               <a:spcPct val="90000"/>
             </a:lnSpc>
@@ -12508,6 +12232,7 @@
             <a:spcAft>
               <a:spcPct val="35000"/>
             </a:spcAft>
+            <a:buNone/>
           </a:pPr>
           <a:r>
             <a:rPr lang="de-DE" sz="3300" kern="1200" dirty="0"/>
@@ -12635,7 +12360,7 @@
         </a:bodyPr>
         <a:lstStyle/>
         <a:p>
-          <a:pPr lvl="0" algn="ctr" defTabSz="1466850">
+          <a:pPr marL="0" lvl="0" indent="0" algn="ctr" defTabSz="1466850">
             <a:lnSpc>
               <a:spcPct val="90000"/>
             </a:lnSpc>
@@ -12645,6 +12370,7 @@
             <a:spcAft>
               <a:spcPct val="35000"/>
             </a:spcAft>
+            <a:buNone/>
           </a:pPr>
           <a:r>
             <a:rPr lang="de-DE" sz="3300" kern="1200" dirty="0"/>
@@ -12772,7 +12498,7 @@
         </a:bodyPr>
         <a:lstStyle/>
         <a:p>
-          <a:pPr lvl="0" algn="ctr" defTabSz="1466850">
+          <a:pPr marL="0" lvl="0" indent="0" algn="ctr" defTabSz="1466850">
             <a:lnSpc>
               <a:spcPct val="90000"/>
             </a:lnSpc>
@@ -12782,6 +12508,7 @@
             <a:spcAft>
               <a:spcPct val="35000"/>
             </a:spcAft>
+            <a:buNone/>
           </a:pPr>
           <a:r>
             <a:rPr lang="de-DE" sz="3300" kern="1200" dirty="0"/>
@@ -12909,7 +12636,7 @@
         </a:bodyPr>
         <a:lstStyle/>
         <a:p>
-          <a:pPr lvl="0" algn="ctr" defTabSz="1466850">
+          <a:pPr marL="0" lvl="0" indent="0" algn="ctr" defTabSz="1466850">
             <a:lnSpc>
               <a:spcPct val="90000"/>
             </a:lnSpc>
@@ -12919,6 +12646,7 @@
             <a:spcAft>
               <a:spcPct val="35000"/>
             </a:spcAft>
+            <a:buNone/>
           </a:pPr>
           <a:r>
             <a:rPr lang="de-DE" sz="3300" kern="1200" dirty="0"/>
@@ -13034,7 +12762,7 @@
         </a:bodyPr>
         <a:lstStyle/>
         <a:p>
-          <a:pPr lvl="0" algn="ctr" defTabSz="1466850">
+          <a:pPr marL="0" lvl="0" indent="0" algn="ctr" defTabSz="1466850">
             <a:lnSpc>
               <a:spcPct val="90000"/>
             </a:lnSpc>
@@ -13044,6 +12772,7 @@
             <a:spcAft>
               <a:spcPct val="35000"/>
             </a:spcAft>
+            <a:buNone/>
           </a:pPr>
           <a:r>
             <a:rPr lang="de-DE" sz="3300" kern="1200" dirty="0"/>
@@ -13159,7 +12888,7 @@
         </a:bodyPr>
         <a:lstStyle/>
         <a:p>
-          <a:pPr lvl="0" algn="ctr" defTabSz="1466850">
+          <a:pPr marL="0" lvl="0" indent="0" algn="ctr" defTabSz="1466850">
             <a:lnSpc>
               <a:spcPct val="90000"/>
             </a:lnSpc>
@@ -13169,6 +12898,7 @@
             <a:spcAft>
               <a:spcPct val="35000"/>
             </a:spcAft>
+            <a:buNone/>
           </a:pPr>
           <a:r>
             <a:rPr lang="de-DE" sz="3300" kern="1200" dirty="0" err="1"/>
@@ -13300,7 +13030,7 @@
         </a:bodyPr>
         <a:lstStyle/>
         <a:p>
-          <a:pPr lvl="0" algn="ctr" defTabSz="1466850">
+          <a:pPr marL="0" lvl="0" indent="0" algn="ctr" defTabSz="1466850">
             <a:lnSpc>
               <a:spcPct val="90000"/>
             </a:lnSpc>
@@ -13310,6 +13040,7 @@
             <a:spcAft>
               <a:spcPct val="35000"/>
             </a:spcAft>
+            <a:buNone/>
           </a:pPr>
           <a:r>
             <a:rPr lang="de-DE" sz="3300" kern="1200" dirty="0"/>
@@ -13425,7 +13156,7 @@
         </a:bodyPr>
         <a:lstStyle/>
         <a:p>
-          <a:pPr lvl="0" algn="ctr" defTabSz="1466850">
+          <a:pPr marL="0" lvl="0" indent="0" algn="ctr" defTabSz="1466850">
             <a:lnSpc>
               <a:spcPct val="90000"/>
             </a:lnSpc>
@@ -13435,6 +13166,7 @@
             <a:spcAft>
               <a:spcPct val="35000"/>
             </a:spcAft>
+            <a:buNone/>
           </a:pPr>
           <a:r>
             <a:rPr lang="de-DE" sz="3300" kern="1200" dirty="0"/>
@@ -13633,7 +13365,7 @@
         </a:bodyPr>
         <a:lstStyle/>
         <a:p>
-          <a:pPr lvl="0" algn="ctr" defTabSz="1377950">
+          <a:pPr marL="0" lvl="0" indent="0" algn="ctr" defTabSz="1377950">
             <a:lnSpc>
               <a:spcPct val="90000"/>
             </a:lnSpc>
@@ -13643,6 +13375,7 @@
             <a:spcAft>
               <a:spcPct val="35000"/>
             </a:spcAft>
+            <a:buNone/>
           </a:pPr>
           <a:r>
             <a:rPr lang="de-DE" sz="3100" kern="1200" dirty="0">
@@ -13709,7 +13442,7 @@
         </a:bodyPr>
         <a:lstStyle/>
         <a:p>
-          <a:pPr lvl="0" algn="ctr" defTabSz="755650">
+          <a:pPr marL="0" lvl="0" indent="0" algn="ctr" defTabSz="755650">
             <a:lnSpc>
               <a:spcPct val="90000"/>
             </a:lnSpc>
@@ -13719,6 +13452,7 @@
             <a:spcAft>
               <a:spcPct val="35000"/>
             </a:spcAft>
+            <a:buNone/>
           </a:pPr>
           <a:r>
             <a:rPr lang="de-DE" sz="1700" kern="1200" dirty="0"/>
@@ -13781,7 +13515,7 @@
         </a:bodyPr>
         <a:lstStyle/>
         <a:p>
-          <a:pPr lvl="0" algn="ctr" defTabSz="711200">
+          <a:pPr marL="0" lvl="0" indent="0" algn="ctr" defTabSz="711200">
             <a:lnSpc>
               <a:spcPct val="90000"/>
             </a:lnSpc>
@@ -13791,6 +13525,7 @@
             <a:spcAft>
               <a:spcPct val="35000"/>
             </a:spcAft>
+            <a:buNone/>
           </a:pPr>
           <a:r>
             <a:rPr lang="de-DE" sz="1600" kern="1200" dirty="0" err="1"/>
@@ -13857,7 +13592,7 @@
         </a:bodyPr>
         <a:lstStyle/>
         <a:p>
-          <a:pPr lvl="0" algn="ctr" defTabSz="755650">
+          <a:pPr marL="0" lvl="0" indent="0" algn="ctr" defTabSz="755650">
             <a:lnSpc>
               <a:spcPct val="90000"/>
             </a:lnSpc>
@@ -13867,6 +13602,7 @@
             <a:spcAft>
               <a:spcPct val="35000"/>
             </a:spcAft>
+            <a:buNone/>
           </a:pPr>
           <a:r>
             <a:rPr lang="de-DE" sz="1700" kern="1200" dirty="0"/>
@@ -27993,11 +27729,11 @@
           <a:lstStyle/>
           <a:p>
             <a:r>
-              <a:rPr lang="de-DE" dirty="0" smtClean="0"/>
+              <a:rPr lang="de-DE" dirty="0"/>
               <a:t>KARSTEN: Führungskraft Martin möchte einen Überblick über</a:t>
             </a:r>
             <a:r>
-              <a:rPr lang="de-DE" baseline="0" dirty="0" smtClean="0"/>
+              <a:rPr lang="de-DE" baseline="0" dirty="0"/>
               <a:t> Projektanträge. Diesen kann er mit den Statistiken des PAMS erlangen.</a:t>
             </a:r>
             <a:endParaRPr lang="de-DE" dirty="0"/>
@@ -28320,14 +28056,14 @@
             <a:pPr marL="0" indent="0">
               <a:buNone/>
             </a:pPr>
-            <a:endParaRPr lang="de-DE" baseline="0" dirty="0" smtClean="0"/>
+            <a:endParaRPr lang="de-DE" baseline="0" dirty="0"/>
           </a:p>
           <a:p>
             <a:pPr marL="0" indent="0">
               <a:buNone/>
             </a:pPr>
             <a:r>
-              <a:rPr lang="de-DE" baseline="0" dirty="0" smtClean="0"/>
+              <a:rPr lang="de-DE" baseline="0" dirty="0"/>
               <a:t>KARSTEN</a:t>
             </a:r>
           </a:p>
@@ -28336,10 +28072,9 @@
               <a:buNone/>
             </a:pPr>
             <a:r>
-              <a:rPr lang="de-DE" baseline="0" dirty="0" smtClean="0"/>
+              <a:rPr lang="de-DE" baseline="0" dirty="0"/>
               <a:t>Derzeit fahren Sie einen gefährlichen Kurs. Indem Sie die Hürde der gesamtheitlichen Erfassung nicht nehmen, erreichen Sie auch keine Übersicht über Ihre Projektanträge. Damit ist auch keine Auswertung möglich, weshalb Sie orientierungslos umherirren.</a:t>
             </a:r>
-            <a:endParaRPr lang="de-DE" baseline="0" dirty="0"/>
           </a:p>
         </p:txBody>
       </p:sp>
@@ -28549,47 +28284,43 @@
           <a:p>
             <a:r>
               <a:rPr lang="de-DE" baseline="0" dirty="0"/>
-              <a:t>Welche Funktionen können wir Ihnen anbieten um ihnen zukünftig entsprechenden Mehrwert zu bieten</a:t>
-            </a:r>
-            <a:r>
-              <a:rPr lang="de-DE" baseline="0" dirty="0" smtClean="0"/>
-              <a:t>?</a:t>
+              <a:t>Welche Funktionen können wir Ihnen anbieten um ihnen zukünftig entsprechenden Mehrwert zu bieten?</a:t>
             </a:r>
           </a:p>
           <a:p>
-            <a:endParaRPr lang="de-DE" baseline="0" dirty="0" smtClean="0"/>
+            <a:endParaRPr lang="de-DE" baseline="0" dirty="0"/>
           </a:p>
           <a:p>
-            <a:endParaRPr lang="de-DE" baseline="0" dirty="0" smtClean="0"/>
+            <a:endParaRPr lang="de-DE" baseline="0" dirty="0"/>
           </a:p>
           <a:p>
             <a:r>
-              <a:rPr lang="de-DE" baseline="0" dirty="0" smtClean="0"/>
+              <a:rPr lang="de-DE" baseline="0" dirty="0"/>
               <a:t>KARSTEN:</a:t>
             </a:r>
           </a:p>
           <a:p>
             <a:r>
-              <a:rPr lang="de-DE" dirty="0" smtClean="0"/>
+              <a:rPr lang="de-DE" dirty="0"/>
               <a:t>Lassen Sie</a:t>
             </a:r>
             <a:r>
-              <a:rPr lang="de-DE" baseline="0" dirty="0" smtClean="0"/>
+              <a:rPr lang="de-DE" baseline="0" dirty="0"/>
               <a:t> uns gemeinsam die Hürden überwinden, und Ihren Kurs begradigen um Ihr Projektantragsmanagement auf ein neues Level zu heben. </a:t>
             </a:r>
           </a:p>
           <a:p>
             <a:r>
-              <a:rPr lang="de-DE" baseline="0" dirty="0" smtClean="0"/>
+              <a:rPr lang="de-DE" baseline="0" dirty="0"/>
               <a:t>Wir bieten Ihnen ein neues Erlebnis und noch nie dagewesene Funktionen die genau auf Ihr Unternehmen zugeschnitten sind.</a:t>
             </a:r>
           </a:p>
           <a:p>
             <a:r>
-              <a:rPr lang="de-DE" baseline="0" dirty="0" smtClean="0"/>
+              <a:rPr lang="de-DE" baseline="0" dirty="0"/>
               <a:t>Welche Funktionen können wir Ihnen anbieten um ihnen zukünftig entsprechenden Mehrwert zu bieten?</a:t>
             </a:r>
-            <a:endParaRPr lang="de-DE" dirty="0" smtClean="0"/>
+            <a:endParaRPr lang="de-DE" dirty="0"/>
           </a:p>
           <a:p>
             <a:endParaRPr lang="de-DE" dirty="0"/>
@@ -28782,11 +28513,28 @@
             </a:r>
             <a:r>
               <a:rPr lang="de-DE" baseline="0" dirty="0"/>
-              <a:t> das PAMS. </a:t>
+              <a:t> ihr zukünftiges System.</a:t>
             </a:r>
+          </a:p>
+          <a:p>
             <a:r>
-              <a:rPr lang="de-DE" baseline="0" dirty="0" err="1"/>
-              <a:t>Informatio</a:t>
+              <a:rPr lang="de-DE" baseline="0" dirty="0"/>
+              <a:t>Es ist ein unabhängiges System, welches volle Kontrolle und das Management über ihre gesamten Projektanträge garantiert. Durch die Implementierung eines umfangreichen Kennzahlenmodells werden Sie ihre Projektantragsmanagement neu erleben. </a:t>
+            </a:r>
+          </a:p>
+          <a:p>
+            <a:r>
+              <a:rPr lang="de-DE" baseline="0" dirty="0"/>
+              <a:t>Das System ist genau an ihre Bedürfnisse und ihre Strukturen  angepasst.</a:t>
+            </a:r>
+          </a:p>
+          <a:p>
+            <a:endParaRPr lang="de-DE" baseline="0" dirty="0"/>
+          </a:p>
+          <a:p>
+            <a:r>
+              <a:rPr lang="de-DE" baseline="0" dirty="0"/>
+              <a:t>Wir versprechen Ihnen das alle Bedürfnisse erfüllt werden.</a:t>
             </a:r>
             <a:endParaRPr lang="de-DE" dirty="0"/>
           </a:p>
@@ -28874,11 +28622,11 @@
           <a:p>
             <a:r>
               <a:rPr lang="de-DE" dirty="0"/>
-              <a:t>Welchen Mehrwert</a:t>
+              <a:t>Sie denken sich</a:t>
             </a:r>
             <a:r>
               <a:rPr lang="de-DE" baseline="0" dirty="0"/>
-              <a:t> können wir Ihnen bieten?</a:t>
+              <a:t> jetzt bestimmt welchen Mehrwert können wir im Vergleich zu anderen Systemen bieten?</a:t>
             </a:r>
             <a:endParaRPr lang="de-DE" dirty="0"/>
           </a:p>
@@ -31888,7 +31636,7 @@
           <p:nvPr>
             <p:extLst>
               <p:ext uri="{386F3935-93C4-4BCD-93E2-E3B085C9AB24}">
-                <p16:designElem xmlns:p16="http://schemas.microsoft.com/office/powerpoint/2015/main" xmlns="" val="1"/>
+                <p16:designElem xmlns:p16="http://schemas.microsoft.com/office/powerpoint/2015/main" val="1"/>
               </p:ext>
             </p:extLst>
           </p:nvPr>
@@ -32021,7 +31769,7 @@
           <p:nvPr>
             <p:extLst>
               <p:ext uri="{386F3935-93C4-4BCD-93E2-E3B085C9AB24}">
-                <p16:designElem xmlns:p16="http://schemas.microsoft.com/office/powerpoint/2015/main" xmlns="" val="1"/>
+                <p16:designElem xmlns:p16="http://schemas.microsoft.com/office/powerpoint/2015/main" val="1"/>
               </p:ext>
             </p:extLst>
           </p:nvPr>
@@ -32178,13 +31926,6 @@
               </a:rPr>
               <a:t>P  A  M  S</a:t>
             </a:r>
-            <a:r>
-              <a:rPr lang="de-DE" sz="4400" dirty="0">
-                <a:latin typeface="Consolas" panose="020B0609020204030204" pitchFamily="49" charset="0"/>
-                <a:cs typeface="Consolas" panose="020B0609020204030204" pitchFamily="49" charset="0"/>
-              </a:rPr>
-              <a:t/>
-            </a:r>
             <a:br>
               <a:rPr lang="de-DE" sz="4400" dirty="0">
                 <a:latin typeface="Consolas" panose="020B0609020204030204" pitchFamily="49" charset="0"/>
@@ -32224,13 +31965,6 @@
                 <a:cs typeface="Consolas" panose="020B0609020204030204" pitchFamily="49" charset="0"/>
               </a:rPr>
               <a:t>  t  n  s</a:t>
-            </a:r>
-            <a:r>
-              <a:rPr lang="de-DE" sz="4400" dirty="0">
-                <a:latin typeface="Consolas" panose="020B0609020204030204" pitchFamily="49" charset="0"/>
-                <a:cs typeface="Consolas" panose="020B0609020204030204" pitchFamily="49" charset="0"/>
-              </a:rPr>
-              <a:t/>
             </a:r>
             <a:br>
               <a:rPr lang="de-DE" sz="4400" dirty="0">
@@ -32578,14 +32312,6 @@
   <p:clrMapOvr>
     <a:masterClrMapping/>
   </p:clrMapOvr>
-  <mc:AlternateContent xmlns:mc="http://schemas.openxmlformats.org/markup-compatibility/2006">
-    <mc:Choice xmlns:p14="http://schemas.microsoft.com/office/powerpoint/2010/main" Requires="p14">
-      <p:transition spd="slow" p14:dur="2000"/>
-    </mc:Choice>
-    <mc:Fallback>
-      <p:transition spd="slow"/>
-    </mc:Fallback>
-  </mc:AlternateContent>
 </p:sld>
 </file>
 
@@ -35583,14 +35309,6 @@
   <p:clrMapOvr>
     <a:masterClrMapping/>
   </p:clrMapOvr>
-  <mc:AlternateContent xmlns:mc="http://schemas.openxmlformats.org/markup-compatibility/2006">
-    <mc:Choice xmlns:p14="http://schemas.microsoft.com/office/powerpoint/2010/main" Requires="p14">
-      <p:transition spd="slow" p14:dur="2000"/>
-    </mc:Choice>
-    <mc:Fallback>
-      <p:transition spd="slow"/>
-    </mc:Fallback>
-  </mc:AlternateContent>
 </p:sld>
 </file>
 
